--- a/documentation/Grafiken_16052019.pptx
+++ b/documentation/Grafiken_16052019.pptx
@@ -5,14 +5,13 @@
     <p:sldMasterId id="2147483648" r:id="rId1"/>
   </p:sldMasterIdLst>
   <p:notesMasterIdLst>
-    <p:notesMasterId r:id="rId7"/>
+    <p:notesMasterId r:id="rId6"/>
   </p:notesMasterIdLst>
   <p:sldIdLst>
     <p:sldId id="257" r:id="rId2"/>
-    <p:sldId id="256" r:id="rId3"/>
-    <p:sldId id="259" r:id="rId4"/>
-    <p:sldId id="258" r:id="rId5"/>
-    <p:sldId id="262" r:id="rId6"/>
+    <p:sldId id="259" r:id="rId3"/>
+    <p:sldId id="258" r:id="rId4"/>
+    <p:sldId id="262" r:id="rId5"/>
   </p:sldIdLst>
   <p:sldSz cx="12192000" cy="6858000"/>
   <p:notesSz cx="6858000" cy="9144000"/>
@@ -3392,7 +3391,7 @@
           <a:p>
             <a:fld id="{7CE7E9C1-CE1C-4C43-946E-C917C4E46334}" type="datetimeFigureOut">
               <a:rPr lang="en-US" smtClean="0"/>
-              <a:t>5/16/2019</a:t>
+              <a:t>5/23/19</a:t>
             </a:fld>
             <a:endParaRPr lang="en-US"/>
           </a:p>
@@ -3809,7 +3808,7 @@
           <a:p>
             <a:fld id="{AD2C9B26-65F8-44E2-9882-3A09398C32A6}" type="slidenum">
               <a:rPr lang="en-US" smtClean="0"/>
-              <a:t>4</a:t>
+              <a:t>3</a:t>
             </a:fld>
             <a:endParaRPr lang="en-US"/>
           </a:p>
@@ -3893,7 +3892,7 @@
           <a:p>
             <a:fld id="{AD2C9B26-65F8-44E2-9882-3A09398C32A6}" type="slidenum">
               <a:rPr lang="en-US" smtClean="0"/>
-              <a:t>5</a:t>
+              <a:t>4</a:t>
             </a:fld>
             <a:endParaRPr lang="en-US"/>
           </a:p>
@@ -4059,7 +4058,7 @@
           <a:p>
             <a:fld id="{E89DD1B1-51C8-204C-AAB9-6B8AD2C68C1D}" type="datetimeFigureOut">
               <a:rPr lang="de-DE" smtClean="0"/>
-              <a:t>16.05.2019</a:t>
+              <a:t>23.05.19</a:t>
             </a:fld>
             <a:endParaRPr lang="de-DE"/>
           </a:p>
@@ -4232,7 +4231,7 @@
           <a:p>
             <a:fld id="{E89DD1B1-51C8-204C-AAB9-6B8AD2C68C1D}" type="datetimeFigureOut">
               <a:rPr lang="de-DE" smtClean="0"/>
-              <a:t>16.05.2019</a:t>
+              <a:t>23.05.19</a:t>
             </a:fld>
             <a:endParaRPr lang="de-DE"/>
           </a:p>
@@ -4415,7 +4414,7 @@
           <a:p>
             <a:fld id="{E89DD1B1-51C8-204C-AAB9-6B8AD2C68C1D}" type="datetimeFigureOut">
               <a:rPr lang="de-DE" smtClean="0"/>
-              <a:t>16.05.2019</a:t>
+              <a:t>23.05.19</a:t>
             </a:fld>
             <a:endParaRPr lang="de-DE"/>
           </a:p>
@@ -4588,7 +4587,7 @@
           <a:p>
             <a:fld id="{E89DD1B1-51C8-204C-AAB9-6B8AD2C68C1D}" type="datetimeFigureOut">
               <a:rPr lang="de-DE" smtClean="0"/>
-              <a:t>16.05.2019</a:t>
+              <a:t>23.05.19</a:t>
             </a:fld>
             <a:endParaRPr lang="de-DE"/>
           </a:p>
@@ -4866,7 +4865,7 @@
           <a:p>
             <a:fld id="{E89DD1B1-51C8-204C-AAB9-6B8AD2C68C1D}" type="datetimeFigureOut">
               <a:rPr lang="de-DE" smtClean="0"/>
-              <a:t>16.05.2019</a:t>
+              <a:t>23.05.19</a:t>
             </a:fld>
             <a:endParaRPr lang="de-DE"/>
           </a:p>
@@ -5081,7 +5080,7 @@
           <a:p>
             <a:fld id="{E89DD1B1-51C8-204C-AAB9-6B8AD2C68C1D}" type="datetimeFigureOut">
               <a:rPr lang="de-DE" smtClean="0"/>
-              <a:t>16.05.2019</a:t>
+              <a:t>23.05.19</a:t>
             </a:fld>
             <a:endParaRPr lang="de-DE"/>
           </a:p>
@@ -5449,7 +5448,7 @@
           <a:p>
             <a:fld id="{E89DD1B1-51C8-204C-AAB9-6B8AD2C68C1D}" type="datetimeFigureOut">
               <a:rPr lang="de-DE" smtClean="0"/>
-              <a:t>16.05.2019</a:t>
+              <a:t>23.05.19</a:t>
             </a:fld>
             <a:endParaRPr lang="de-DE"/>
           </a:p>
@@ -5590,7 +5589,7 @@
           <a:p>
             <a:fld id="{E89DD1B1-51C8-204C-AAB9-6B8AD2C68C1D}" type="datetimeFigureOut">
               <a:rPr lang="de-DE" smtClean="0"/>
-              <a:t>16.05.2019</a:t>
+              <a:t>23.05.19</a:t>
             </a:fld>
             <a:endParaRPr lang="de-DE"/>
           </a:p>
@@ -5703,7 +5702,7 @@
           <a:p>
             <a:fld id="{E89DD1B1-51C8-204C-AAB9-6B8AD2C68C1D}" type="datetimeFigureOut">
               <a:rPr lang="de-DE" smtClean="0"/>
-              <a:t>16.05.2019</a:t>
+              <a:t>23.05.19</a:t>
             </a:fld>
             <a:endParaRPr lang="de-DE"/>
           </a:p>
@@ -5992,7 +5991,7 @@
           <a:p>
             <a:fld id="{E89DD1B1-51C8-204C-AAB9-6B8AD2C68C1D}" type="datetimeFigureOut">
               <a:rPr lang="de-DE" smtClean="0"/>
-              <a:t>16.05.2019</a:t>
+              <a:t>23.05.19</a:t>
             </a:fld>
             <a:endParaRPr lang="de-DE"/>
           </a:p>
@@ -6283,7 +6282,7 @@
           <a:p>
             <a:fld id="{E89DD1B1-51C8-204C-AAB9-6B8AD2C68C1D}" type="datetimeFigureOut">
               <a:rPr lang="de-DE" smtClean="0"/>
-              <a:t>16.05.2019</a:t>
+              <a:t>23.05.19</a:t>
             </a:fld>
             <a:endParaRPr lang="de-DE"/>
           </a:p>
@@ -6499,7 +6498,7 @@
           <a:p>
             <a:fld id="{E89DD1B1-51C8-204C-AAB9-6B8AD2C68C1D}" type="datetimeFigureOut">
               <a:rPr lang="de-DE" smtClean="0"/>
-              <a:t>16.05.2019</a:t>
+              <a:t>23.05.19</a:t>
             </a:fld>
             <a:endParaRPr lang="de-DE"/>
           </a:p>
@@ -7915,618 +7914,6 @@
         </p:blipFill>
         <p:spPr bwMode="auto">
           <a:xfrm>
-            <a:off x="4844098" y="3159125"/>
-            <a:ext cx="2503805" cy="540000"/>
-          </a:xfrm>
-          <a:prstGeom prst="rect">
-            <a:avLst/>
-          </a:prstGeom>
-          <a:ln>
-            <a:noFill/>
-          </a:ln>
-          <a:extLst>
-            <a:ext uri="{53640926-AAD7-44D8-BBD7-CCE9431645EC}">
-              <a14:shadowObscured xmlns:a14="http://schemas.microsoft.com/office/drawing/2010/main"/>
-            </a:ext>
-          </a:extLst>
-        </p:spPr>
-      </p:pic>
-      <p:pic>
-        <p:nvPicPr>
-          <p:cNvPr id="12" name="Grafik 11">
-            <a:extLst>
-              <a:ext uri="{FF2B5EF4-FFF2-40B4-BE49-F238E27FC236}">
-                <a16:creationId xmlns:a16="http://schemas.microsoft.com/office/drawing/2014/main" id="{A747FA4D-F13E-A048-B070-FA2FAEEEC764}"/>
-              </a:ext>
-            </a:extLst>
-          </p:cNvPr>
-          <p:cNvPicPr>
-            <a:picLocks noChangeAspect="1"/>
-          </p:cNvPicPr>
-          <p:nvPr/>
-        </p:nvPicPr>
-        <p:blipFill rotWithShape="1">
-          <a:blip r:embed="rId3"/>
-          <a:srcRect l="-1" r="-5"/>
-          <a:stretch/>
-        </p:blipFill>
-        <p:spPr>
-          <a:xfrm>
-            <a:off x="8328002" y="3159125"/>
-            <a:ext cx="2718584" cy="720000"/>
-          </a:xfrm>
-          <a:prstGeom prst="rect">
-            <a:avLst/>
-          </a:prstGeom>
-        </p:spPr>
-      </p:pic>
-      <p:pic>
-        <p:nvPicPr>
-          <p:cNvPr id="14" name="Grafik 13">
-            <a:extLst>
-              <a:ext uri="{FF2B5EF4-FFF2-40B4-BE49-F238E27FC236}">
-                <a16:creationId xmlns:a16="http://schemas.microsoft.com/office/drawing/2014/main" id="{6B7E46AD-2830-B642-A799-F6867CC60D68}"/>
-              </a:ext>
-            </a:extLst>
-          </p:cNvPr>
-          <p:cNvPicPr>
-            <a:picLocks noChangeAspect="1"/>
-          </p:cNvPicPr>
-          <p:nvPr/>
-        </p:nvPicPr>
-        <p:blipFill>
-          <a:blip r:embed="rId4"/>
-          <a:stretch>
-            <a:fillRect/>
-          </a:stretch>
-        </p:blipFill>
-        <p:spPr>
-          <a:xfrm>
-            <a:off x="8328002" y="1658547"/>
-            <a:ext cx="2557726" cy="720000"/>
-          </a:xfrm>
-          <a:prstGeom prst="rect">
-            <a:avLst/>
-          </a:prstGeom>
-        </p:spPr>
-      </p:pic>
-      <p:pic>
-        <p:nvPicPr>
-          <p:cNvPr id="16" name="Grafik 15">
-            <a:extLst>
-              <a:ext uri="{FF2B5EF4-FFF2-40B4-BE49-F238E27FC236}">
-                <a16:creationId xmlns:a16="http://schemas.microsoft.com/office/drawing/2014/main" id="{26F18A2C-3C7A-374B-818F-80C1247997AF}"/>
-              </a:ext>
-            </a:extLst>
-          </p:cNvPr>
-          <p:cNvPicPr>
-            <a:picLocks noChangeAspect="1"/>
-          </p:cNvPicPr>
-          <p:nvPr/>
-        </p:nvPicPr>
-        <p:blipFill>
-          <a:blip r:embed="rId5"/>
-          <a:stretch>
-            <a:fillRect/>
-          </a:stretch>
-        </p:blipFill>
-        <p:spPr>
-          <a:xfrm>
-            <a:off x="9327294" y="4452257"/>
-            <a:ext cx="720000" cy="720000"/>
-          </a:xfrm>
-          <a:prstGeom prst="rect">
-            <a:avLst/>
-          </a:prstGeom>
-        </p:spPr>
-      </p:pic>
-      <p:pic>
-        <p:nvPicPr>
-          <p:cNvPr id="18" name="Grafik 17">
-            <a:extLst>
-              <a:ext uri="{FF2B5EF4-FFF2-40B4-BE49-F238E27FC236}">
-                <a16:creationId xmlns:a16="http://schemas.microsoft.com/office/drawing/2014/main" id="{690829BF-ACD0-C848-952E-02D4CAF1C807}"/>
-              </a:ext>
-            </a:extLst>
-          </p:cNvPr>
-          <p:cNvPicPr>
-            <a:picLocks noChangeAspect="1"/>
-          </p:cNvPicPr>
-          <p:nvPr/>
-        </p:nvPicPr>
-        <p:blipFill>
-          <a:blip r:embed="rId6"/>
-          <a:stretch>
-            <a:fillRect/>
-          </a:stretch>
-        </p:blipFill>
-        <p:spPr>
-          <a:xfrm>
-            <a:off x="508000" y="3159125"/>
-            <a:ext cx="720000" cy="720000"/>
-          </a:xfrm>
-          <a:prstGeom prst="rect">
-            <a:avLst/>
-          </a:prstGeom>
-        </p:spPr>
-      </p:pic>
-      <p:cxnSp>
-        <p:nvCxnSpPr>
-          <p:cNvPr id="6" name="Gerade Verbindung mit Pfeil 5">
-            <a:extLst>
-              <a:ext uri="{FF2B5EF4-FFF2-40B4-BE49-F238E27FC236}">
-                <a16:creationId xmlns:a16="http://schemas.microsoft.com/office/drawing/2014/main" id="{6A06B1A4-CF96-6440-81B6-247F3B914AD0}"/>
-              </a:ext>
-            </a:extLst>
-          </p:cNvPr>
-          <p:cNvCxnSpPr/>
-          <p:nvPr/>
-        </p:nvCxnSpPr>
-        <p:spPr>
-          <a:xfrm>
-            <a:off x="7445829" y="3429000"/>
-            <a:ext cx="751114" cy="0"/>
-          </a:xfrm>
-          <a:prstGeom prst="straightConnector1">
-            <a:avLst/>
-          </a:prstGeom>
-          <a:ln w="57150">
-            <a:tailEnd type="triangle"/>
-          </a:ln>
-        </p:spPr>
-        <p:style>
-          <a:lnRef idx="1">
-            <a:schemeClr val="accent3"/>
-          </a:lnRef>
-          <a:fillRef idx="0">
-            <a:schemeClr val="accent3"/>
-          </a:fillRef>
-          <a:effectRef idx="0">
-            <a:schemeClr val="accent3"/>
-          </a:effectRef>
-          <a:fontRef idx="minor">
-            <a:schemeClr val="tx1"/>
-          </a:fontRef>
-        </p:style>
-      </p:cxnSp>
-      <p:cxnSp>
-        <p:nvCxnSpPr>
-          <p:cNvPr id="8" name="Gerade Verbindung mit Pfeil 7">
-            <a:extLst>
-              <a:ext uri="{FF2B5EF4-FFF2-40B4-BE49-F238E27FC236}">
-                <a16:creationId xmlns:a16="http://schemas.microsoft.com/office/drawing/2014/main" id="{820066A3-31E2-FF41-BD17-BE5FDF8F0D73}"/>
-              </a:ext>
-            </a:extLst>
-          </p:cNvPr>
-          <p:cNvCxnSpPr/>
-          <p:nvPr/>
-        </p:nvCxnSpPr>
-        <p:spPr>
-          <a:xfrm flipV="1">
-            <a:off x="7467600" y="2253343"/>
-            <a:ext cx="718457" cy="1077686"/>
-          </a:xfrm>
-          <a:prstGeom prst="straightConnector1">
-            <a:avLst/>
-          </a:prstGeom>
-          <a:ln w="57150">
-            <a:tailEnd type="triangle"/>
-          </a:ln>
-        </p:spPr>
-        <p:style>
-          <a:lnRef idx="1">
-            <a:schemeClr val="accent3"/>
-          </a:lnRef>
-          <a:fillRef idx="0">
-            <a:schemeClr val="accent3"/>
-          </a:fillRef>
-          <a:effectRef idx="0">
-            <a:schemeClr val="accent3"/>
-          </a:effectRef>
-          <a:fontRef idx="minor">
-            <a:schemeClr val="tx1"/>
-          </a:fontRef>
-        </p:style>
-      </p:cxnSp>
-      <p:cxnSp>
-        <p:nvCxnSpPr>
-          <p:cNvPr id="11" name="Gerade Verbindung mit Pfeil 10">
-            <a:extLst>
-              <a:ext uri="{FF2B5EF4-FFF2-40B4-BE49-F238E27FC236}">
-                <a16:creationId xmlns:a16="http://schemas.microsoft.com/office/drawing/2014/main" id="{9447A555-BD04-5245-B7BA-ADB656FB6D2C}"/>
-              </a:ext>
-            </a:extLst>
-          </p:cNvPr>
-          <p:cNvCxnSpPr>
-            <a:cxnSpLocks/>
-          </p:cNvCxnSpPr>
-          <p:nvPr/>
-        </p:nvCxnSpPr>
-        <p:spPr>
-          <a:xfrm>
-            <a:off x="7445829" y="3505200"/>
-            <a:ext cx="1741714" cy="1251857"/>
-          </a:xfrm>
-          <a:prstGeom prst="straightConnector1">
-            <a:avLst/>
-          </a:prstGeom>
-          <a:ln w="57150">
-            <a:tailEnd type="triangle"/>
-          </a:ln>
-        </p:spPr>
-        <p:style>
-          <a:lnRef idx="1">
-            <a:schemeClr val="accent3"/>
-          </a:lnRef>
-          <a:fillRef idx="0">
-            <a:schemeClr val="accent3"/>
-          </a:fillRef>
-          <a:effectRef idx="0">
-            <a:schemeClr val="accent3"/>
-          </a:effectRef>
-          <a:fontRef idx="minor">
-            <a:schemeClr val="tx1"/>
-          </a:fontRef>
-        </p:style>
-      </p:cxnSp>
-      <p:cxnSp>
-        <p:nvCxnSpPr>
-          <p:cNvPr id="17" name="Gerade Verbindung mit Pfeil 16">
-            <a:extLst>
-              <a:ext uri="{FF2B5EF4-FFF2-40B4-BE49-F238E27FC236}">
-                <a16:creationId xmlns:a16="http://schemas.microsoft.com/office/drawing/2014/main" id="{6AAADAB5-5FE9-9949-8524-26BAC0B8820A}"/>
-              </a:ext>
-            </a:extLst>
-          </p:cNvPr>
-          <p:cNvCxnSpPr>
-            <a:cxnSpLocks/>
-            <a:stCxn id="14" idx="2"/>
-          </p:cNvCxnSpPr>
-          <p:nvPr/>
-        </p:nvCxnSpPr>
-        <p:spPr>
-          <a:xfrm>
-            <a:off x="9606865" y="2378547"/>
-            <a:ext cx="0" cy="780578"/>
-          </a:xfrm>
-          <a:prstGeom prst="straightConnector1">
-            <a:avLst/>
-          </a:prstGeom>
-          <a:ln w="57150">
-            <a:headEnd type="triangle"/>
-            <a:tailEnd type="triangle"/>
-          </a:ln>
-        </p:spPr>
-        <p:style>
-          <a:lnRef idx="1">
-            <a:schemeClr val="accent3"/>
-          </a:lnRef>
-          <a:fillRef idx="0">
-            <a:schemeClr val="accent3"/>
-          </a:fillRef>
-          <a:effectRef idx="0">
-            <a:schemeClr val="accent3"/>
-          </a:effectRef>
-          <a:fontRef idx="minor">
-            <a:schemeClr val="tx1"/>
-          </a:fontRef>
-        </p:style>
-      </p:cxnSp>
-      <p:sp>
-        <p:nvSpPr>
-          <p:cNvPr id="20" name="Textfeld 19">
-            <a:extLst>
-              <a:ext uri="{FF2B5EF4-FFF2-40B4-BE49-F238E27FC236}">
-                <a16:creationId xmlns:a16="http://schemas.microsoft.com/office/drawing/2014/main" id="{3FA1A359-4CD3-D94F-9177-C70394478B9A}"/>
-              </a:ext>
-            </a:extLst>
-          </p:cNvPr>
-          <p:cNvSpPr txBox="1"/>
-          <p:nvPr/>
-        </p:nvSpPr>
-        <p:spPr>
-          <a:xfrm>
-            <a:off x="8762118" y="595949"/>
-            <a:ext cx="1850351" cy="369332"/>
-          </a:xfrm>
-          <a:prstGeom prst="rect">
-            <a:avLst/>
-          </a:prstGeom>
-          <a:noFill/>
-        </p:spPr>
-        <p:txBody>
-          <a:bodyPr wrap="square" rtlCol="0">
-            <a:spAutoFit/>
-          </a:bodyPr>
-          <a:lstStyle/>
-          <a:p>
-            <a:r>
-              <a:rPr lang="de-DE" dirty="0" err="1">
-                <a:solidFill>
-                  <a:schemeClr val="bg1">
-                    <a:lumMod val="50000"/>
-                  </a:schemeClr>
-                </a:solidFill>
-              </a:rPr>
-              <a:t>direct</a:t>
-            </a:r>
-            <a:r>
-              <a:rPr lang="de-DE" dirty="0">
-                <a:solidFill>
-                  <a:schemeClr val="bg1">
-                    <a:lumMod val="50000"/>
-                  </a:schemeClr>
-                </a:solidFill>
-              </a:rPr>
-              <a:t> </a:t>
-            </a:r>
-            <a:r>
-              <a:rPr lang="de-DE" dirty="0" err="1">
-                <a:solidFill>
-                  <a:schemeClr val="bg1">
-                    <a:lumMod val="50000"/>
-                  </a:schemeClr>
-                </a:solidFill>
-              </a:rPr>
-              <a:t>integration</a:t>
-            </a:r>
-            <a:endParaRPr lang="de-DE" dirty="0">
-              <a:solidFill>
-                <a:schemeClr val="bg1">
-                  <a:lumMod val="50000"/>
-                </a:schemeClr>
-              </a:solidFill>
-            </a:endParaRPr>
-          </a:p>
-        </p:txBody>
-      </p:sp>
-      <p:sp>
-        <p:nvSpPr>
-          <p:cNvPr id="22" name="Textfeld 21">
-            <a:extLst>
-              <a:ext uri="{FF2B5EF4-FFF2-40B4-BE49-F238E27FC236}">
-                <a16:creationId xmlns:a16="http://schemas.microsoft.com/office/drawing/2014/main" id="{9F1DA31E-76E2-B740-AE15-A11AFE1F39E6}"/>
-              </a:ext>
-            </a:extLst>
-          </p:cNvPr>
-          <p:cNvSpPr txBox="1"/>
-          <p:nvPr/>
-        </p:nvSpPr>
-        <p:spPr>
-          <a:xfrm>
-            <a:off x="1587230" y="595949"/>
-            <a:ext cx="2124800" cy="369332"/>
-          </a:xfrm>
-          <a:prstGeom prst="rect">
-            <a:avLst/>
-          </a:prstGeom>
-          <a:noFill/>
-        </p:spPr>
-        <p:txBody>
-          <a:bodyPr wrap="square" rtlCol="0">
-            <a:spAutoFit/>
-          </a:bodyPr>
-          <a:lstStyle/>
-          <a:p>
-            <a:r>
-              <a:rPr lang="de-DE" dirty="0" err="1">
-                <a:solidFill>
-                  <a:schemeClr val="bg1">
-                    <a:lumMod val="50000"/>
-                  </a:schemeClr>
-                </a:solidFill>
-              </a:rPr>
-              <a:t>indirect</a:t>
-            </a:r>
-            <a:r>
-              <a:rPr lang="de-DE" dirty="0">
-                <a:solidFill>
-                  <a:schemeClr val="bg1">
-                    <a:lumMod val="50000"/>
-                  </a:schemeClr>
-                </a:solidFill>
-              </a:rPr>
-              <a:t> </a:t>
-            </a:r>
-            <a:r>
-              <a:rPr lang="de-DE" dirty="0" err="1">
-                <a:solidFill>
-                  <a:schemeClr val="bg1">
-                    <a:lumMod val="50000"/>
-                  </a:schemeClr>
-                </a:solidFill>
-              </a:rPr>
-              <a:t>integration</a:t>
-            </a:r>
-            <a:endParaRPr lang="de-DE" dirty="0">
-              <a:solidFill>
-                <a:schemeClr val="bg1">
-                  <a:lumMod val="50000"/>
-                </a:schemeClr>
-              </a:solidFill>
-            </a:endParaRPr>
-          </a:p>
-        </p:txBody>
-      </p:sp>
-      <p:pic>
-        <p:nvPicPr>
-          <p:cNvPr id="3" name="Grafik 2">
-            <a:extLst>
-              <a:ext uri="{FF2B5EF4-FFF2-40B4-BE49-F238E27FC236}">
-                <a16:creationId xmlns:a16="http://schemas.microsoft.com/office/drawing/2014/main" id="{19ADBD66-7957-524A-896B-6A3588D11D5C}"/>
-              </a:ext>
-            </a:extLst>
-          </p:cNvPr>
-          <p:cNvPicPr>
-            <a:picLocks noChangeAspect="1"/>
-          </p:cNvPicPr>
-          <p:nvPr/>
-        </p:nvPicPr>
-        <p:blipFill>
-          <a:blip r:embed="rId7">
-            <a:extLst>
-              <a:ext uri="{BEBA8EAE-BF5A-486C-A8C5-ECC9F3942E4B}">
-                <a14:imgProps xmlns:a14="http://schemas.microsoft.com/office/drawing/2010/main">
-                  <a14:imgLayer>
-                    <a14:imgEffect>
-                      <a14:brightnessContrast bright="20000" contrast="-40000"/>
-                    </a14:imgEffect>
-                  </a14:imgLayer>
-                </a14:imgProps>
-              </a:ext>
-            </a:extLst>
-          </a:blip>
-          <a:stretch>
-            <a:fillRect/>
-          </a:stretch>
-        </p:blipFill>
-        <p:spPr>
-          <a:xfrm>
-            <a:off x="2015152" y="2980180"/>
-            <a:ext cx="2331897" cy="1008000"/>
-          </a:xfrm>
-          <a:prstGeom prst="rect">
-            <a:avLst/>
-          </a:prstGeom>
-        </p:spPr>
-      </p:pic>
-      <p:cxnSp>
-        <p:nvCxnSpPr>
-          <p:cNvPr id="15" name="Gerade Verbindung mit Pfeil 14">
-            <a:extLst>
-              <a:ext uri="{FF2B5EF4-FFF2-40B4-BE49-F238E27FC236}">
-                <a16:creationId xmlns:a16="http://schemas.microsoft.com/office/drawing/2014/main" id="{6C5F171D-7D2D-D74A-AD93-259640A0F9F8}"/>
-              </a:ext>
-            </a:extLst>
-          </p:cNvPr>
-          <p:cNvCxnSpPr>
-            <a:cxnSpLocks/>
-          </p:cNvCxnSpPr>
-          <p:nvPr/>
-        </p:nvCxnSpPr>
-        <p:spPr>
-          <a:xfrm>
-            <a:off x="1264038" y="3481552"/>
-            <a:ext cx="720000" cy="0"/>
-          </a:xfrm>
-          <a:prstGeom prst="straightConnector1">
-            <a:avLst/>
-          </a:prstGeom>
-          <a:ln w="57150">
-            <a:tailEnd type="triangle"/>
-          </a:ln>
-        </p:spPr>
-        <p:style>
-          <a:lnRef idx="1">
-            <a:schemeClr val="accent3"/>
-          </a:lnRef>
-          <a:fillRef idx="0">
-            <a:schemeClr val="accent3"/>
-          </a:fillRef>
-          <a:effectRef idx="0">
-            <a:schemeClr val="accent3"/>
-          </a:effectRef>
-          <a:fontRef idx="minor">
-            <a:schemeClr val="tx1"/>
-          </a:fontRef>
-        </p:style>
-      </p:cxnSp>
-      <p:cxnSp>
-        <p:nvCxnSpPr>
-          <p:cNvPr id="19" name="Gerade Verbindung mit Pfeil 18">
-            <a:extLst>
-              <a:ext uri="{FF2B5EF4-FFF2-40B4-BE49-F238E27FC236}">
-                <a16:creationId xmlns:a16="http://schemas.microsoft.com/office/drawing/2014/main" id="{AB2086CF-8C6A-BD44-80B0-D5923EC6EFE4}"/>
-              </a:ext>
-            </a:extLst>
-          </p:cNvPr>
-          <p:cNvCxnSpPr>
-            <a:cxnSpLocks/>
-          </p:cNvCxnSpPr>
-          <p:nvPr/>
-        </p:nvCxnSpPr>
-        <p:spPr>
-          <a:xfrm>
-            <a:off x="4378163" y="3481427"/>
-            <a:ext cx="497049" cy="125"/>
-          </a:xfrm>
-          <a:prstGeom prst="straightConnector1">
-            <a:avLst/>
-          </a:prstGeom>
-          <a:ln w="57150">
-            <a:tailEnd type="triangle"/>
-          </a:ln>
-        </p:spPr>
-        <p:style>
-          <a:lnRef idx="1">
-            <a:schemeClr val="accent3"/>
-          </a:lnRef>
-          <a:fillRef idx="0">
-            <a:schemeClr val="accent3"/>
-          </a:fillRef>
-          <a:effectRef idx="0">
-            <a:schemeClr val="accent3"/>
-          </a:effectRef>
-          <a:fontRef idx="minor">
-            <a:schemeClr val="tx1"/>
-          </a:fontRef>
-        </p:style>
-      </p:cxnSp>
-    </p:spTree>
-    <p:extLst>
-      <p:ext uri="{BB962C8B-B14F-4D97-AF65-F5344CB8AC3E}">
-        <p14:creationId xmlns:p14="http://schemas.microsoft.com/office/powerpoint/2010/main" val="1361870316"/>
-      </p:ext>
-    </p:extLst>
-  </p:cSld>
-  <p:clrMapOvr>
-    <a:masterClrMapping/>
-  </p:clrMapOvr>
-</p:sld>
-</file>
-
-<file path=ppt/slides/slide3.xml><?xml version="1.0" encoding="utf-8"?>
-<p:sld xmlns:a="http://schemas.openxmlformats.org/drawingml/2006/main" xmlns:r="http://schemas.openxmlformats.org/officeDocument/2006/relationships" xmlns:p="http://schemas.openxmlformats.org/presentationml/2006/main">
-  <p:cSld>
-    <p:spTree>
-      <p:nvGrpSpPr>
-        <p:cNvPr id="1" name=""/>
-        <p:cNvGrpSpPr/>
-        <p:nvPr/>
-      </p:nvGrpSpPr>
-      <p:grpSpPr>
-        <a:xfrm>
-          <a:off x="0" y="0"/>
-          <a:ext cx="0" cy="0"/>
-          <a:chOff x="0" y="0"/>
-          <a:chExt cx="0" cy="0"/>
-        </a:xfrm>
-      </p:grpSpPr>
-      <p:pic>
-        <p:nvPicPr>
-          <p:cNvPr id="4" name="Grafik 3">
-            <a:extLst>
-              <a:ext uri="{FF2B5EF4-FFF2-40B4-BE49-F238E27FC236}">
-                <a16:creationId xmlns:a16="http://schemas.microsoft.com/office/drawing/2014/main" id="{1AA7F025-7BFD-9F4A-9838-0BE56757A728}"/>
-              </a:ext>
-            </a:extLst>
-          </p:cNvPr>
-          <p:cNvPicPr/>
-          <p:nvPr/>
-        </p:nvPicPr>
-        <p:blipFill rotWithShape="1">
-          <a:blip r:embed="rId2">
-            <a:extLst>
-              <a:ext uri="{28A0092B-C50C-407E-A947-70E740481C1C}">
-                <a14:useLocalDpi xmlns:a14="http://schemas.microsoft.com/office/drawing/2010/main" val="0"/>
-              </a:ext>
-            </a:extLst>
-          </a:blip>
-          <a:srcRect t="40242" b="21725"/>
-          <a:stretch/>
-        </p:blipFill>
-        <p:spPr bwMode="auto">
-          <a:xfrm>
             <a:off x="4933192" y="3169861"/>
             <a:ext cx="2503805" cy="540000"/>
           </a:xfrm>
@@ -8574,10 +7961,10 @@
       </p:pic>
       <p:pic>
         <p:nvPicPr>
-          <p:cNvPr id="14" name="Grafik 13">
+          <p:cNvPr id="16" name="Grafik 15">
             <a:extLst>
               <a:ext uri="{FF2B5EF4-FFF2-40B4-BE49-F238E27FC236}">
-                <a16:creationId xmlns:a16="http://schemas.microsoft.com/office/drawing/2014/main" id="{6B7E46AD-2830-B642-A799-F6867CC60D68}"/>
+                <a16:creationId xmlns:a16="http://schemas.microsoft.com/office/drawing/2014/main" id="{26F18A2C-3C7A-374B-818F-80C1247997AF}"/>
               </a:ext>
             </a:extLst>
           </p:cNvPr>
@@ -8594,67 +7981,7 @@
         </p:blipFill>
         <p:spPr>
           <a:xfrm>
-            <a:off x="8328001" y="1741326"/>
-            <a:ext cx="2557726" cy="720000"/>
-          </a:xfrm>
-          <a:prstGeom prst="rect">
-            <a:avLst/>
-          </a:prstGeom>
-        </p:spPr>
-      </p:pic>
-      <p:pic>
-        <p:nvPicPr>
-          <p:cNvPr id="16" name="Grafik 15">
-            <a:extLst>
-              <a:ext uri="{FF2B5EF4-FFF2-40B4-BE49-F238E27FC236}">
-                <a16:creationId xmlns:a16="http://schemas.microsoft.com/office/drawing/2014/main" id="{26F18A2C-3C7A-374B-818F-80C1247997AF}"/>
-              </a:ext>
-            </a:extLst>
-          </p:cNvPr>
-          <p:cNvPicPr>
-            <a:picLocks noChangeAspect="1"/>
-          </p:cNvPicPr>
-          <p:nvPr/>
-        </p:nvPicPr>
-        <p:blipFill>
-          <a:blip r:embed="rId5"/>
-          <a:stretch>
-            <a:fillRect/>
-          </a:stretch>
-        </p:blipFill>
-        <p:spPr>
-          <a:xfrm>
             <a:off x="9327293" y="4718512"/>
-            <a:ext cx="720000" cy="720000"/>
-          </a:xfrm>
-          <a:prstGeom prst="rect">
-            <a:avLst/>
-          </a:prstGeom>
-        </p:spPr>
-      </p:pic>
-      <p:pic>
-        <p:nvPicPr>
-          <p:cNvPr id="18" name="Grafik 17">
-            <a:extLst>
-              <a:ext uri="{FF2B5EF4-FFF2-40B4-BE49-F238E27FC236}">
-                <a16:creationId xmlns:a16="http://schemas.microsoft.com/office/drawing/2014/main" id="{690829BF-ACD0-C848-952E-02D4CAF1C807}"/>
-              </a:ext>
-            </a:extLst>
-          </p:cNvPr>
-          <p:cNvPicPr>
-            <a:picLocks noChangeAspect="1"/>
-          </p:cNvPicPr>
-          <p:nvPr/>
-        </p:nvPicPr>
-        <p:blipFill>
-          <a:blip r:embed="rId6"/>
-          <a:stretch>
-            <a:fillRect/>
-          </a:stretch>
-        </p:blipFill>
-        <p:spPr>
-          <a:xfrm>
-            <a:off x="508000" y="3159125"/>
             <a:ext cx="720000" cy="720000"/>
           </a:xfrm>
           <a:prstGeom prst="rect">
@@ -8840,48 +8167,6 @@
           </a:p>
         </p:txBody>
       </p:sp>
-      <p:pic>
-        <p:nvPicPr>
-          <p:cNvPr id="3" name="Grafik 2">
-            <a:extLst>
-              <a:ext uri="{FF2B5EF4-FFF2-40B4-BE49-F238E27FC236}">
-                <a16:creationId xmlns:a16="http://schemas.microsoft.com/office/drawing/2014/main" id="{19ADBD66-7957-524A-896B-6A3588D11D5C}"/>
-              </a:ext>
-            </a:extLst>
-          </p:cNvPr>
-          <p:cNvPicPr>
-            <a:picLocks noChangeAspect="1"/>
-          </p:cNvPicPr>
-          <p:nvPr/>
-        </p:nvPicPr>
-        <p:blipFill>
-          <a:blip r:embed="rId7">
-            <a:extLst>
-              <a:ext uri="{BEBA8EAE-BF5A-486C-A8C5-ECC9F3942E4B}">
-                <a14:imgProps xmlns:a14="http://schemas.microsoft.com/office/drawing/2010/main">
-                  <a14:imgLayer>
-                    <a14:imgEffect>
-                      <a14:brightnessContrast bright="20000" contrast="-40000"/>
-                    </a14:imgEffect>
-                  </a14:imgLayer>
-                </a14:imgProps>
-              </a:ext>
-            </a:extLst>
-          </a:blip>
-          <a:stretch>
-            <a:fillRect/>
-          </a:stretch>
-        </p:blipFill>
-        <p:spPr>
-          <a:xfrm>
-            <a:off x="2015152" y="2980180"/>
-            <a:ext cx="2331897" cy="1008000"/>
-          </a:xfrm>
-          <a:prstGeom prst="rect">
-            <a:avLst/>
-          </a:prstGeom>
-        </p:spPr>
-      </p:pic>
       <p:cxnSp>
         <p:nvCxnSpPr>
           <p:cNvPr id="15" name="Gerade Verbindung mit Pfeil 14">
@@ -9127,6 +8412,96 @@
           </a:p>
         </p:txBody>
       </p:sp>
+      <p:pic>
+        <p:nvPicPr>
+          <p:cNvPr id="19" name="Grafik 18">
+            <a:extLst>
+              <a:ext uri="{FF2B5EF4-FFF2-40B4-BE49-F238E27FC236}">
+                <a16:creationId xmlns:a16="http://schemas.microsoft.com/office/drawing/2014/main" id="{AB8D3771-CEB2-E841-835D-CAF20480E5AD}"/>
+              </a:ext>
+            </a:extLst>
+          </p:cNvPr>
+          <p:cNvPicPr>
+            <a:picLocks noChangeAspect="1"/>
+          </p:cNvPicPr>
+          <p:nvPr/>
+        </p:nvPicPr>
+        <p:blipFill>
+          <a:blip r:embed="rId5"/>
+          <a:stretch>
+            <a:fillRect/>
+          </a:stretch>
+        </p:blipFill>
+        <p:spPr>
+          <a:xfrm>
+            <a:off x="591581" y="3079861"/>
+            <a:ext cx="586406" cy="720000"/>
+          </a:xfrm>
+          <a:prstGeom prst="rect">
+            <a:avLst/>
+          </a:prstGeom>
+        </p:spPr>
+      </p:pic>
+      <p:pic>
+        <p:nvPicPr>
+          <p:cNvPr id="8" name="Grafik 7">
+            <a:extLst>
+              <a:ext uri="{FF2B5EF4-FFF2-40B4-BE49-F238E27FC236}">
+                <a16:creationId xmlns:a16="http://schemas.microsoft.com/office/drawing/2014/main" id="{7ABBFEB6-7591-EE43-962B-3E287339DBF4}"/>
+              </a:ext>
+            </a:extLst>
+          </p:cNvPr>
+          <p:cNvPicPr>
+            <a:picLocks noChangeAspect="1"/>
+          </p:cNvPicPr>
+          <p:nvPr/>
+        </p:nvPicPr>
+        <p:blipFill>
+          <a:blip r:embed="rId6"/>
+          <a:stretch>
+            <a:fillRect/>
+          </a:stretch>
+        </p:blipFill>
+        <p:spPr>
+          <a:xfrm>
+            <a:off x="8483669" y="1745361"/>
+            <a:ext cx="2128800" cy="720000"/>
+          </a:xfrm>
+          <a:prstGeom prst="rect">
+            <a:avLst/>
+          </a:prstGeom>
+        </p:spPr>
+      </p:pic>
+      <p:pic>
+        <p:nvPicPr>
+          <p:cNvPr id="10" name="Grafik 9">
+            <a:extLst>
+              <a:ext uri="{FF2B5EF4-FFF2-40B4-BE49-F238E27FC236}">
+                <a16:creationId xmlns:a16="http://schemas.microsoft.com/office/drawing/2014/main" id="{3B951BB3-463B-0549-BCA6-A511DCE58114}"/>
+              </a:ext>
+            </a:extLst>
+          </p:cNvPr>
+          <p:cNvPicPr>
+            <a:picLocks noChangeAspect="1"/>
+          </p:cNvPicPr>
+          <p:nvPr/>
+        </p:nvPicPr>
+        <p:blipFill>
+          <a:blip r:embed="rId7"/>
+          <a:stretch>
+            <a:fillRect/>
+          </a:stretch>
+        </p:blipFill>
+        <p:spPr>
+          <a:xfrm>
+            <a:off x="2120011" y="3146724"/>
+            <a:ext cx="2048276" cy="720000"/>
+          </a:xfrm>
+          <a:prstGeom prst="rect">
+            <a:avLst/>
+          </a:prstGeom>
+        </p:spPr>
+      </p:pic>
     </p:spTree>
     <p:extLst>
       <p:ext uri="{BB962C8B-B14F-4D97-AF65-F5344CB8AC3E}">
@@ -9140,7 +8515,7 @@
 </p:sld>
 </file>
 
-<file path=ppt/slides/slide4.xml><?xml version="1.0" encoding="utf-8"?>
+<file path=ppt/slides/slide3.xml><?xml version="1.0" encoding="utf-8"?>
 <p:sld xmlns:a="http://schemas.openxmlformats.org/drawingml/2006/main" xmlns:r="http://schemas.openxmlformats.org/officeDocument/2006/relationships" xmlns:p="http://schemas.openxmlformats.org/presentationml/2006/main">
   <p:cSld>
     <p:spTree>
@@ -11164,7 +10539,7 @@
 </p:sld>
 </file>
 
-<file path=ppt/slides/slide5.xml><?xml version="1.0" encoding="utf-8"?>
+<file path=ppt/slides/slide4.xml><?xml version="1.0" encoding="utf-8"?>
 <p:sld xmlns:a="http://schemas.openxmlformats.org/drawingml/2006/main" xmlns:r="http://schemas.openxmlformats.org/officeDocument/2006/relationships" xmlns:p="http://schemas.openxmlformats.org/presentationml/2006/main">
   <p:cSld>
     <p:spTree>

--- a/documentation/Grafiken_16052019.pptx
+++ b/documentation/Grafiken_16052019.pptx
@@ -6945,10 +6945,10 @@
       </p:graphicFrame>
       <p:grpSp>
         <p:nvGrpSpPr>
-          <p:cNvPr id="15" name="Gruppieren 14">
+          <p:cNvPr id="2" name="Gruppieren 1">
             <a:extLst>
               <a:ext uri="{FF2B5EF4-FFF2-40B4-BE49-F238E27FC236}">
-                <a16:creationId xmlns:a16="http://schemas.microsoft.com/office/drawing/2014/main" id="{401E8452-EB72-3B4F-BFED-38F88D0A5706}"/>
+                <a16:creationId xmlns:a16="http://schemas.microsoft.com/office/drawing/2014/main" id="{936BECC4-8404-A24E-B589-D8F8182760CD}"/>
               </a:ext>
             </a:extLst>
           </p:cNvPr>
@@ -6987,8 +6987,8 @@
           </p:blipFill>
           <p:spPr>
             <a:xfrm>
-              <a:off x="1305960" y="2152722"/>
-              <a:ext cx="720000" cy="720000"/>
+              <a:off x="1372757" y="2152722"/>
+              <a:ext cx="586406" cy="720000"/>
             </a:xfrm>
             <a:prstGeom prst="rect">
               <a:avLst/>
@@ -7181,8 +7181,8 @@
           </p:blipFill>
           <p:spPr>
             <a:xfrm>
-              <a:off x="5527914" y="2152722"/>
-              <a:ext cx="720000" cy="720000"/>
+              <a:off x="5594711" y="2152722"/>
+              <a:ext cx="586406" cy="720000"/>
             </a:xfrm>
             <a:prstGeom prst="rect">
               <a:avLst/>
@@ -7336,8 +7336,8 @@
           </p:blipFill>
           <p:spPr>
             <a:xfrm>
-              <a:off x="8373728" y="2152726"/>
-              <a:ext cx="720000" cy="720000"/>
+              <a:off x="8440525" y="2152726"/>
+              <a:ext cx="586406" cy="720000"/>
             </a:xfrm>
             <a:prstGeom prst="rect">
               <a:avLst/>

--- a/documentation/Grafiken_16052019.pptx
+++ b/documentation/Grafiken_16052019.pptx
@@ -5,13 +5,14 @@
     <p:sldMasterId id="2147483648" r:id="rId1"/>
   </p:sldMasterIdLst>
   <p:notesMasterIdLst>
-    <p:notesMasterId r:id="rId6"/>
+    <p:notesMasterId r:id="rId7"/>
   </p:notesMasterIdLst>
   <p:sldIdLst>
     <p:sldId id="257" r:id="rId2"/>
-    <p:sldId id="259" r:id="rId3"/>
-    <p:sldId id="258" r:id="rId4"/>
-    <p:sldId id="262" r:id="rId5"/>
+    <p:sldId id="263" r:id="rId3"/>
+    <p:sldId id="259" r:id="rId4"/>
+    <p:sldId id="258" r:id="rId5"/>
+    <p:sldId id="262" r:id="rId6"/>
   </p:sldIdLst>
   <p:sldSz cx="12192000" cy="6858000"/>
   <p:notesSz cx="6858000" cy="9144000"/>
@@ -3808,7 +3809,7 @@
           <a:p>
             <a:fld id="{AD2C9B26-65F8-44E2-9882-3A09398C32A6}" type="slidenum">
               <a:rPr lang="en-US" smtClean="0"/>
-              <a:t>3</a:t>
+              <a:t>2</a:t>
             </a:fld>
             <a:endParaRPr lang="en-US"/>
           </a:p>
@@ -3817,7 +3818,7 @@
     </p:spTree>
     <p:extLst>
       <p:ext uri="{BB962C8B-B14F-4D97-AF65-F5344CB8AC3E}">
-        <p14:creationId xmlns:p14="http://schemas.microsoft.com/office/powerpoint/2010/main" val="893418232"/>
+        <p14:creationId xmlns:p14="http://schemas.microsoft.com/office/powerpoint/2010/main" val="1796038498"/>
       </p:ext>
     </p:extLst>
   </p:cSld>
@@ -3893,6 +3894,90 @@
             <a:fld id="{AD2C9B26-65F8-44E2-9882-3A09398C32A6}" type="slidenum">
               <a:rPr lang="en-US" smtClean="0"/>
               <a:t>4</a:t>
+            </a:fld>
+            <a:endParaRPr lang="en-US"/>
+          </a:p>
+        </p:txBody>
+      </p:sp>
+    </p:spTree>
+    <p:extLst>
+      <p:ext uri="{BB962C8B-B14F-4D97-AF65-F5344CB8AC3E}">
+        <p14:creationId xmlns:p14="http://schemas.microsoft.com/office/powerpoint/2010/main" val="893418232"/>
+      </p:ext>
+    </p:extLst>
+  </p:cSld>
+  <p:clrMapOvr>
+    <a:masterClrMapping/>
+  </p:clrMapOvr>
+</p:notes>
+</file>
+
+<file path=ppt/notesSlides/notesSlide4.xml><?xml version="1.0" encoding="utf-8"?>
+<p:notes xmlns:a="http://schemas.openxmlformats.org/drawingml/2006/main" xmlns:r="http://schemas.openxmlformats.org/officeDocument/2006/relationships" xmlns:p="http://schemas.openxmlformats.org/presentationml/2006/main">
+  <p:cSld>
+    <p:spTree>
+      <p:nvGrpSpPr>
+        <p:cNvPr id="1" name=""/>
+        <p:cNvGrpSpPr/>
+        <p:nvPr/>
+      </p:nvGrpSpPr>
+      <p:grpSpPr>
+        <a:xfrm>
+          <a:off x="0" y="0"/>
+          <a:ext cx="0" cy="0"/>
+          <a:chOff x="0" y="0"/>
+          <a:chExt cx="0" cy="0"/>
+        </a:xfrm>
+      </p:grpSpPr>
+      <p:sp>
+        <p:nvSpPr>
+          <p:cNvPr id="2" name="Folienbildplatzhalter 1"/>
+          <p:cNvSpPr>
+            <a:spLocks noGrp="1" noRot="1" noChangeAspect="1"/>
+          </p:cNvSpPr>
+          <p:nvPr>
+            <p:ph type="sldImg"/>
+          </p:nvPr>
+        </p:nvSpPr>
+        <p:spPr/>
+      </p:sp>
+      <p:sp>
+        <p:nvSpPr>
+          <p:cNvPr id="3" name="Notizenplatzhalter 2"/>
+          <p:cNvSpPr>
+            <a:spLocks noGrp="1"/>
+          </p:cNvSpPr>
+          <p:nvPr>
+            <p:ph type="body" idx="1"/>
+          </p:nvPr>
+        </p:nvSpPr>
+        <p:spPr/>
+        <p:txBody>
+          <a:bodyPr/>
+          <a:lstStyle/>
+          <a:p>
+            <a:endParaRPr lang="en-US" dirty="0"/>
+          </a:p>
+        </p:txBody>
+      </p:sp>
+      <p:sp>
+        <p:nvSpPr>
+          <p:cNvPr id="4" name="Foliennummernplatzhalter 3"/>
+          <p:cNvSpPr>
+            <a:spLocks noGrp="1"/>
+          </p:cNvSpPr>
+          <p:nvPr>
+            <p:ph type="sldNum" sz="quarter" idx="5"/>
+          </p:nvPr>
+        </p:nvSpPr>
+        <p:spPr/>
+        <p:txBody>
+          <a:bodyPr/>
+          <a:lstStyle/>
+          <a:p>
+            <a:fld id="{AD2C9B26-65F8-44E2-9882-3A09398C32A6}" type="slidenum">
+              <a:rPr lang="en-US" smtClean="0"/>
+              <a:t>5</a:t>
             </a:fld>
             <a:endParaRPr lang="en-US"/>
           </a:p>
@@ -7889,6 +7974,1801 @@
           <a:chExt cx="0" cy="0"/>
         </a:xfrm>
       </p:grpSpPr>
+      <p:grpSp>
+        <p:nvGrpSpPr>
+          <p:cNvPr id="4" name="Gruppieren 3">
+            <a:extLst>
+              <a:ext uri="{FF2B5EF4-FFF2-40B4-BE49-F238E27FC236}">
+                <a16:creationId xmlns:a16="http://schemas.microsoft.com/office/drawing/2014/main" id="{52DECC39-3DEA-F84B-A020-AAA06572EE46}"/>
+              </a:ext>
+            </a:extLst>
+          </p:cNvPr>
+          <p:cNvGrpSpPr/>
+          <p:nvPr/>
+        </p:nvGrpSpPr>
+        <p:grpSpPr>
+          <a:xfrm>
+            <a:off x="970696" y="4647476"/>
+            <a:ext cx="10250605" cy="706938"/>
+            <a:chOff x="970696" y="4647476"/>
+            <a:chExt cx="10250605" cy="706938"/>
+          </a:xfrm>
+        </p:grpSpPr>
+        <p:sp>
+          <p:nvSpPr>
+            <p:cNvPr id="7" name="Freihandform 6">
+              <a:extLst>
+                <a:ext uri="{FF2B5EF4-FFF2-40B4-BE49-F238E27FC236}">
+                  <a16:creationId xmlns:a16="http://schemas.microsoft.com/office/drawing/2014/main" id="{236EBD20-F233-8143-8546-7AFDE344FFB1}"/>
+                </a:ext>
+              </a:extLst>
+            </p:cNvPr>
+            <p:cNvSpPr/>
+            <p:nvPr/>
+          </p:nvSpPr>
+          <p:spPr>
+            <a:xfrm>
+              <a:off x="970696" y="4647476"/>
+              <a:ext cx="1767345" cy="706938"/>
+            </a:xfrm>
+            <a:custGeom>
+              <a:avLst/>
+              <a:gdLst>
+                <a:gd name="connsiteX0" fmla="*/ 0 w 1767345"/>
+                <a:gd name="connsiteY0" fmla="*/ 0 h 706938"/>
+                <a:gd name="connsiteX1" fmla="*/ 1413876 w 1767345"/>
+                <a:gd name="connsiteY1" fmla="*/ 0 h 706938"/>
+                <a:gd name="connsiteX2" fmla="*/ 1767345 w 1767345"/>
+                <a:gd name="connsiteY2" fmla="*/ 353469 h 706938"/>
+                <a:gd name="connsiteX3" fmla="*/ 1413876 w 1767345"/>
+                <a:gd name="connsiteY3" fmla="*/ 706938 h 706938"/>
+                <a:gd name="connsiteX4" fmla="*/ 0 w 1767345"/>
+                <a:gd name="connsiteY4" fmla="*/ 706938 h 706938"/>
+                <a:gd name="connsiteX5" fmla="*/ 0 w 1767345"/>
+                <a:gd name="connsiteY5" fmla="*/ 0 h 706938"/>
+              </a:gdLst>
+              <a:ahLst/>
+              <a:cxnLst>
+                <a:cxn ang="0">
+                  <a:pos x="connsiteX0" y="connsiteY0"/>
+                </a:cxn>
+                <a:cxn ang="0">
+                  <a:pos x="connsiteX1" y="connsiteY1"/>
+                </a:cxn>
+                <a:cxn ang="0">
+                  <a:pos x="connsiteX2" y="connsiteY2"/>
+                </a:cxn>
+                <a:cxn ang="0">
+                  <a:pos x="connsiteX3" y="connsiteY3"/>
+                </a:cxn>
+                <a:cxn ang="0">
+                  <a:pos x="connsiteX4" y="connsiteY4"/>
+                </a:cxn>
+                <a:cxn ang="0">
+                  <a:pos x="connsiteX5" y="connsiteY5"/>
+                </a:cxn>
+              </a:cxnLst>
+              <a:rect l="l" t="t" r="r" b="b"/>
+              <a:pathLst>
+                <a:path w="1767345" h="706938">
+                  <a:moveTo>
+                    <a:pt x="0" y="0"/>
+                  </a:moveTo>
+                  <a:lnTo>
+                    <a:pt x="1413876" y="0"/>
+                  </a:lnTo>
+                  <a:lnTo>
+                    <a:pt x="1767345" y="353469"/>
+                  </a:lnTo>
+                  <a:lnTo>
+                    <a:pt x="1413876" y="706938"/>
+                  </a:lnTo>
+                  <a:lnTo>
+                    <a:pt x="0" y="706938"/>
+                  </a:lnTo>
+                  <a:lnTo>
+                    <a:pt x="0" y="0"/>
+                  </a:lnTo>
+                  <a:close/>
+                </a:path>
+              </a:pathLst>
+            </a:custGeom>
+            <a:scene3d>
+              <a:camera prst="orthographicFront"/>
+              <a:lightRig rig="flat" dir="t"/>
+            </a:scene3d>
+            <a:sp3d prstMaterial="dkEdge">
+              <a:bevelT w="8200" h="38100"/>
+            </a:sp3d>
+          </p:spPr>
+          <p:style>
+            <a:lnRef idx="0">
+              <a:schemeClr val="lt1">
+                <a:hueOff val="0"/>
+                <a:satOff val="0"/>
+                <a:lumOff val="0"/>
+                <a:alphaOff val="0"/>
+              </a:schemeClr>
+            </a:lnRef>
+            <a:fillRef idx="2">
+              <a:schemeClr val="accent4">
+                <a:hueOff val="0"/>
+                <a:satOff val="0"/>
+                <a:lumOff val="0"/>
+                <a:alphaOff val="0"/>
+              </a:schemeClr>
+            </a:fillRef>
+            <a:effectRef idx="1">
+              <a:schemeClr val="accent4">
+                <a:hueOff val="0"/>
+                <a:satOff val="0"/>
+                <a:lumOff val="0"/>
+                <a:alphaOff val="0"/>
+              </a:schemeClr>
+            </a:effectRef>
+            <a:fontRef idx="minor">
+              <a:schemeClr val="dk1"/>
+            </a:fontRef>
+          </p:style>
+          <p:txBody>
+            <a:bodyPr spcFirstLastPara="0" vert="horz" wrap="square" lIns="192024" tIns="96012" rIns="224740" bIns="96012" numCol="1" spcCol="1270" anchor="ctr" anchorCtr="0">
+              <a:noAutofit/>
+            </a:bodyPr>
+            <a:lstStyle/>
+            <a:p>
+              <a:pPr marL="0" lvl="0" indent="0" algn="ctr" defTabSz="1600200">
+                <a:lnSpc>
+                  <a:spcPct val="90000"/>
+                </a:lnSpc>
+                <a:spcBef>
+                  <a:spcPct val="0"/>
+                </a:spcBef>
+                <a:spcAft>
+                  <a:spcPct val="35000"/>
+                </a:spcAft>
+                <a:buNone/>
+              </a:pPr>
+              <a:endParaRPr lang="de-DE" sz="3600" kern="1200" dirty="0"/>
+            </a:p>
+          </p:txBody>
+        </p:sp>
+        <p:sp>
+          <p:nvSpPr>
+            <p:cNvPr id="11" name="Freihandform 10">
+              <a:extLst>
+                <a:ext uri="{FF2B5EF4-FFF2-40B4-BE49-F238E27FC236}">
+                  <a16:creationId xmlns:a16="http://schemas.microsoft.com/office/drawing/2014/main" id="{9B28D371-51DE-5745-BC2F-7909D8D8D342}"/>
+                </a:ext>
+              </a:extLst>
+            </p:cNvPr>
+            <p:cNvSpPr/>
+            <p:nvPr/>
+          </p:nvSpPr>
+          <p:spPr>
+            <a:xfrm>
+              <a:off x="2384573" y="4647476"/>
+              <a:ext cx="1767345" cy="706938"/>
+            </a:xfrm>
+            <a:custGeom>
+              <a:avLst/>
+              <a:gdLst>
+                <a:gd name="connsiteX0" fmla="*/ 0 w 1767345"/>
+                <a:gd name="connsiteY0" fmla="*/ 0 h 706938"/>
+                <a:gd name="connsiteX1" fmla="*/ 1413876 w 1767345"/>
+                <a:gd name="connsiteY1" fmla="*/ 0 h 706938"/>
+                <a:gd name="connsiteX2" fmla="*/ 1767345 w 1767345"/>
+                <a:gd name="connsiteY2" fmla="*/ 353469 h 706938"/>
+                <a:gd name="connsiteX3" fmla="*/ 1413876 w 1767345"/>
+                <a:gd name="connsiteY3" fmla="*/ 706938 h 706938"/>
+                <a:gd name="connsiteX4" fmla="*/ 0 w 1767345"/>
+                <a:gd name="connsiteY4" fmla="*/ 706938 h 706938"/>
+                <a:gd name="connsiteX5" fmla="*/ 353469 w 1767345"/>
+                <a:gd name="connsiteY5" fmla="*/ 353469 h 706938"/>
+                <a:gd name="connsiteX6" fmla="*/ 0 w 1767345"/>
+                <a:gd name="connsiteY6" fmla="*/ 0 h 706938"/>
+              </a:gdLst>
+              <a:ahLst/>
+              <a:cxnLst>
+                <a:cxn ang="0">
+                  <a:pos x="connsiteX0" y="connsiteY0"/>
+                </a:cxn>
+                <a:cxn ang="0">
+                  <a:pos x="connsiteX1" y="connsiteY1"/>
+                </a:cxn>
+                <a:cxn ang="0">
+                  <a:pos x="connsiteX2" y="connsiteY2"/>
+                </a:cxn>
+                <a:cxn ang="0">
+                  <a:pos x="connsiteX3" y="connsiteY3"/>
+                </a:cxn>
+                <a:cxn ang="0">
+                  <a:pos x="connsiteX4" y="connsiteY4"/>
+                </a:cxn>
+                <a:cxn ang="0">
+                  <a:pos x="connsiteX5" y="connsiteY5"/>
+                </a:cxn>
+                <a:cxn ang="0">
+                  <a:pos x="connsiteX6" y="connsiteY6"/>
+                </a:cxn>
+              </a:cxnLst>
+              <a:rect l="l" t="t" r="r" b="b"/>
+              <a:pathLst>
+                <a:path w="1767345" h="706938">
+                  <a:moveTo>
+                    <a:pt x="0" y="0"/>
+                  </a:moveTo>
+                  <a:lnTo>
+                    <a:pt x="1413876" y="0"/>
+                  </a:lnTo>
+                  <a:lnTo>
+                    <a:pt x="1767345" y="353469"/>
+                  </a:lnTo>
+                  <a:lnTo>
+                    <a:pt x="1413876" y="706938"/>
+                  </a:lnTo>
+                  <a:lnTo>
+                    <a:pt x="0" y="706938"/>
+                  </a:lnTo>
+                  <a:lnTo>
+                    <a:pt x="353469" y="353469"/>
+                  </a:lnTo>
+                  <a:lnTo>
+                    <a:pt x="0" y="0"/>
+                  </a:lnTo>
+                  <a:close/>
+                </a:path>
+              </a:pathLst>
+            </a:custGeom>
+            <a:scene3d>
+              <a:camera prst="orthographicFront"/>
+              <a:lightRig rig="flat" dir="t"/>
+            </a:scene3d>
+            <a:sp3d prstMaterial="dkEdge">
+              <a:bevelT w="8200" h="38100"/>
+            </a:sp3d>
+          </p:spPr>
+          <p:style>
+            <a:lnRef idx="0">
+              <a:schemeClr val="lt1">
+                <a:hueOff val="0"/>
+                <a:satOff val="0"/>
+                <a:lumOff val="0"/>
+                <a:alphaOff val="0"/>
+              </a:schemeClr>
+            </a:lnRef>
+            <a:fillRef idx="2">
+              <a:schemeClr val="accent4">
+                <a:hueOff val="0"/>
+                <a:satOff val="0"/>
+                <a:lumOff val="0"/>
+                <a:alphaOff val="0"/>
+              </a:schemeClr>
+            </a:fillRef>
+            <a:effectRef idx="1">
+              <a:schemeClr val="accent4">
+                <a:hueOff val="0"/>
+                <a:satOff val="0"/>
+                <a:lumOff val="0"/>
+                <a:alphaOff val="0"/>
+              </a:schemeClr>
+            </a:effectRef>
+            <a:fontRef idx="minor">
+              <a:schemeClr val="dk1"/>
+            </a:fontRef>
+          </p:style>
+          <p:txBody>
+            <a:bodyPr spcFirstLastPara="0" vert="horz" wrap="square" lIns="497487" tIns="96012" rIns="401475" bIns="96012" numCol="1" spcCol="1270" anchor="ctr" anchorCtr="0">
+              <a:noAutofit/>
+            </a:bodyPr>
+            <a:lstStyle/>
+            <a:p>
+              <a:pPr marL="0" lvl="0" indent="0" algn="ctr" defTabSz="1600200">
+                <a:lnSpc>
+                  <a:spcPct val="90000"/>
+                </a:lnSpc>
+                <a:spcBef>
+                  <a:spcPct val="0"/>
+                </a:spcBef>
+                <a:spcAft>
+                  <a:spcPct val="35000"/>
+                </a:spcAft>
+                <a:buNone/>
+              </a:pPr>
+              <a:endParaRPr lang="de-DE" sz="3600" kern="1200" dirty="0"/>
+            </a:p>
+          </p:txBody>
+        </p:sp>
+        <p:sp>
+          <p:nvSpPr>
+            <p:cNvPr id="15" name="Freihandform 14">
+              <a:extLst>
+                <a:ext uri="{FF2B5EF4-FFF2-40B4-BE49-F238E27FC236}">
+                  <a16:creationId xmlns:a16="http://schemas.microsoft.com/office/drawing/2014/main" id="{0414DA24-013C-A841-9FD5-C597291B5C0E}"/>
+                </a:ext>
+              </a:extLst>
+            </p:cNvPr>
+            <p:cNvSpPr/>
+            <p:nvPr/>
+          </p:nvSpPr>
+          <p:spPr>
+            <a:xfrm>
+              <a:off x="3798450" y="4647476"/>
+              <a:ext cx="1767345" cy="706938"/>
+            </a:xfrm>
+            <a:custGeom>
+              <a:avLst/>
+              <a:gdLst>
+                <a:gd name="connsiteX0" fmla="*/ 0 w 1767345"/>
+                <a:gd name="connsiteY0" fmla="*/ 0 h 706938"/>
+                <a:gd name="connsiteX1" fmla="*/ 1413876 w 1767345"/>
+                <a:gd name="connsiteY1" fmla="*/ 0 h 706938"/>
+                <a:gd name="connsiteX2" fmla="*/ 1767345 w 1767345"/>
+                <a:gd name="connsiteY2" fmla="*/ 353469 h 706938"/>
+                <a:gd name="connsiteX3" fmla="*/ 1413876 w 1767345"/>
+                <a:gd name="connsiteY3" fmla="*/ 706938 h 706938"/>
+                <a:gd name="connsiteX4" fmla="*/ 0 w 1767345"/>
+                <a:gd name="connsiteY4" fmla="*/ 706938 h 706938"/>
+                <a:gd name="connsiteX5" fmla="*/ 353469 w 1767345"/>
+                <a:gd name="connsiteY5" fmla="*/ 353469 h 706938"/>
+                <a:gd name="connsiteX6" fmla="*/ 0 w 1767345"/>
+                <a:gd name="connsiteY6" fmla="*/ 0 h 706938"/>
+              </a:gdLst>
+              <a:ahLst/>
+              <a:cxnLst>
+                <a:cxn ang="0">
+                  <a:pos x="connsiteX0" y="connsiteY0"/>
+                </a:cxn>
+                <a:cxn ang="0">
+                  <a:pos x="connsiteX1" y="connsiteY1"/>
+                </a:cxn>
+                <a:cxn ang="0">
+                  <a:pos x="connsiteX2" y="connsiteY2"/>
+                </a:cxn>
+                <a:cxn ang="0">
+                  <a:pos x="connsiteX3" y="connsiteY3"/>
+                </a:cxn>
+                <a:cxn ang="0">
+                  <a:pos x="connsiteX4" y="connsiteY4"/>
+                </a:cxn>
+                <a:cxn ang="0">
+                  <a:pos x="connsiteX5" y="connsiteY5"/>
+                </a:cxn>
+                <a:cxn ang="0">
+                  <a:pos x="connsiteX6" y="connsiteY6"/>
+                </a:cxn>
+              </a:cxnLst>
+              <a:rect l="l" t="t" r="r" b="b"/>
+              <a:pathLst>
+                <a:path w="1767345" h="706938">
+                  <a:moveTo>
+                    <a:pt x="0" y="0"/>
+                  </a:moveTo>
+                  <a:lnTo>
+                    <a:pt x="1413876" y="0"/>
+                  </a:lnTo>
+                  <a:lnTo>
+                    <a:pt x="1767345" y="353469"/>
+                  </a:lnTo>
+                  <a:lnTo>
+                    <a:pt x="1413876" y="706938"/>
+                  </a:lnTo>
+                  <a:lnTo>
+                    <a:pt x="0" y="706938"/>
+                  </a:lnTo>
+                  <a:lnTo>
+                    <a:pt x="353469" y="353469"/>
+                  </a:lnTo>
+                  <a:lnTo>
+                    <a:pt x="0" y="0"/>
+                  </a:lnTo>
+                  <a:close/>
+                </a:path>
+              </a:pathLst>
+            </a:custGeom>
+            <a:scene3d>
+              <a:camera prst="orthographicFront"/>
+              <a:lightRig rig="flat" dir="t"/>
+            </a:scene3d>
+            <a:sp3d prstMaterial="dkEdge">
+              <a:bevelT w="8200" h="38100"/>
+            </a:sp3d>
+          </p:spPr>
+          <p:style>
+            <a:lnRef idx="0">
+              <a:schemeClr val="lt1">
+                <a:hueOff val="0"/>
+                <a:satOff val="0"/>
+                <a:lumOff val="0"/>
+                <a:alphaOff val="0"/>
+              </a:schemeClr>
+            </a:lnRef>
+            <a:fillRef idx="2">
+              <a:schemeClr val="accent4">
+                <a:hueOff val="0"/>
+                <a:satOff val="0"/>
+                <a:lumOff val="0"/>
+                <a:alphaOff val="0"/>
+              </a:schemeClr>
+            </a:fillRef>
+            <a:effectRef idx="1">
+              <a:schemeClr val="accent4">
+                <a:hueOff val="0"/>
+                <a:satOff val="0"/>
+                <a:lumOff val="0"/>
+                <a:alphaOff val="0"/>
+              </a:schemeClr>
+            </a:effectRef>
+            <a:fontRef idx="minor">
+              <a:schemeClr val="dk1"/>
+            </a:fontRef>
+          </p:style>
+          <p:txBody>
+            <a:bodyPr spcFirstLastPara="0" vert="horz" wrap="square" lIns="497487" tIns="96012" rIns="401475" bIns="96012" numCol="1" spcCol="1270" anchor="ctr" anchorCtr="0">
+              <a:noAutofit/>
+            </a:bodyPr>
+            <a:lstStyle/>
+            <a:p>
+              <a:pPr marL="0" lvl="0" indent="0" algn="ctr" defTabSz="1600200">
+                <a:lnSpc>
+                  <a:spcPct val="90000"/>
+                </a:lnSpc>
+                <a:spcBef>
+                  <a:spcPct val="0"/>
+                </a:spcBef>
+                <a:spcAft>
+                  <a:spcPct val="35000"/>
+                </a:spcAft>
+                <a:buNone/>
+              </a:pPr>
+              <a:endParaRPr lang="de-DE" sz="3600" kern="1200" dirty="0"/>
+            </a:p>
+          </p:txBody>
+        </p:sp>
+        <p:sp>
+          <p:nvSpPr>
+            <p:cNvPr id="19" name="Freihandform 18">
+              <a:extLst>
+                <a:ext uri="{FF2B5EF4-FFF2-40B4-BE49-F238E27FC236}">
+                  <a16:creationId xmlns:a16="http://schemas.microsoft.com/office/drawing/2014/main" id="{BE01BCCD-1C0B-3848-90ED-3A9498B1D961}"/>
+                </a:ext>
+              </a:extLst>
+            </p:cNvPr>
+            <p:cNvSpPr/>
+            <p:nvPr/>
+          </p:nvSpPr>
+          <p:spPr>
+            <a:xfrm>
+              <a:off x="5212326" y="4647476"/>
+              <a:ext cx="1767345" cy="706938"/>
+            </a:xfrm>
+            <a:custGeom>
+              <a:avLst/>
+              <a:gdLst>
+                <a:gd name="connsiteX0" fmla="*/ 0 w 1767345"/>
+                <a:gd name="connsiteY0" fmla="*/ 0 h 706938"/>
+                <a:gd name="connsiteX1" fmla="*/ 1413876 w 1767345"/>
+                <a:gd name="connsiteY1" fmla="*/ 0 h 706938"/>
+                <a:gd name="connsiteX2" fmla="*/ 1767345 w 1767345"/>
+                <a:gd name="connsiteY2" fmla="*/ 353469 h 706938"/>
+                <a:gd name="connsiteX3" fmla="*/ 1413876 w 1767345"/>
+                <a:gd name="connsiteY3" fmla="*/ 706938 h 706938"/>
+                <a:gd name="connsiteX4" fmla="*/ 0 w 1767345"/>
+                <a:gd name="connsiteY4" fmla="*/ 706938 h 706938"/>
+                <a:gd name="connsiteX5" fmla="*/ 353469 w 1767345"/>
+                <a:gd name="connsiteY5" fmla="*/ 353469 h 706938"/>
+                <a:gd name="connsiteX6" fmla="*/ 0 w 1767345"/>
+                <a:gd name="connsiteY6" fmla="*/ 0 h 706938"/>
+              </a:gdLst>
+              <a:ahLst/>
+              <a:cxnLst>
+                <a:cxn ang="0">
+                  <a:pos x="connsiteX0" y="connsiteY0"/>
+                </a:cxn>
+                <a:cxn ang="0">
+                  <a:pos x="connsiteX1" y="connsiteY1"/>
+                </a:cxn>
+                <a:cxn ang="0">
+                  <a:pos x="connsiteX2" y="connsiteY2"/>
+                </a:cxn>
+                <a:cxn ang="0">
+                  <a:pos x="connsiteX3" y="connsiteY3"/>
+                </a:cxn>
+                <a:cxn ang="0">
+                  <a:pos x="connsiteX4" y="connsiteY4"/>
+                </a:cxn>
+                <a:cxn ang="0">
+                  <a:pos x="connsiteX5" y="connsiteY5"/>
+                </a:cxn>
+                <a:cxn ang="0">
+                  <a:pos x="connsiteX6" y="connsiteY6"/>
+                </a:cxn>
+              </a:cxnLst>
+              <a:rect l="l" t="t" r="r" b="b"/>
+              <a:pathLst>
+                <a:path w="1767345" h="706938">
+                  <a:moveTo>
+                    <a:pt x="0" y="0"/>
+                  </a:moveTo>
+                  <a:lnTo>
+                    <a:pt x="1413876" y="0"/>
+                  </a:lnTo>
+                  <a:lnTo>
+                    <a:pt x="1767345" y="353469"/>
+                  </a:lnTo>
+                  <a:lnTo>
+                    <a:pt x="1413876" y="706938"/>
+                  </a:lnTo>
+                  <a:lnTo>
+                    <a:pt x="0" y="706938"/>
+                  </a:lnTo>
+                  <a:lnTo>
+                    <a:pt x="353469" y="353469"/>
+                  </a:lnTo>
+                  <a:lnTo>
+                    <a:pt x="0" y="0"/>
+                  </a:lnTo>
+                  <a:close/>
+                </a:path>
+              </a:pathLst>
+            </a:custGeom>
+            <a:scene3d>
+              <a:camera prst="orthographicFront"/>
+              <a:lightRig rig="flat" dir="t"/>
+            </a:scene3d>
+            <a:sp3d prstMaterial="dkEdge">
+              <a:bevelT w="8200" h="38100"/>
+            </a:sp3d>
+          </p:spPr>
+          <p:style>
+            <a:lnRef idx="0">
+              <a:schemeClr val="lt1">
+                <a:hueOff val="0"/>
+                <a:satOff val="0"/>
+                <a:lumOff val="0"/>
+                <a:alphaOff val="0"/>
+              </a:schemeClr>
+            </a:lnRef>
+            <a:fillRef idx="2">
+              <a:schemeClr val="accent4">
+                <a:hueOff val="0"/>
+                <a:satOff val="0"/>
+                <a:lumOff val="0"/>
+                <a:alphaOff val="0"/>
+              </a:schemeClr>
+            </a:fillRef>
+            <a:effectRef idx="1">
+              <a:schemeClr val="accent4">
+                <a:hueOff val="0"/>
+                <a:satOff val="0"/>
+                <a:lumOff val="0"/>
+                <a:alphaOff val="0"/>
+              </a:schemeClr>
+            </a:effectRef>
+            <a:fontRef idx="minor">
+              <a:schemeClr val="dk1"/>
+            </a:fontRef>
+          </p:style>
+          <p:txBody>
+            <a:bodyPr spcFirstLastPara="0" vert="horz" wrap="square" lIns="497487" tIns="96012" rIns="401475" bIns="96012" numCol="1" spcCol="1270" anchor="ctr" anchorCtr="0">
+              <a:noAutofit/>
+            </a:bodyPr>
+            <a:lstStyle/>
+            <a:p>
+              <a:pPr marL="0" lvl="0" indent="0" algn="ctr" defTabSz="1600200">
+                <a:lnSpc>
+                  <a:spcPct val="90000"/>
+                </a:lnSpc>
+                <a:spcBef>
+                  <a:spcPct val="0"/>
+                </a:spcBef>
+                <a:spcAft>
+                  <a:spcPct val="35000"/>
+                </a:spcAft>
+                <a:buNone/>
+              </a:pPr>
+              <a:endParaRPr lang="de-DE" sz="3600" kern="1200" dirty="0"/>
+            </a:p>
+          </p:txBody>
+        </p:sp>
+        <p:sp>
+          <p:nvSpPr>
+            <p:cNvPr id="24" name="Freihandform 23">
+              <a:extLst>
+                <a:ext uri="{FF2B5EF4-FFF2-40B4-BE49-F238E27FC236}">
+                  <a16:creationId xmlns:a16="http://schemas.microsoft.com/office/drawing/2014/main" id="{228DBB10-8C80-A344-B9D2-4A9253352CF3}"/>
+                </a:ext>
+              </a:extLst>
+            </p:cNvPr>
+            <p:cNvSpPr/>
+            <p:nvPr/>
+          </p:nvSpPr>
+          <p:spPr>
+            <a:xfrm>
+              <a:off x="6626203" y="4647476"/>
+              <a:ext cx="1767345" cy="706938"/>
+            </a:xfrm>
+            <a:custGeom>
+              <a:avLst/>
+              <a:gdLst>
+                <a:gd name="connsiteX0" fmla="*/ 0 w 1767345"/>
+                <a:gd name="connsiteY0" fmla="*/ 0 h 706938"/>
+                <a:gd name="connsiteX1" fmla="*/ 1413876 w 1767345"/>
+                <a:gd name="connsiteY1" fmla="*/ 0 h 706938"/>
+                <a:gd name="connsiteX2" fmla="*/ 1767345 w 1767345"/>
+                <a:gd name="connsiteY2" fmla="*/ 353469 h 706938"/>
+                <a:gd name="connsiteX3" fmla="*/ 1413876 w 1767345"/>
+                <a:gd name="connsiteY3" fmla="*/ 706938 h 706938"/>
+                <a:gd name="connsiteX4" fmla="*/ 0 w 1767345"/>
+                <a:gd name="connsiteY4" fmla="*/ 706938 h 706938"/>
+                <a:gd name="connsiteX5" fmla="*/ 353469 w 1767345"/>
+                <a:gd name="connsiteY5" fmla="*/ 353469 h 706938"/>
+                <a:gd name="connsiteX6" fmla="*/ 0 w 1767345"/>
+                <a:gd name="connsiteY6" fmla="*/ 0 h 706938"/>
+              </a:gdLst>
+              <a:ahLst/>
+              <a:cxnLst>
+                <a:cxn ang="0">
+                  <a:pos x="connsiteX0" y="connsiteY0"/>
+                </a:cxn>
+                <a:cxn ang="0">
+                  <a:pos x="connsiteX1" y="connsiteY1"/>
+                </a:cxn>
+                <a:cxn ang="0">
+                  <a:pos x="connsiteX2" y="connsiteY2"/>
+                </a:cxn>
+                <a:cxn ang="0">
+                  <a:pos x="connsiteX3" y="connsiteY3"/>
+                </a:cxn>
+                <a:cxn ang="0">
+                  <a:pos x="connsiteX4" y="connsiteY4"/>
+                </a:cxn>
+                <a:cxn ang="0">
+                  <a:pos x="connsiteX5" y="connsiteY5"/>
+                </a:cxn>
+                <a:cxn ang="0">
+                  <a:pos x="connsiteX6" y="connsiteY6"/>
+                </a:cxn>
+              </a:cxnLst>
+              <a:rect l="l" t="t" r="r" b="b"/>
+              <a:pathLst>
+                <a:path w="1767345" h="706938">
+                  <a:moveTo>
+                    <a:pt x="0" y="0"/>
+                  </a:moveTo>
+                  <a:lnTo>
+                    <a:pt x="1413876" y="0"/>
+                  </a:lnTo>
+                  <a:lnTo>
+                    <a:pt x="1767345" y="353469"/>
+                  </a:lnTo>
+                  <a:lnTo>
+                    <a:pt x="1413876" y="706938"/>
+                  </a:lnTo>
+                  <a:lnTo>
+                    <a:pt x="0" y="706938"/>
+                  </a:lnTo>
+                  <a:lnTo>
+                    <a:pt x="353469" y="353469"/>
+                  </a:lnTo>
+                  <a:lnTo>
+                    <a:pt x="0" y="0"/>
+                  </a:lnTo>
+                  <a:close/>
+                </a:path>
+              </a:pathLst>
+            </a:custGeom>
+            <a:scene3d>
+              <a:camera prst="orthographicFront"/>
+              <a:lightRig rig="flat" dir="t"/>
+            </a:scene3d>
+            <a:sp3d prstMaterial="dkEdge">
+              <a:bevelT w="8200" h="38100"/>
+            </a:sp3d>
+          </p:spPr>
+          <p:style>
+            <a:lnRef idx="0">
+              <a:schemeClr val="lt1">
+                <a:hueOff val="0"/>
+                <a:satOff val="0"/>
+                <a:lumOff val="0"/>
+                <a:alphaOff val="0"/>
+              </a:schemeClr>
+            </a:lnRef>
+            <a:fillRef idx="2">
+              <a:schemeClr val="accent4">
+                <a:hueOff val="0"/>
+                <a:satOff val="0"/>
+                <a:lumOff val="0"/>
+                <a:alphaOff val="0"/>
+              </a:schemeClr>
+            </a:fillRef>
+            <a:effectRef idx="1">
+              <a:schemeClr val="accent4">
+                <a:hueOff val="0"/>
+                <a:satOff val="0"/>
+                <a:lumOff val="0"/>
+                <a:alphaOff val="0"/>
+              </a:schemeClr>
+            </a:effectRef>
+            <a:fontRef idx="minor">
+              <a:schemeClr val="dk1"/>
+            </a:fontRef>
+          </p:style>
+          <p:txBody>
+            <a:bodyPr spcFirstLastPara="0" vert="horz" wrap="square" lIns="497487" tIns="96012" rIns="401475" bIns="96012" numCol="1" spcCol="1270" anchor="ctr" anchorCtr="0">
+              <a:noAutofit/>
+            </a:bodyPr>
+            <a:lstStyle/>
+            <a:p>
+              <a:pPr marL="0" lvl="0" indent="0" algn="ctr" defTabSz="1600200">
+                <a:lnSpc>
+                  <a:spcPct val="90000"/>
+                </a:lnSpc>
+                <a:spcBef>
+                  <a:spcPct val="0"/>
+                </a:spcBef>
+                <a:spcAft>
+                  <a:spcPct val="35000"/>
+                </a:spcAft>
+                <a:buNone/>
+              </a:pPr>
+              <a:endParaRPr lang="de-DE" sz="3600" kern="1200" dirty="0"/>
+            </a:p>
+          </p:txBody>
+        </p:sp>
+        <p:sp>
+          <p:nvSpPr>
+            <p:cNvPr id="26" name="Freihandform 25">
+              <a:extLst>
+                <a:ext uri="{FF2B5EF4-FFF2-40B4-BE49-F238E27FC236}">
+                  <a16:creationId xmlns:a16="http://schemas.microsoft.com/office/drawing/2014/main" id="{0B003E0E-6504-D441-B879-47F9E1AA516F}"/>
+                </a:ext>
+              </a:extLst>
+            </p:cNvPr>
+            <p:cNvSpPr/>
+            <p:nvPr/>
+          </p:nvSpPr>
+          <p:spPr>
+            <a:xfrm>
+              <a:off x="8040079" y="4647476"/>
+              <a:ext cx="1767345" cy="706938"/>
+            </a:xfrm>
+            <a:custGeom>
+              <a:avLst/>
+              <a:gdLst>
+                <a:gd name="connsiteX0" fmla="*/ 0 w 1767345"/>
+                <a:gd name="connsiteY0" fmla="*/ 0 h 706938"/>
+                <a:gd name="connsiteX1" fmla="*/ 1413876 w 1767345"/>
+                <a:gd name="connsiteY1" fmla="*/ 0 h 706938"/>
+                <a:gd name="connsiteX2" fmla="*/ 1767345 w 1767345"/>
+                <a:gd name="connsiteY2" fmla="*/ 353469 h 706938"/>
+                <a:gd name="connsiteX3" fmla="*/ 1413876 w 1767345"/>
+                <a:gd name="connsiteY3" fmla="*/ 706938 h 706938"/>
+                <a:gd name="connsiteX4" fmla="*/ 0 w 1767345"/>
+                <a:gd name="connsiteY4" fmla="*/ 706938 h 706938"/>
+                <a:gd name="connsiteX5" fmla="*/ 353469 w 1767345"/>
+                <a:gd name="connsiteY5" fmla="*/ 353469 h 706938"/>
+                <a:gd name="connsiteX6" fmla="*/ 0 w 1767345"/>
+                <a:gd name="connsiteY6" fmla="*/ 0 h 706938"/>
+              </a:gdLst>
+              <a:ahLst/>
+              <a:cxnLst>
+                <a:cxn ang="0">
+                  <a:pos x="connsiteX0" y="connsiteY0"/>
+                </a:cxn>
+                <a:cxn ang="0">
+                  <a:pos x="connsiteX1" y="connsiteY1"/>
+                </a:cxn>
+                <a:cxn ang="0">
+                  <a:pos x="connsiteX2" y="connsiteY2"/>
+                </a:cxn>
+                <a:cxn ang="0">
+                  <a:pos x="connsiteX3" y="connsiteY3"/>
+                </a:cxn>
+                <a:cxn ang="0">
+                  <a:pos x="connsiteX4" y="connsiteY4"/>
+                </a:cxn>
+                <a:cxn ang="0">
+                  <a:pos x="connsiteX5" y="connsiteY5"/>
+                </a:cxn>
+                <a:cxn ang="0">
+                  <a:pos x="connsiteX6" y="connsiteY6"/>
+                </a:cxn>
+              </a:cxnLst>
+              <a:rect l="l" t="t" r="r" b="b"/>
+              <a:pathLst>
+                <a:path w="1767345" h="706938">
+                  <a:moveTo>
+                    <a:pt x="0" y="0"/>
+                  </a:moveTo>
+                  <a:lnTo>
+                    <a:pt x="1413876" y="0"/>
+                  </a:lnTo>
+                  <a:lnTo>
+                    <a:pt x="1767345" y="353469"/>
+                  </a:lnTo>
+                  <a:lnTo>
+                    <a:pt x="1413876" y="706938"/>
+                  </a:lnTo>
+                  <a:lnTo>
+                    <a:pt x="0" y="706938"/>
+                  </a:lnTo>
+                  <a:lnTo>
+                    <a:pt x="353469" y="353469"/>
+                  </a:lnTo>
+                  <a:lnTo>
+                    <a:pt x="0" y="0"/>
+                  </a:lnTo>
+                  <a:close/>
+                </a:path>
+              </a:pathLst>
+            </a:custGeom>
+            <a:scene3d>
+              <a:camera prst="orthographicFront"/>
+              <a:lightRig rig="flat" dir="t"/>
+            </a:scene3d>
+            <a:sp3d prstMaterial="dkEdge">
+              <a:bevelT w="8200" h="38100"/>
+            </a:sp3d>
+          </p:spPr>
+          <p:style>
+            <a:lnRef idx="0">
+              <a:schemeClr val="lt1">
+                <a:hueOff val="0"/>
+                <a:satOff val="0"/>
+                <a:lumOff val="0"/>
+                <a:alphaOff val="0"/>
+              </a:schemeClr>
+            </a:lnRef>
+            <a:fillRef idx="2">
+              <a:schemeClr val="accent4">
+                <a:hueOff val="0"/>
+                <a:satOff val="0"/>
+                <a:lumOff val="0"/>
+                <a:alphaOff val="0"/>
+              </a:schemeClr>
+            </a:fillRef>
+            <a:effectRef idx="1">
+              <a:schemeClr val="accent4">
+                <a:hueOff val="0"/>
+                <a:satOff val="0"/>
+                <a:lumOff val="0"/>
+                <a:alphaOff val="0"/>
+              </a:schemeClr>
+            </a:effectRef>
+            <a:fontRef idx="minor">
+              <a:schemeClr val="dk1"/>
+            </a:fontRef>
+          </p:style>
+          <p:txBody>
+            <a:bodyPr spcFirstLastPara="0" vert="horz" wrap="square" lIns="497487" tIns="96012" rIns="401475" bIns="96012" numCol="1" spcCol="1270" anchor="ctr" anchorCtr="0">
+              <a:noAutofit/>
+            </a:bodyPr>
+            <a:lstStyle/>
+            <a:p>
+              <a:pPr marL="0" lvl="0" indent="0" algn="ctr" defTabSz="1600200">
+                <a:lnSpc>
+                  <a:spcPct val="90000"/>
+                </a:lnSpc>
+                <a:spcBef>
+                  <a:spcPct val="0"/>
+                </a:spcBef>
+                <a:spcAft>
+                  <a:spcPct val="35000"/>
+                </a:spcAft>
+                <a:buNone/>
+              </a:pPr>
+              <a:endParaRPr lang="de-DE" sz="3600" kern="1200" dirty="0"/>
+            </a:p>
+          </p:txBody>
+        </p:sp>
+        <p:sp>
+          <p:nvSpPr>
+            <p:cNvPr id="28" name="Freihandform 27">
+              <a:extLst>
+                <a:ext uri="{FF2B5EF4-FFF2-40B4-BE49-F238E27FC236}">
+                  <a16:creationId xmlns:a16="http://schemas.microsoft.com/office/drawing/2014/main" id="{D8E0051F-015F-8B48-BD65-B334EE5540EB}"/>
+                </a:ext>
+              </a:extLst>
+            </p:cNvPr>
+            <p:cNvSpPr/>
+            <p:nvPr/>
+          </p:nvSpPr>
+          <p:spPr>
+            <a:xfrm>
+              <a:off x="9453956" y="4647476"/>
+              <a:ext cx="1767345" cy="706938"/>
+            </a:xfrm>
+            <a:custGeom>
+              <a:avLst/>
+              <a:gdLst>
+                <a:gd name="connsiteX0" fmla="*/ 0 w 1767345"/>
+                <a:gd name="connsiteY0" fmla="*/ 0 h 706938"/>
+                <a:gd name="connsiteX1" fmla="*/ 1413876 w 1767345"/>
+                <a:gd name="connsiteY1" fmla="*/ 0 h 706938"/>
+                <a:gd name="connsiteX2" fmla="*/ 1767345 w 1767345"/>
+                <a:gd name="connsiteY2" fmla="*/ 353469 h 706938"/>
+                <a:gd name="connsiteX3" fmla="*/ 1413876 w 1767345"/>
+                <a:gd name="connsiteY3" fmla="*/ 706938 h 706938"/>
+                <a:gd name="connsiteX4" fmla="*/ 0 w 1767345"/>
+                <a:gd name="connsiteY4" fmla="*/ 706938 h 706938"/>
+                <a:gd name="connsiteX5" fmla="*/ 353469 w 1767345"/>
+                <a:gd name="connsiteY5" fmla="*/ 353469 h 706938"/>
+                <a:gd name="connsiteX6" fmla="*/ 0 w 1767345"/>
+                <a:gd name="connsiteY6" fmla="*/ 0 h 706938"/>
+              </a:gdLst>
+              <a:ahLst/>
+              <a:cxnLst>
+                <a:cxn ang="0">
+                  <a:pos x="connsiteX0" y="connsiteY0"/>
+                </a:cxn>
+                <a:cxn ang="0">
+                  <a:pos x="connsiteX1" y="connsiteY1"/>
+                </a:cxn>
+                <a:cxn ang="0">
+                  <a:pos x="connsiteX2" y="connsiteY2"/>
+                </a:cxn>
+                <a:cxn ang="0">
+                  <a:pos x="connsiteX3" y="connsiteY3"/>
+                </a:cxn>
+                <a:cxn ang="0">
+                  <a:pos x="connsiteX4" y="connsiteY4"/>
+                </a:cxn>
+                <a:cxn ang="0">
+                  <a:pos x="connsiteX5" y="connsiteY5"/>
+                </a:cxn>
+                <a:cxn ang="0">
+                  <a:pos x="connsiteX6" y="connsiteY6"/>
+                </a:cxn>
+              </a:cxnLst>
+              <a:rect l="l" t="t" r="r" b="b"/>
+              <a:pathLst>
+                <a:path w="1767345" h="706938">
+                  <a:moveTo>
+                    <a:pt x="0" y="0"/>
+                  </a:moveTo>
+                  <a:lnTo>
+                    <a:pt x="1413876" y="0"/>
+                  </a:lnTo>
+                  <a:lnTo>
+                    <a:pt x="1767345" y="353469"/>
+                  </a:lnTo>
+                  <a:lnTo>
+                    <a:pt x="1413876" y="706938"/>
+                  </a:lnTo>
+                  <a:lnTo>
+                    <a:pt x="0" y="706938"/>
+                  </a:lnTo>
+                  <a:lnTo>
+                    <a:pt x="353469" y="353469"/>
+                  </a:lnTo>
+                  <a:lnTo>
+                    <a:pt x="0" y="0"/>
+                  </a:lnTo>
+                  <a:close/>
+                </a:path>
+              </a:pathLst>
+            </a:custGeom>
+            <a:scene3d>
+              <a:camera prst="orthographicFront"/>
+              <a:lightRig rig="flat" dir="t"/>
+            </a:scene3d>
+            <a:sp3d prstMaterial="dkEdge">
+              <a:bevelT w="8200" h="38100"/>
+            </a:sp3d>
+          </p:spPr>
+          <p:style>
+            <a:lnRef idx="0">
+              <a:schemeClr val="lt1">
+                <a:hueOff val="0"/>
+                <a:satOff val="0"/>
+                <a:lumOff val="0"/>
+                <a:alphaOff val="0"/>
+              </a:schemeClr>
+            </a:lnRef>
+            <a:fillRef idx="2">
+              <a:schemeClr val="accent4">
+                <a:hueOff val="0"/>
+                <a:satOff val="0"/>
+                <a:lumOff val="0"/>
+                <a:alphaOff val="0"/>
+              </a:schemeClr>
+            </a:fillRef>
+            <a:effectRef idx="1">
+              <a:schemeClr val="accent4">
+                <a:hueOff val="0"/>
+                <a:satOff val="0"/>
+                <a:lumOff val="0"/>
+                <a:alphaOff val="0"/>
+              </a:schemeClr>
+            </a:effectRef>
+            <a:fontRef idx="minor">
+              <a:schemeClr val="dk1"/>
+            </a:fontRef>
+          </p:style>
+          <p:txBody>
+            <a:bodyPr spcFirstLastPara="0" vert="horz" wrap="square" lIns="497487" tIns="96012" rIns="401475" bIns="96012" numCol="1" spcCol="1270" anchor="ctr" anchorCtr="0">
+              <a:noAutofit/>
+            </a:bodyPr>
+            <a:lstStyle/>
+            <a:p>
+              <a:pPr marL="0" lvl="0" indent="0" algn="ctr" defTabSz="1600200">
+                <a:lnSpc>
+                  <a:spcPct val="90000"/>
+                </a:lnSpc>
+                <a:spcBef>
+                  <a:spcPct val="0"/>
+                </a:spcBef>
+                <a:spcAft>
+                  <a:spcPct val="35000"/>
+                </a:spcAft>
+                <a:buNone/>
+              </a:pPr>
+              <a:endParaRPr lang="de-DE" sz="3600" kern="1200" dirty="0"/>
+            </a:p>
+          </p:txBody>
+        </p:sp>
+      </p:grpSp>
+      <p:grpSp>
+        <p:nvGrpSpPr>
+          <p:cNvPr id="2" name="Gruppieren 1">
+            <a:extLst>
+              <a:ext uri="{FF2B5EF4-FFF2-40B4-BE49-F238E27FC236}">
+                <a16:creationId xmlns:a16="http://schemas.microsoft.com/office/drawing/2014/main" id="{936BECC4-8404-A24E-B589-D8F8182760CD}"/>
+              </a:ext>
+            </a:extLst>
+          </p:cNvPr>
+          <p:cNvGrpSpPr/>
+          <p:nvPr/>
+        </p:nvGrpSpPr>
+        <p:grpSpPr>
+          <a:xfrm>
+            <a:off x="1051221" y="1467337"/>
+            <a:ext cx="9078900" cy="3166308"/>
+            <a:chOff x="1051221" y="1467337"/>
+            <a:chExt cx="9078900" cy="3166308"/>
+          </a:xfrm>
+        </p:grpSpPr>
+        <p:sp>
+          <p:nvSpPr>
+            <p:cNvPr id="6" name="Textfeld 5">
+              <a:extLst>
+                <a:ext uri="{FF2B5EF4-FFF2-40B4-BE49-F238E27FC236}">
+                  <a16:creationId xmlns:a16="http://schemas.microsoft.com/office/drawing/2014/main" id="{B18DE230-C88E-724A-B678-31D2B102C658}"/>
+                </a:ext>
+              </a:extLst>
+            </p:cNvPr>
+            <p:cNvSpPr txBox="1"/>
+            <p:nvPr/>
+          </p:nvSpPr>
+          <p:spPr>
+            <a:xfrm>
+              <a:off x="1051221" y="2552888"/>
+              <a:ext cx="1496770" cy="369332"/>
+            </a:xfrm>
+            <a:prstGeom prst="rect">
+              <a:avLst/>
+            </a:prstGeom>
+            <a:noFill/>
+          </p:spPr>
+          <p:txBody>
+            <a:bodyPr wrap="square" rtlCol="0">
+              <a:spAutoFit/>
+            </a:bodyPr>
+            <a:lstStyle/>
+            <a:p>
+              <a:r>
+                <a:rPr lang="de-DE" dirty="0"/>
+                <a:t>Open </a:t>
+              </a:r>
+              <a:r>
+                <a:rPr lang="de-DE" dirty="0" err="1"/>
+                <a:t>request</a:t>
+              </a:r>
+              <a:endParaRPr lang="de-DE" dirty="0"/>
+            </a:p>
+          </p:txBody>
+        </p:sp>
+        <p:cxnSp>
+          <p:nvCxnSpPr>
+            <p:cNvPr id="8" name="Gerade Verbindung mit Pfeil 7">
+              <a:extLst>
+                <a:ext uri="{FF2B5EF4-FFF2-40B4-BE49-F238E27FC236}">
+                  <a16:creationId xmlns:a16="http://schemas.microsoft.com/office/drawing/2014/main" id="{199BEB5D-6ED8-1844-B298-8337BF1CD263}"/>
+                </a:ext>
+              </a:extLst>
+            </p:cNvPr>
+            <p:cNvCxnSpPr/>
+            <p:nvPr/>
+          </p:nvCxnSpPr>
+          <p:spPr>
+            <a:xfrm>
+              <a:off x="1665959" y="2872722"/>
+              <a:ext cx="0" cy="1760923"/>
+            </a:xfrm>
+            <a:prstGeom prst="straightConnector1">
+              <a:avLst/>
+            </a:prstGeom>
+            <a:ln>
+              <a:tailEnd type="triangle"/>
+            </a:ln>
+          </p:spPr>
+          <p:style>
+            <a:lnRef idx="1">
+              <a:schemeClr val="accent3"/>
+            </a:lnRef>
+            <a:fillRef idx="0">
+              <a:schemeClr val="accent3"/>
+            </a:fillRef>
+            <a:effectRef idx="0">
+              <a:schemeClr val="accent3"/>
+            </a:effectRef>
+            <a:fontRef idx="minor">
+              <a:schemeClr val="tx1"/>
+            </a:fontRef>
+          </p:style>
+        </p:cxnSp>
+        <p:sp>
+          <p:nvSpPr>
+            <p:cNvPr id="9" name="Textfeld 8">
+              <a:extLst>
+                <a:ext uri="{FF2B5EF4-FFF2-40B4-BE49-F238E27FC236}">
+                  <a16:creationId xmlns:a16="http://schemas.microsoft.com/office/drawing/2014/main" id="{034B6A5E-3165-0742-A62B-2DABC10D1BDA}"/>
+                </a:ext>
+              </a:extLst>
+            </p:cNvPr>
+            <p:cNvSpPr txBox="1"/>
+            <p:nvPr/>
+          </p:nvSpPr>
+          <p:spPr>
+            <a:xfrm>
+              <a:off x="2427877" y="3355572"/>
+              <a:ext cx="1407892" cy="369332"/>
+            </a:xfrm>
+            <a:prstGeom prst="rect">
+              <a:avLst/>
+            </a:prstGeom>
+            <a:noFill/>
+          </p:spPr>
+          <p:txBody>
+            <a:bodyPr wrap="square" rtlCol="0">
+              <a:spAutoFit/>
+            </a:bodyPr>
+            <a:lstStyle/>
+            <a:p>
+              <a:r>
+                <a:rPr lang="de-DE" dirty="0" err="1"/>
+                <a:t>Preparation</a:t>
+              </a:r>
+              <a:endParaRPr lang="de-DE" dirty="0"/>
+            </a:p>
+          </p:txBody>
+        </p:sp>
+        <p:sp>
+          <p:nvSpPr>
+            <p:cNvPr id="10" name="Textfeld 9">
+              <a:extLst>
+                <a:ext uri="{FF2B5EF4-FFF2-40B4-BE49-F238E27FC236}">
+                  <a16:creationId xmlns:a16="http://schemas.microsoft.com/office/drawing/2014/main" id="{8BF7AF2A-EFDC-7648-8733-33F163C68E32}"/>
+                </a:ext>
+              </a:extLst>
+            </p:cNvPr>
+            <p:cNvSpPr txBox="1"/>
+            <p:nvPr/>
+          </p:nvSpPr>
+          <p:spPr>
+            <a:xfrm>
+              <a:off x="3698588" y="2562513"/>
+              <a:ext cx="1608853" cy="369332"/>
+            </a:xfrm>
+            <a:prstGeom prst="rect">
+              <a:avLst/>
+            </a:prstGeom>
+            <a:noFill/>
+          </p:spPr>
+          <p:txBody>
+            <a:bodyPr wrap="square" rtlCol="0">
+              <a:spAutoFit/>
+            </a:bodyPr>
+            <a:lstStyle/>
+            <a:p>
+              <a:pPr algn="ctr"/>
+              <a:r>
+                <a:rPr lang="de-DE" dirty="0"/>
+                <a:t>Data </a:t>
+              </a:r>
+              <a:r>
+                <a:rPr lang="de-DE" dirty="0" err="1"/>
+                <a:t>extraction</a:t>
+              </a:r>
+              <a:endParaRPr lang="de-DE" dirty="0"/>
+            </a:p>
+          </p:txBody>
+        </p:sp>
+        <p:sp>
+          <p:nvSpPr>
+            <p:cNvPr id="13" name="Textfeld 12">
+              <a:extLst>
+                <a:ext uri="{FF2B5EF4-FFF2-40B4-BE49-F238E27FC236}">
+                  <a16:creationId xmlns:a16="http://schemas.microsoft.com/office/drawing/2014/main" id="{DDDDF6DA-00A0-884F-90A3-4DEEB2EADD2A}"/>
+                </a:ext>
+              </a:extLst>
+            </p:cNvPr>
+            <p:cNvSpPr txBox="1"/>
+            <p:nvPr/>
+          </p:nvSpPr>
+          <p:spPr>
+            <a:xfrm>
+              <a:off x="5212326" y="2394331"/>
+              <a:ext cx="1626517" cy="646331"/>
+            </a:xfrm>
+            <a:prstGeom prst="rect">
+              <a:avLst/>
+            </a:prstGeom>
+            <a:noFill/>
+          </p:spPr>
+          <p:txBody>
+            <a:bodyPr wrap="square" rtlCol="0">
+              <a:spAutoFit/>
+            </a:bodyPr>
+            <a:lstStyle/>
+            <a:p>
+              <a:pPr algn="ctr"/>
+              <a:r>
+                <a:rPr lang="de-DE" dirty="0"/>
+                <a:t>Data </a:t>
+              </a:r>
+              <a:r>
+                <a:rPr lang="de-DE" dirty="0" err="1"/>
+                <a:t>transformation</a:t>
+              </a:r>
+              <a:endParaRPr lang="de-DE" dirty="0"/>
+            </a:p>
+          </p:txBody>
+        </p:sp>
+        <p:cxnSp>
+          <p:nvCxnSpPr>
+            <p:cNvPr id="16" name="Gerade Verbindung mit Pfeil 15">
+              <a:extLst>
+                <a:ext uri="{FF2B5EF4-FFF2-40B4-BE49-F238E27FC236}">
+                  <a16:creationId xmlns:a16="http://schemas.microsoft.com/office/drawing/2014/main" id="{1DB87DFD-06A6-2A42-A510-2C0938C5DCAE}"/>
+                </a:ext>
+              </a:extLst>
+            </p:cNvPr>
+            <p:cNvCxnSpPr/>
+            <p:nvPr/>
+          </p:nvCxnSpPr>
+          <p:spPr>
+            <a:xfrm>
+              <a:off x="5907474" y="2872722"/>
+              <a:ext cx="0" cy="1760923"/>
+            </a:xfrm>
+            <a:prstGeom prst="straightConnector1">
+              <a:avLst/>
+            </a:prstGeom>
+            <a:ln>
+              <a:tailEnd type="triangle"/>
+            </a:ln>
+          </p:spPr>
+          <p:style>
+            <a:lnRef idx="1">
+              <a:schemeClr val="accent3"/>
+            </a:lnRef>
+            <a:fillRef idx="0">
+              <a:schemeClr val="accent3"/>
+            </a:fillRef>
+            <a:effectRef idx="0">
+              <a:schemeClr val="accent3"/>
+            </a:effectRef>
+            <a:fontRef idx="minor">
+              <a:schemeClr val="tx1"/>
+            </a:fontRef>
+          </p:style>
+        </p:cxnSp>
+        <p:sp>
+          <p:nvSpPr>
+            <p:cNvPr id="17" name="Textfeld 16">
+              <a:extLst>
+                <a:ext uri="{FF2B5EF4-FFF2-40B4-BE49-F238E27FC236}">
+                  <a16:creationId xmlns:a16="http://schemas.microsoft.com/office/drawing/2014/main" id="{0A5AEB77-3667-F643-B03C-B569F0B3CE3F}"/>
+                </a:ext>
+              </a:extLst>
+            </p:cNvPr>
+            <p:cNvSpPr txBox="1"/>
+            <p:nvPr/>
+          </p:nvSpPr>
+          <p:spPr>
+            <a:xfrm>
+              <a:off x="6606283" y="3051429"/>
+              <a:ext cx="1428108" cy="646331"/>
+            </a:xfrm>
+            <a:prstGeom prst="rect">
+              <a:avLst/>
+            </a:prstGeom>
+            <a:noFill/>
+          </p:spPr>
+          <p:txBody>
+            <a:bodyPr wrap="square" rtlCol="0">
+              <a:spAutoFit/>
+            </a:bodyPr>
+            <a:lstStyle/>
+            <a:p>
+              <a:pPr algn="ctr"/>
+              <a:r>
+                <a:rPr lang="de-DE" dirty="0" err="1"/>
+                <a:t>Datacube</a:t>
+              </a:r>
+              <a:r>
+                <a:rPr lang="de-DE" dirty="0"/>
+                <a:t> </a:t>
+              </a:r>
+              <a:r>
+                <a:rPr lang="de-DE" dirty="0" err="1"/>
+                <a:t>finalization</a:t>
+              </a:r>
+              <a:endParaRPr lang="de-DE" dirty="0"/>
+            </a:p>
+          </p:txBody>
+        </p:sp>
+        <p:sp>
+          <p:nvSpPr>
+            <p:cNvPr id="21" name="Textfeld 20">
+              <a:extLst>
+                <a:ext uri="{FF2B5EF4-FFF2-40B4-BE49-F238E27FC236}">
+                  <a16:creationId xmlns:a16="http://schemas.microsoft.com/office/drawing/2014/main" id="{F9A7F1CB-4C53-C244-945A-76F3E5AC03B3}"/>
+                </a:ext>
+              </a:extLst>
+            </p:cNvPr>
+            <p:cNvSpPr txBox="1"/>
+            <p:nvPr/>
+          </p:nvSpPr>
+          <p:spPr>
+            <a:xfrm>
+              <a:off x="8034391" y="2552888"/>
+              <a:ext cx="1385786" cy="646331"/>
+            </a:xfrm>
+            <a:prstGeom prst="rect">
+              <a:avLst/>
+            </a:prstGeom>
+            <a:noFill/>
+          </p:spPr>
+          <p:txBody>
+            <a:bodyPr wrap="square" rtlCol="0">
+              <a:spAutoFit/>
+            </a:bodyPr>
+            <a:lstStyle/>
+            <a:p>
+              <a:pPr algn="ctr"/>
+              <a:r>
+                <a:rPr lang="de-DE" dirty="0"/>
+                <a:t>Close </a:t>
+              </a:r>
+              <a:r>
+                <a:rPr lang="de-DE" dirty="0" err="1"/>
+                <a:t>request</a:t>
+              </a:r>
+              <a:endParaRPr lang="de-DE" dirty="0"/>
+            </a:p>
+          </p:txBody>
+        </p:sp>
+        <p:cxnSp>
+          <p:nvCxnSpPr>
+            <p:cNvPr id="22" name="Gerade Verbindung mit Pfeil 21">
+              <a:extLst>
+                <a:ext uri="{FF2B5EF4-FFF2-40B4-BE49-F238E27FC236}">
+                  <a16:creationId xmlns:a16="http://schemas.microsoft.com/office/drawing/2014/main" id="{B921D269-A820-BE4A-8DB7-0057E6C0D6B1}"/>
+                </a:ext>
+              </a:extLst>
+            </p:cNvPr>
+            <p:cNvCxnSpPr/>
+            <p:nvPr/>
+          </p:nvCxnSpPr>
+          <p:spPr>
+            <a:xfrm>
+              <a:off x="8733728" y="2872722"/>
+              <a:ext cx="0" cy="1760923"/>
+            </a:xfrm>
+            <a:prstGeom prst="straightConnector1">
+              <a:avLst/>
+            </a:prstGeom>
+            <a:ln>
+              <a:tailEnd type="triangle"/>
+            </a:ln>
+          </p:spPr>
+          <p:style>
+            <a:lnRef idx="1">
+              <a:schemeClr val="accent3"/>
+            </a:lnRef>
+            <a:fillRef idx="0">
+              <a:schemeClr val="accent3"/>
+            </a:fillRef>
+            <a:effectRef idx="0">
+              <a:schemeClr val="accent3"/>
+            </a:effectRef>
+            <a:fontRef idx="minor">
+              <a:schemeClr val="tx1"/>
+            </a:fontRef>
+          </p:style>
+        </p:cxnSp>
+        <p:cxnSp>
+          <p:nvCxnSpPr>
+            <p:cNvPr id="25" name="Gerade Verbindung mit Pfeil 24">
+              <a:extLst>
+                <a:ext uri="{FF2B5EF4-FFF2-40B4-BE49-F238E27FC236}">
+                  <a16:creationId xmlns:a16="http://schemas.microsoft.com/office/drawing/2014/main" id="{042B854D-E628-2D45-B782-65613F8805B3}"/>
+                </a:ext>
+              </a:extLst>
+            </p:cNvPr>
+            <p:cNvCxnSpPr/>
+            <p:nvPr/>
+          </p:nvCxnSpPr>
+          <p:spPr>
+            <a:xfrm>
+              <a:off x="3082247" y="3808612"/>
+              <a:ext cx="0" cy="825033"/>
+            </a:xfrm>
+            <a:prstGeom prst="straightConnector1">
+              <a:avLst/>
+            </a:prstGeom>
+            <a:ln>
+              <a:tailEnd type="triangle"/>
+            </a:ln>
+          </p:spPr>
+          <p:style>
+            <a:lnRef idx="1">
+              <a:schemeClr val="accent3"/>
+            </a:lnRef>
+            <a:fillRef idx="0">
+              <a:schemeClr val="accent3"/>
+            </a:fillRef>
+            <a:effectRef idx="0">
+              <a:schemeClr val="accent3"/>
+            </a:effectRef>
+            <a:fontRef idx="minor">
+              <a:schemeClr val="tx1"/>
+            </a:fontRef>
+          </p:style>
+        </p:cxnSp>
+        <p:cxnSp>
+          <p:nvCxnSpPr>
+            <p:cNvPr id="27" name="Gerade Verbindung mit Pfeil 26">
+              <a:extLst>
+                <a:ext uri="{FF2B5EF4-FFF2-40B4-BE49-F238E27FC236}">
+                  <a16:creationId xmlns:a16="http://schemas.microsoft.com/office/drawing/2014/main" id="{AA7D37CC-32CA-6642-9A18-F3F6D96C208F}"/>
+                </a:ext>
+              </a:extLst>
+            </p:cNvPr>
+            <p:cNvCxnSpPr/>
+            <p:nvPr/>
+          </p:nvCxnSpPr>
+          <p:spPr>
+            <a:xfrm>
+              <a:off x="4477612" y="4005983"/>
+              <a:ext cx="0" cy="627662"/>
+            </a:xfrm>
+            <a:prstGeom prst="straightConnector1">
+              <a:avLst/>
+            </a:prstGeom>
+            <a:ln>
+              <a:tailEnd type="triangle"/>
+            </a:ln>
+          </p:spPr>
+          <p:style>
+            <a:lnRef idx="1">
+              <a:schemeClr val="accent3"/>
+            </a:lnRef>
+            <a:fillRef idx="0">
+              <a:schemeClr val="accent3"/>
+            </a:fillRef>
+            <a:effectRef idx="0">
+              <a:schemeClr val="accent3"/>
+            </a:effectRef>
+            <a:fontRef idx="minor">
+              <a:schemeClr val="tx1"/>
+            </a:fontRef>
+          </p:style>
+        </p:cxnSp>
+        <p:cxnSp>
+          <p:nvCxnSpPr>
+            <p:cNvPr id="29" name="Gerade Verbindung mit Pfeil 28">
+              <a:extLst>
+                <a:ext uri="{FF2B5EF4-FFF2-40B4-BE49-F238E27FC236}">
+                  <a16:creationId xmlns:a16="http://schemas.microsoft.com/office/drawing/2014/main" id="{9D4796CB-E77F-A445-918F-F2F7A4383E10}"/>
+                </a:ext>
+              </a:extLst>
+            </p:cNvPr>
+            <p:cNvCxnSpPr/>
+            <p:nvPr/>
+          </p:nvCxnSpPr>
+          <p:spPr>
+            <a:xfrm>
+              <a:off x="7323762" y="4005983"/>
+              <a:ext cx="13574" cy="627662"/>
+            </a:xfrm>
+            <a:prstGeom prst="straightConnector1">
+              <a:avLst/>
+            </a:prstGeom>
+            <a:ln>
+              <a:tailEnd type="triangle"/>
+            </a:ln>
+          </p:spPr>
+          <p:style>
+            <a:lnRef idx="1">
+              <a:schemeClr val="accent3"/>
+            </a:lnRef>
+            <a:fillRef idx="0">
+              <a:schemeClr val="accent3"/>
+            </a:fillRef>
+            <a:effectRef idx="0">
+              <a:schemeClr val="accent3"/>
+            </a:effectRef>
+            <a:fontRef idx="minor">
+              <a:schemeClr val="tx1"/>
+            </a:fontRef>
+          </p:style>
+        </p:cxnSp>
+        <p:cxnSp>
+          <p:nvCxnSpPr>
+            <p:cNvPr id="31" name="Gerade Verbindung mit Pfeil 30">
+              <a:extLst>
+                <a:ext uri="{FF2B5EF4-FFF2-40B4-BE49-F238E27FC236}">
+                  <a16:creationId xmlns:a16="http://schemas.microsoft.com/office/drawing/2014/main" id="{80FA9335-59C3-DA4C-AF96-430DD8509BF5}"/>
+                </a:ext>
+              </a:extLst>
+            </p:cNvPr>
+            <p:cNvCxnSpPr/>
+            <p:nvPr/>
+          </p:nvCxnSpPr>
+          <p:spPr>
+            <a:xfrm>
+              <a:off x="10130121" y="4005983"/>
+              <a:ext cx="0" cy="627662"/>
+            </a:xfrm>
+            <a:prstGeom prst="straightConnector1">
+              <a:avLst/>
+            </a:prstGeom>
+            <a:ln>
+              <a:tailEnd type="triangle"/>
+            </a:ln>
+          </p:spPr>
+          <p:style>
+            <a:lnRef idx="1">
+              <a:schemeClr val="accent3"/>
+            </a:lnRef>
+            <a:fillRef idx="0">
+              <a:schemeClr val="accent3"/>
+            </a:fillRef>
+            <a:effectRef idx="0">
+              <a:schemeClr val="accent3"/>
+            </a:effectRef>
+            <a:fontRef idx="minor">
+              <a:schemeClr val="tx1"/>
+            </a:fontRef>
+          </p:style>
+        </p:cxnSp>
+        <p:sp>
+          <p:nvSpPr>
+            <p:cNvPr id="14" name="Gebogener Pfeil 13">
+              <a:extLst>
+                <a:ext uri="{FF2B5EF4-FFF2-40B4-BE49-F238E27FC236}">
+                  <a16:creationId xmlns:a16="http://schemas.microsoft.com/office/drawing/2014/main" id="{25D618BE-C5A5-C84E-BF54-6A303B0EC04C}"/>
+                </a:ext>
+              </a:extLst>
+            </p:cNvPr>
+            <p:cNvSpPr/>
+            <p:nvPr/>
+          </p:nvSpPr>
+          <p:spPr>
+            <a:xfrm>
+              <a:off x="6456731" y="2336005"/>
+              <a:ext cx="1740830" cy="1957933"/>
+            </a:xfrm>
+            <a:prstGeom prst="circularArrow">
+              <a:avLst/>
+            </a:prstGeom>
+          </p:spPr>
+          <p:style>
+            <a:lnRef idx="3">
+              <a:schemeClr val="lt1"/>
+            </a:lnRef>
+            <a:fillRef idx="1">
+              <a:schemeClr val="accent4"/>
+            </a:fillRef>
+            <a:effectRef idx="1">
+              <a:schemeClr val="accent4"/>
+            </a:effectRef>
+            <a:fontRef idx="minor">
+              <a:schemeClr val="lt1"/>
+            </a:fontRef>
+          </p:style>
+          <p:txBody>
+            <a:bodyPr rtlCol="0" anchor="ctr"/>
+            <a:lstStyle/>
+            <a:p>
+              <a:pPr algn="ctr"/>
+              <a:endParaRPr lang="de-DE" dirty="0">
+                <a:solidFill>
+                  <a:schemeClr val="tx1"/>
+                </a:solidFill>
+              </a:endParaRPr>
+            </a:p>
+          </p:txBody>
+        </p:sp>
+        <p:sp>
+          <p:nvSpPr>
+            <p:cNvPr id="30" name="Gebogener Pfeil 29">
+              <a:extLst>
+                <a:ext uri="{FF2B5EF4-FFF2-40B4-BE49-F238E27FC236}">
+                  <a16:creationId xmlns:a16="http://schemas.microsoft.com/office/drawing/2014/main" id="{F4F20E90-2A0E-7C4B-88AC-83C6EEEEEDF8}"/>
+                </a:ext>
+              </a:extLst>
+            </p:cNvPr>
+            <p:cNvSpPr/>
+            <p:nvPr/>
+          </p:nvSpPr>
+          <p:spPr>
+            <a:xfrm>
+              <a:off x="4344463" y="1467337"/>
+              <a:ext cx="1740830" cy="1957933"/>
+            </a:xfrm>
+            <a:prstGeom prst="circularArrow">
+              <a:avLst/>
+            </a:prstGeom>
+          </p:spPr>
+          <p:style>
+            <a:lnRef idx="3">
+              <a:schemeClr val="lt1"/>
+            </a:lnRef>
+            <a:fillRef idx="1">
+              <a:schemeClr val="accent4"/>
+            </a:fillRef>
+            <a:effectRef idx="1">
+              <a:schemeClr val="accent4"/>
+            </a:effectRef>
+            <a:fontRef idx="minor">
+              <a:schemeClr val="lt1"/>
+            </a:fontRef>
+          </p:style>
+          <p:txBody>
+            <a:bodyPr rtlCol="0" anchor="ctr"/>
+            <a:lstStyle/>
+            <a:p>
+              <a:pPr algn="ctr"/>
+              <a:endParaRPr lang="de-DE" dirty="0">
+                <a:solidFill>
+                  <a:schemeClr val="tx1"/>
+                </a:solidFill>
+              </a:endParaRPr>
+            </a:p>
+          </p:txBody>
+        </p:sp>
+        <p:sp>
+          <p:nvSpPr>
+            <p:cNvPr id="32" name="Gebogener Pfeil 31">
+              <a:extLst>
+                <a:ext uri="{FF2B5EF4-FFF2-40B4-BE49-F238E27FC236}">
+                  <a16:creationId xmlns:a16="http://schemas.microsoft.com/office/drawing/2014/main" id="{AE501F38-73C9-8447-B9DF-B6DC46BD23ED}"/>
+                </a:ext>
+              </a:extLst>
+            </p:cNvPr>
+            <p:cNvSpPr/>
+            <p:nvPr/>
+          </p:nvSpPr>
+          <p:spPr>
+            <a:xfrm rot="10800000">
+              <a:off x="6487797" y="2573790"/>
+              <a:ext cx="1740830" cy="1957933"/>
+            </a:xfrm>
+            <a:prstGeom prst="circularArrow">
+              <a:avLst/>
+            </a:prstGeom>
+          </p:spPr>
+          <p:style>
+            <a:lnRef idx="3">
+              <a:schemeClr val="lt1"/>
+            </a:lnRef>
+            <a:fillRef idx="1">
+              <a:schemeClr val="accent4"/>
+            </a:fillRef>
+            <a:effectRef idx="1">
+              <a:schemeClr val="accent4"/>
+            </a:effectRef>
+            <a:fontRef idx="minor">
+              <a:schemeClr val="lt1"/>
+            </a:fontRef>
+          </p:style>
+          <p:txBody>
+            <a:bodyPr rtlCol="0" anchor="ctr"/>
+            <a:lstStyle/>
+            <a:p>
+              <a:pPr algn="ctr"/>
+              <a:endParaRPr lang="de-DE" dirty="0">
+                <a:solidFill>
+                  <a:schemeClr val="tx1"/>
+                </a:solidFill>
+              </a:endParaRPr>
+            </a:p>
+          </p:txBody>
+        </p:sp>
+        <p:sp>
+          <p:nvSpPr>
+            <p:cNvPr id="33" name="Gebogener Pfeil 32">
+              <a:extLst>
+                <a:ext uri="{FF2B5EF4-FFF2-40B4-BE49-F238E27FC236}">
+                  <a16:creationId xmlns:a16="http://schemas.microsoft.com/office/drawing/2014/main" id="{8BC020DE-9FBE-3548-923C-A8766C945316}"/>
+                </a:ext>
+              </a:extLst>
+            </p:cNvPr>
+            <p:cNvSpPr/>
+            <p:nvPr/>
+          </p:nvSpPr>
+          <p:spPr>
+            <a:xfrm rot="10800000">
+              <a:off x="4355168" y="2071524"/>
+              <a:ext cx="1740830" cy="1957933"/>
+            </a:xfrm>
+            <a:prstGeom prst="circularArrow">
+              <a:avLst/>
+            </a:prstGeom>
+          </p:spPr>
+          <p:style>
+            <a:lnRef idx="3">
+              <a:schemeClr val="lt1"/>
+            </a:lnRef>
+            <a:fillRef idx="1">
+              <a:schemeClr val="accent4"/>
+            </a:fillRef>
+            <a:effectRef idx="1">
+              <a:schemeClr val="accent4"/>
+            </a:effectRef>
+            <a:fontRef idx="minor">
+              <a:schemeClr val="lt1"/>
+            </a:fontRef>
+          </p:style>
+          <p:txBody>
+            <a:bodyPr rtlCol="0" anchor="ctr"/>
+            <a:lstStyle/>
+            <a:p>
+              <a:pPr algn="ctr"/>
+              <a:endParaRPr lang="de-DE" dirty="0">
+                <a:solidFill>
+                  <a:schemeClr val="tx1"/>
+                </a:solidFill>
+              </a:endParaRPr>
+            </a:p>
+          </p:txBody>
+        </p:sp>
+      </p:grpSp>
+    </p:spTree>
+    <p:extLst>
+      <p:ext uri="{BB962C8B-B14F-4D97-AF65-F5344CB8AC3E}">
+        <p14:creationId xmlns:p14="http://schemas.microsoft.com/office/powerpoint/2010/main" val="3280912272"/>
+      </p:ext>
+    </p:extLst>
+  </p:cSld>
+  <p:clrMapOvr>
+    <a:masterClrMapping/>
+  </p:clrMapOvr>
+</p:sld>
+</file>
+
+<file path=ppt/slides/slide3.xml><?xml version="1.0" encoding="utf-8"?>
+<p:sld xmlns:a="http://schemas.openxmlformats.org/drawingml/2006/main" xmlns:r="http://schemas.openxmlformats.org/officeDocument/2006/relationships" xmlns:p="http://schemas.openxmlformats.org/presentationml/2006/main">
+  <p:cSld>
+    <p:spTree>
+      <p:nvGrpSpPr>
+        <p:cNvPr id="1" name=""/>
+        <p:cNvGrpSpPr/>
+        <p:nvPr/>
+      </p:nvGrpSpPr>
+      <p:grpSpPr>
+        <a:xfrm>
+          <a:off x="0" y="0"/>
+          <a:ext cx="0" cy="0"/>
+          <a:chOff x="0" y="0"/>
+          <a:chExt cx="0" cy="0"/>
+        </a:xfrm>
+      </p:grpSpPr>
       <p:pic>
         <p:nvPicPr>
           <p:cNvPr id="4" name="Grafik 3">
@@ -8045,8 +9925,8 @@
         </p:nvSpPr>
         <p:spPr>
           <a:xfrm>
-            <a:off x="8762118" y="1025760"/>
-            <a:ext cx="1850351" cy="369332"/>
+            <a:off x="8700105" y="1096632"/>
+            <a:ext cx="1974376" cy="369332"/>
           </a:xfrm>
           <a:prstGeom prst="rect">
             <a:avLst/>
@@ -8067,7 +9947,7 @@
                   </a:schemeClr>
                 </a:solidFill>
               </a:rPr>
-              <a:t>direct</a:t>
+              <a:t>indirect</a:t>
             </a:r>
             <a:r>
               <a:rPr lang="de-DE" dirty="0">
@@ -8113,8 +9993,8 @@
         </p:nvSpPr>
         <p:spPr>
           <a:xfrm>
-            <a:off x="1402504" y="2602107"/>
-            <a:ext cx="2124800" cy="369332"/>
+            <a:off x="1568524" y="2589891"/>
+            <a:ext cx="1792759" cy="369332"/>
           </a:xfrm>
           <a:prstGeom prst="rect">
             <a:avLst/>
@@ -8135,7 +10015,7 @@
                   </a:schemeClr>
                 </a:solidFill>
               </a:rPr>
-              <a:t>indirect</a:t>
+              <a:t>direct</a:t>
             </a:r>
             <a:r>
               <a:rPr lang="de-DE" dirty="0">
@@ -8515,7 +10395,7 @@
 </p:sld>
 </file>
 
-<file path=ppt/slides/slide3.xml><?xml version="1.0" encoding="utf-8"?>
+<file path=ppt/slides/slide4.xml><?xml version="1.0" encoding="utf-8"?>
 <p:sld xmlns:a="http://schemas.openxmlformats.org/drawingml/2006/main" xmlns:r="http://schemas.openxmlformats.org/officeDocument/2006/relationships" xmlns:p="http://schemas.openxmlformats.org/presentationml/2006/main">
   <p:cSld>
     <p:spTree>
@@ -10539,7 +12419,7 @@
 </p:sld>
 </file>
 
-<file path=ppt/slides/slide4.xml><?xml version="1.0" encoding="utf-8"?>
+<file path=ppt/slides/slide5.xml><?xml version="1.0" encoding="utf-8"?>
 <p:sld xmlns:a="http://schemas.openxmlformats.org/drawingml/2006/main" xmlns:r="http://schemas.openxmlformats.org/officeDocument/2006/relationships" xmlns:p="http://schemas.openxmlformats.org/presentationml/2006/main">
   <p:cSld>
     <p:spTree>

--- a/documentation/Grafiken_16052019.pptx
+++ b/documentation/Grafiken_16052019.pptx
@@ -9023,10 +9023,10 @@
         </p:nvGrpSpPr>
         <p:grpSpPr>
           <a:xfrm>
-            <a:off x="1051221" y="1467337"/>
-            <a:ext cx="9078900" cy="3166308"/>
-            <a:chOff x="1051221" y="1467337"/>
-            <a:chExt cx="9078900" cy="3166308"/>
+            <a:off x="1215524" y="1449251"/>
+            <a:ext cx="8914597" cy="3184394"/>
+            <a:chOff x="1215524" y="1449251"/>
+            <a:chExt cx="8914597" cy="3184394"/>
           </a:xfrm>
         </p:grpSpPr>
         <p:sp>
@@ -9043,8 +9043,8 @@
           </p:nvSpPr>
           <p:spPr>
             <a:xfrm>
-              <a:off x="1051221" y="2552888"/>
-              <a:ext cx="1496770" cy="369332"/>
+              <a:off x="1215524" y="2562513"/>
+              <a:ext cx="900869" cy="646332"/>
             </a:xfrm>
             <a:prstGeom prst="rect">
               <a:avLst/>
@@ -9078,13 +9078,15 @@
                 </a:ext>
               </a:extLst>
             </p:cNvPr>
-            <p:cNvCxnSpPr/>
+            <p:cNvCxnSpPr>
+              <a:cxnSpLocks/>
+            </p:cNvCxnSpPr>
             <p:nvPr/>
           </p:nvCxnSpPr>
           <p:spPr>
             <a:xfrm>
-              <a:off x="1665959" y="2872722"/>
-              <a:ext cx="0" cy="1760923"/>
+              <a:off x="1665959" y="3363603"/>
+              <a:ext cx="0" cy="1260000"/>
             </a:xfrm>
             <a:prstGeom prst="straightConnector1">
               <a:avLst/>
@@ -9122,8 +9124,8 @@
           </p:nvSpPr>
           <p:spPr>
             <a:xfrm>
-              <a:off x="2427877" y="3355572"/>
-              <a:ext cx="1407892" cy="369332"/>
+              <a:off x="2387474" y="2696106"/>
+              <a:ext cx="1339030" cy="369332"/>
             </a:xfrm>
             <a:prstGeom prst="rect">
               <a:avLst/>
@@ -9158,8 +9160,8 @@
           </p:nvSpPr>
           <p:spPr>
             <a:xfrm>
-              <a:off x="3698588" y="2562513"/>
-              <a:ext cx="1608853" cy="369332"/>
+              <a:off x="3781204" y="2428218"/>
+              <a:ext cx="1392816" cy="646331"/>
             </a:xfrm>
             <a:prstGeom prst="rect">
               <a:avLst/>
@@ -9199,7 +9201,7 @@
           </p:nvSpPr>
           <p:spPr>
             <a:xfrm>
-              <a:off x="5212326" y="2394331"/>
+              <a:off x="5094215" y="2404160"/>
               <a:ext cx="1626517" cy="646331"/>
             </a:xfrm>
             <a:prstGeom prst="rect">
@@ -9235,13 +9237,15 @@
                 </a:ext>
               </a:extLst>
             </p:cNvPr>
-            <p:cNvCxnSpPr/>
+            <p:cNvCxnSpPr>
+              <a:cxnSpLocks/>
+            </p:cNvCxnSpPr>
             <p:nvPr/>
           </p:nvCxnSpPr>
           <p:spPr>
             <a:xfrm>
-              <a:off x="5907474" y="2872722"/>
-              <a:ext cx="0" cy="1760923"/>
+              <a:off x="5907473" y="3988361"/>
+              <a:ext cx="1" cy="630000"/>
             </a:xfrm>
             <a:prstGeom prst="straightConnector1">
               <a:avLst/>
@@ -9279,8 +9283,8 @@
           </p:nvSpPr>
           <p:spPr>
             <a:xfrm>
-              <a:off x="6606283" y="3051429"/>
-              <a:ext cx="1428108" cy="646331"/>
+              <a:off x="6682501" y="2441146"/>
+              <a:ext cx="1289318" cy="646331"/>
             </a:xfrm>
             <a:prstGeom prst="rect">
               <a:avLst/>
@@ -9360,13 +9364,15 @@
                 </a:ext>
               </a:extLst>
             </p:cNvPr>
-            <p:cNvCxnSpPr/>
+            <p:cNvCxnSpPr>
+              <a:cxnSpLocks/>
+            </p:cNvCxnSpPr>
             <p:nvPr/>
           </p:nvCxnSpPr>
           <p:spPr>
             <a:xfrm>
-              <a:off x="8733728" y="2872722"/>
-              <a:ext cx="0" cy="1760923"/>
+              <a:off x="8733728" y="3352681"/>
+              <a:ext cx="0" cy="1260000"/>
             </a:xfrm>
             <a:prstGeom prst="straightConnector1">
               <a:avLst/>
@@ -9399,13 +9405,15 @@
                 </a:ext>
               </a:extLst>
             </p:cNvPr>
-            <p:cNvCxnSpPr/>
+            <p:cNvCxnSpPr>
+              <a:cxnSpLocks/>
+            </p:cNvCxnSpPr>
             <p:nvPr/>
           </p:nvCxnSpPr>
           <p:spPr>
             <a:xfrm>
-              <a:off x="3082247" y="3808612"/>
-              <a:ext cx="0" cy="825033"/>
+              <a:off x="3082247" y="3343055"/>
+              <a:ext cx="0" cy="1260000"/>
             </a:xfrm>
             <a:prstGeom prst="straightConnector1">
               <a:avLst/>
@@ -9443,8 +9451,8 @@
           </p:nvCxnSpPr>
           <p:spPr>
             <a:xfrm>
-              <a:off x="4477612" y="4005983"/>
-              <a:ext cx="0" cy="627662"/>
+              <a:off x="4477612" y="3975161"/>
+              <a:ext cx="0" cy="630000"/>
             </a:xfrm>
             <a:prstGeom prst="straightConnector1">
               <a:avLst/>
@@ -9560,7 +9568,7 @@
           </p:nvSpPr>
           <p:spPr>
             <a:xfrm>
-              <a:off x="6456731" y="2336005"/>
+              <a:off x="6446092" y="1449251"/>
               <a:ext cx="1740830" cy="1957933"/>
             </a:xfrm>
             <a:prstGeom prst="circularArrow">
@@ -9656,7 +9664,7 @@
           </p:nvSpPr>
           <p:spPr>
             <a:xfrm rot="10800000">
-              <a:off x="6487797" y="2573790"/>
+              <a:off x="6466491" y="2041134"/>
               <a:ext cx="1740830" cy="1957933"/>
             </a:xfrm>
             <a:prstGeom prst="circularArrow">

--- a/documentation/Grafiken_16052019.pptx
+++ b/documentation/Grafiken_16052019.pptx
@@ -7989,9 +7989,9 @@
         <p:grpSpPr>
           <a:xfrm>
             <a:off x="970696" y="4647476"/>
-            <a:ext cx="10250605" cy="706938"/>
+            <a:ext cx="8836728" cy="706938"/>
             <a:chOff x="970696" y="4647476"/>
-            <a:chExt cx="10250605" cy="706938"/>
+            <a:chExt cx="8836728" cy="706938"/>
           </a:xfrm>
         </p:grpSpPr>
         <p:sp>
@@ -8862,152 +8862,6 @@
             </a:p>
           </p:txBody>
         </p:sp>
-        <p:sp>
-          <p:nvSpPr>
-            <p:cNvPr id="28" name="Freihandform 27">
-              <a:extLst>
-                <a:ext uri="{FF2B5EF4-FFF2-40B4-BE49-F238E27FC236}">
-                  <a16:creationId xmlns:a16="http://schemas.microsoft.com/office/drawing/2014/main" id="{D8E0051F-015F-8B48-BD65-B334EE5540EB}"/>
-                </a:ext>
-              </a:extLst>
-            </p:cNvPr>
-            <p:cNvSpPr/>
-            <p:nvPr/>
-          </p:nvSpPr>
-          <p:spPr>
-            <a:xfrm>
-              <a:off x="9453956" y="4647476"/>
-              <a:ext cx="1767345" cy="706938"/>
-            </a:xfrm>
-            <a:custGeom>
-              <a:avLst/>
-              <a:gdLst>
-                <a:gd name="connsiteX0" fmla="*/ 0 w 1767345"/>
-                <a:gd name="connsiteY0" fmla="*/ 0 h 706938"/>
-                <a:gd name="connsiteX1" fmla="*/ 1413876 w 1767345"/>
-                <a:gd name="connsiteY1" fmla="*/ 0 h 706938"/>
-                <a:gd name="connsiteX2" fmla="*/ 1767345 w 1767345"/>
-                <a:gd name="connsiteY2" fmla="*/ 353469 h 706938"/>
-                <a:gd name="connsiteX3" fmla="*/ 1413876 w 1767345"/>
-                <a:gd name="connsiteY3" fmla="*/ 706938 h 706938"/>
-                <a:gd name="connsiteX4" fmla="*/ 0 w 1767345"/>
-                <a:gd name="connsiteY4" fmla="*/ 706938 h 706938"/>
-                <a:gd name="connsiteX5" fmla="*/ 353469 w 1767345"/>
-                <a:gd name="connsiteY5" fmla="*/ 353469 h 706938"/>
-                <a:gd name="connsiteX6" fmla="*/ 0 w 1767345"/>
-                <a:gd name="connsiteY6" fmla="*/ 0 h 706938"/>
-              </a:gdLst>
-              <a:ahLst/>
-              <a:cxnLst>
-                <a:cxn ang="0">
-                  <a:pos x="connsiteX0" y="connsiteY0"/>
-                </a:cxn>
-                <a:cxn ang="0">
-                  <a:pos x="connsiteX1" y="connsiteY1"/>
-                </a:cxn>
-                <a:cxn ang="0">
-                  <a:pos x="connsiteX2" y="connsiteY2"/>
-                </a:cxn>
-                <a:cxn ang="0">
-                  <a:pos x="connsiteX3" y="connsiteY3"/>
-                </a:cxn>
-                <a:cxn ang="0">
-                  <a:pos x="connsiteX4" y="connsiteY4"/>
-                </a:cxn>
-                <a:cxn ang="0">
-                  <a:pos x="connsiteX5" y="connsiteY5"/>
-                </a:cxn>
-                <a:cxn ang="0">
-                  <a:pos x="connsiteX6" y="connsiteY6"/>
-                </a:cxn>
-              </a:cxnLst>
-              <a:rect l="l" t="t" r="r" b="b"/>
-              <a:pathLst>
-                <a:path w="1767345" h="706938">
-                  <a:moveTo>
-                    <a:pt x="0" y="0"/>
-                  </a:moveTo>
-                  <a:lnTo>
-                    <a:pt x="1413876" y="0"/>
-                  </a:lnTo>
-                  <a:lnTo>
-                    <a:pt x="1767345" y="353469"/>
-                  </a:lnTo>
-                  <a:lnTo>
-                    <a:pt x="1413876" y="706938"/>
-                  </a:lnTo>
-                  <a:lnTo>
-                    <a:pt x="0" y="706938"/>
-                  </a:lnTo>
-                  <a:lnTo>
-                    <a:pt x="353469" y="353469"/>
-                  </a:lnTo>
-                  <a:lnTo>
-                    <a:pt x="0" y="0"/>
-                  </a:lnTo>
-                  <a:close/>
-                </a:path>
-              </a:pathLst>
-            </a:custGeom>
-            <a:scene3d>
-              <a:camera prst="orthographicFront"/>
-              <a:lightRig rig="flat" dir="t"/>
-            </a:scene3d>
-            <a:sp3d prstMaterial="dkEdge">
-              <a:bevelT w="8200" h="38100"/>
-            </a:sp3d>
-          </p:spPr>
-          <p:style>
-            <a:lnRef idx="0">
-              <a:schemeClr val="lt1">
-                <a:hueOff val="0"/>
-                <a:satOff val="0"/>
-                <a:lumOff val="0"/>
-                <a:alphaOff val="0"/>
-              </a:schemeClr>
-            </a:lnRef>
-            <a:fillRef idx="2">
-              <a:schemeClr val="accent4">
-                <a:hueOff val="0"/>
-                <a:satOff val="0"/>
-                <a:lumOff val="0"/>
-                <a:alphaOff val="0"/>
-              </a:schemeClr>
-            </a:fillRef>
-            <a:effectRef idx="1">
-              <a:schemeClr val="accent4">
-                <a:hueOff val="0"/>
-                <a:satOff val="0"/>
-                <a:lumOff val="0"/>
-                <a:alphaOff val="0"/>
-              </a:schemeClr>
-            </a:effectRef>
-            <a:fontRef idx="minor">
-              <a:schemeClr val="dk1"/>
-            </a:fontRef>
-          </p:style>
-          <p:txBody>
-            <a:bodyPr spcFirstLastPara="0" vert="horz" wrap="square" lIns="497487" tIns="96012" rIns="401475" bIns="96012" numCol="1" spcCol="1270" anchor="ctr" anchorCtr="0">
-              <a:noAutofit/>
-            </a:bodyPr>
-            <a:lstStyle/>
-            <a:p>
-              <a:pPr marL="0" lvl="0" indent="0" algn="ctr" defTabSz="1600200">
-                <a:lnSpc>
-                  <a:spcPct val="90000"/>
-                </a:lnSpc>
-                <a:spcBef>
-                  <a:spcPct val="0"/>
-                </a:spcBef>
-                <a:spcAft>
-                  <a:spcPct val="35000"/>
-                </a:spcAft>
-                <a:buNone/>
-              </a:pPr>
-              <a:endParaRPr lang="de-DE" sz="3600" kern="1200" dirty="0"/>
-            </a:p>
-          </p:txBody>
-        </p:sp>
       </p:grpSp>
       <p:grpSp>
         <p:nvGrpSpPr>
@@ -9023,10 +8877,10 @@
         </p:nvGrpSpPr>
         <p:grpSpPr>
           <a:xfrm>
-            <a:off x="1215524" y="1449251"/>
-            <a:ext cx="8914597" cy="3184394"/>
+            <a:off x="1227556" y="1463082"/>
+            <a:ext cx="8204653" cy="3184394"/>
             <a:chOff x="1215524" y="1449251"/>
-            <a:chExt cx="8914597" cy="3184394"/>
+            <a:chExt cx="8204653" cy="3184394"/>
           </a:xfrm>
         </p:grpSpPr>
         <p:sp>
@@ -9057,15 +8911,11 @@
             </a:bodyPr>
             <a:lstStyle/>
             <a:p>
+              <a:pPr algn="ctr"/>
               <a:r>
                 <a:rPr lang="de-DE" dirty="0"/>
-                <a:t>Open </a:t>
+                <a:t>Open request</a:t>
               </a:r>
-              <a:r>
-                <a:rPr lang="de-DE" dirty="0" err="1"/>
-                <a:t>request</a:t>
-              </a:r>
-              <a:endParaRPr lang="de-DE" dirty="0"/>
             </a:p>
           </p:txBody>
         </p:sp>
@@ -9139,10 +8989,9 @@
             <a:lstStyle/>
             <a:p>
               <a:r>
-                <a:rPr lang="de-DE" dirty="0" err="1"/>
+                <a:rPr lang="en-GB" dirty="0"/>
                 <a:t>Preparation</a:t>
               </a:r>
-              <a:endParaRPr lang="de-DE" dirty="0"/>
             </a:p>
           </p:txBody>
         </p:sp>
@@ -9177,13 +9026,8 @@
               <a:pPr algn="ctr"/>
               <a:r>
                 <a:rPr lang="de-DE" dirty="0"/>
-                <a:t>Data </a:t>
+                <a:t>Data extraction</a:t>
               </a:r>
-              <a:r>
-                <a:rPr lang="de-DE" dirty="0" err="1"/>
-                <a:t>extraction</a:t>
-              </a:r>
-              <a:endParaRPr lang="de-DE" dirty="0"/>
             </a:p>
           </p:txBody>
         </p:sp>
@@ -9218,13 +9062,8 @@
               <a:pPr algn="ctr"/>
               <a:r>
                 <a:rPr lang="de-DE" dirty="0"/>
-                <a:t>Data </a:t>
+                <a:t>Data transformation</a:t>
               </a:r>
-              <a:r>
-                <a:rPr lang="de-DE" dirty="0" err="1"/>
-                <a:t>transformation</a:t>
-              </a:r>
-              <a:endParaRPr lang="de-DE" dirty="0"/>
             </a:p>
           </p:txBody>
         </p:sp>
@@ -9299,18 +9138,9 @@
             <a:p>
               <a:pPr algn="ctr"/>
               <a:r>
-                <a:rPr lang="de-DE" dirty="0" err="1"/>
-                <a:t>Datacube</a:t>
+                <a:rPr lang="de-DE" dirty="0"/>
+                <a:t>Datacube finalization</a:t>
               </a:r>
-              <a:r>
-                <a:rPr lang="de-DE" dirty="0"/>
-                <a:t> </a:t>
-              </a:r>
-              <a:r>
-                <a:rPr lang="de-DE" dirty="0" err="1"/>
-                <a:t>finalization</a:t>
-              </a:r>
-              <a:endParaRPr lang="de-DE" dirty="0"/>
             </a:p>
           </p:txBody>
         </p:sp>
@@ -9345,13 +9175,8 @@
               <a:pPr algn="ctr"/>
               <a:r>
                 <a:rPr lang="de-DE" dirty="0"/>
-                <a:t>Close </a:t>
+                <a:t>Close request</a:t>
               </a:r>
-              <a:r>
-                <a:rPr lang="de-DE" dirty="0" err="1"/>
-                <a:t>request</a:t>
-              </a:r>
-              <a:endParaRPr lang="de-DE" dirty="0"/>
             </a:p>
           </p:txBody>
         </p:sp>
@@ -9492,45 +9317,6 @@
             <a:xfrm>
               <a:off x="7323762" y="4005983"/>
               <a:ext cx="13574" cy="627662"/>
-            </a:xfrm>
-            <a:prstGeom prst="straightConnector1">
-              <a:avLst/>
-            </a:prstGeom>
-            <a:ln>
-              <a:tailEnd type="triangle"/>
-            </a:ln>
-          </p:spPr>
-          <p:style>
-            <a:lnRef idx="1">
-              <a:schemeClr val="accent3"/>
-            </a:lnRef>
-            <a:fillRef idx="0">
-              <a:schemeClr val="accent3"/>
-            </a:fillRef>
-            <a:effectRef idx="0">
-              <a:schemeClr val="accent3"/>
-            </a:effectRef>
-            <a:fontRef idx="minor">
-              <a:schemeClr val="tx1"/>
-            </a:fontRef>
-          </p:style>
-        </p:cxnSp>
-        <p:cxnSp>
-          <p:nvCxnSpPr>
-            <p:cNvPr id="31" name="Gerade Verbindung mit Pfeil 30">
-              <a:extLst>
-                <a:ext uri="{FF2B5EF4-FFF2-40B4-BE49-F238E27FC236}">
-                  <a16:creationId xmlns:a16="http://schemas.microsoft.com/office/drawing/2014/main" id="{80FA9335-59C3-DA4C-AF96-430DD8509BF5}"/>
-                </a:ext>
-              </a:extLst>
-            </p:cNvPr>
-            <p:cNvCxnSpPr/>
-            <p:nvPr/>
-          </p:nvCxnSpPr>
-          <p:spPr>
-            <a:xfrm>
-              <a:off x="10130121" y="4005983"/>
-              <a:ext cx="0" cy="627662"/>
             </a:xfrm>
             <a:prstGeom prst="straightConnector1">
               <a:avLst/>

--- a/documentation/Grafiken_16052019.pptx
+++ b/documentation/Grafiken_16052019.pptx
@@ -5,14 +5,15 @@
     <p:sldMasterId id="2147483648" r:id="rId1"/>
   </p:sldMasterIdLst>
   <p:notesMasterIdLst>
-    <p:notesMasterId r:id="rId7"/>
+    <p:notesMasterId r:id="rId8"/>
   </p:notesMasterIdLst>
   <p:sldIdLst>
     <p:sldId id="257" r:id="rId2"/>
     <p:sldId id="263" r:id="rId3"/>
     <p:sldId id="259" r:id="rId4"/>
-    <p:sldId id="258" r:id="rId5"/>
-    <p:sldId id="262" r:id="rId6"/>
+    <p:sldId id="264" r:id="rId5"/>
+    <p:sldId id="258" r:id="rId6"/>
+    <p:sldId id="262" r:id="rId7"/>
   </p:sldIdLst>
   <p:sldSz cx="12192000" cy="6858000"/>
   <p:notesSz cx="6858000" cy="9144000"/>
@@ -3392,7 +3393,7 @@
           <a:p>
             <a:fld id="{7CE7E9C1-CE1C-4C43-946E-C917C4E46334}" type="datetimeFigureOut">
               <a:rPr lang="en-US" smtClean="0"/>
-              <a:t>5/23/19</a:t>
+              <a:t>5/30/19</a:t>
             </a:fld>
             <a:endParaRPr lang="en-US"/>
           </a:p>
@@ -3893,7 +3894,7 @@
           <a:p>
             <a:fld id="{AD2C9B26-65F8-44E2-9882-3A09398C32A6}" type="slidenum">
               <a:rPr lang="en-US" smtClean="0"/>
-              <a:t>4</a:t>
+              <a:t>5</a:t>
             </a:fld>
             <a:endParaRPr lang="en-US"/>
           </a:p>
@@ -3977,7 +3978,7 @@
           <a:p>
             <a:fld id="{AD2C9B26-65F8-44E2-9882-3A09398C32A6}" type="slidenum">
               <a:rPr lang="en-US" smtClean="0"/>
-              <a:t>5</a:t>
+              <a:t>6</a:t>
             </a:fld>
             <a:endParaRPr lang="en-US"/>
           </a:p>
@@ -4143,7 +4144,7 @@
           <a:p>
             <a:fld id="{E89DD1B1-51C8-204C-AAB9-6B8AD2C68C1D}" type="datetimeFigureOut">
               <a:rPr lang="de-DE" smtClean="0"/>
-              <a:t>23.05.19</a:t>
+              <a:t>30.05.19</a:t>
             </a:fld>
             <a:endParaRPr lang="de-DE"/>
           </a:p>
@@ -4316,7 +4317,7 @@
           <a:p>
             <a:fld id="{E89DD1B1-51C8-204C-AAB9-6B8AD2C68C1D}" type="datetimeFigureOut">
               <a:rPr lang="de-DE" smtClean="0"/>
-              <a:t>23.05.19</a:t>
+              <a:t>30.05.19</a:t>
             </a:fld>
             <a:endParaRPr lang="de-DE"/>
           </a:p>
@@ -4499,7 +4500,7 @@
           <a:p>
             <a:fld id="{E89DD1B1-51C8-204C-AAB9-6B8AD2C68C1D}" type="datetimeFigureOut">
               <a:rPr lang="de-DE" smtClean="0"/>
-              <a:t>23.05.19</a:t>
+              <a:t>30.05.19</a:t>
             </a:fld>
             <a:endParaRPr lang="de-DE"/>
           </a:p>
@@ -4672,7 +4673,7 @@
           <a:p>
             <a:fld id="{E89DD1B1-51C8-204C-AAB9-6B8AD2C68C1D}" type="datetimeFigureOut">
               <a:rPr lang="de-DE" smtClean="0"/>
-              <a:t>23.05.19</a:t>
+              <a:t>30.05.19</a:t>
             </a:fld>
             <a:endParaRPr lang="de-DE"/>
           </a:p>
@@ -4950,7 +4951,7 @@
           <a:p>
             <a:fld id="{E89DD1B1-51C8-204C-AAB9-6B8AD2C68C1D}" type="datetimeFigureOut">
               <a:rPr lang="de-DE" smtClean="0"/>
-              <a:t>23.05.19</a:t>
+              <a:t>30.05.19</a:t>
             </a:fld>
             <a:endParaRPr lang="de-DE"/>
           </a:p>
@@ -5165,7 +5166,7 @@
           <a:p>
             <a:fld id="{E89DD1B1-51C8-204C-AAB9-6B8AD2C68C1D}" type="datetimeFigureOut">
               <a:rPr lang="de-DE" smtClean="0"/>
-              <a:t>23.05.19</a:t>
+              <a:t>30.05.19</a:t>
             </a:fld>
             <a:endParaRPr lang="de-DE"/>
           </a:p>
@@ -5533,7 +5534,7 @@
           <a:p>
             <a:fld id="{E89DD1B1-51C8-204C-AAB9-6B8AD2C68C1D}" type="datetimeFigureOut">
               <a:rPr lang="de-DE" smtClean="0"/>
-              <a:t>23.05.19</a:t>
+              <a:t>30.05.19</a:t>
             </a:fld>
             <a:endParaRPr lang="de-DE"/>
           </a:p>
@@ -5674,7 +5675,7 @@
           <a:p>
             <a:fld id="{E89DD1B1-51C8-204C-AAB9-6B8AD2C68C1D}" type="datetimeFigureOut">
               <a:rPr lang="de-DE" smtClean="0"/>
-              <a:t>23.05.19</a:t>
+              <a:t>30.05.19</a:t>
             </a:fld>
             <a:endParaRPr lang="de-DE"/>
           </a:p>
@@ -5787,7 +5788,7 @@
           <a:p>
             <a:fld id="{E89DD1B1-51C8-204C-AAB9-6B8AD2C68C1D}" type="datetimeFigureOut">
               <a:rPr lang="de-DE" smtClean="0"/>
-              <a:t>23.05.19</a:t>
+              <a:t>30.05.19</a:t>
             </a:fld>
             <a:endParaRPr lang="de-DE"/>
           </a:p>
@@ -6076,7 +6077,7 @@
           <a:p>
             <a:fld id="{E89DD1B1-51C8-204C-AAB9-6B8AD2C68C1D}" type="datetimeFigureOut">
               <a:rPr lang="de-DE" smtClean="0"/>
-              <a:t>23.05.19</a:t>
+              <a:t>30.05.19</a:t>
             </a:fld>
             <a:endParaRPr lang="de-DE"/>
           </a:p>
@@ -6367,7 +6368,7 @@
           <a:p>
             <a:fld id="{E89DD1B1-51C8-204C-AAB9-6B8AD2C68C1D}" type="datetimeFigureOut">
               <a:rPr lang="de-DE" smtClean="0"/>
-              <a:t>23.05.19</a:t>
+              <a:t>30.05.19</a:t>
             </a:fld>
             <a:endParaRPr lang="de-DE"/>
           </a:p>
@@ -6583,7 +6584,7 @@
           <a:p>
             <a:fld id="{E89DD1B1-51C8-204C-AAB9-6B8AD2C68C1D}" type="datetimeFigureOut">
               <a:rPr lang="de-DE" smtClean="0"/>
-              <a:t>23.05.19</a:t>
+              <a:t>30.05.19</a:t>
             </a:fld>
             <a:endParaRPr lang="de-DE"/>
           </a:p>
@@ -10206,6 +10207,434 @@
           <a:chExt cx="0" cy="0"/>
         </a:xfrm>
       </p:grpSpPr>
+      <p:pic>
+        <p:nvPicPr>
+          <p:cNvPr id="4" name="Grafik 3">
+            <a:extLst>
+              <a:ext uri="{FF2B5EF4-FFF2-40B4-BE49-F238E27FC236}">
+                <a16:creationId xmlns:a16="http://schemas.microsoft.com/office/drawing/2014/main" id="{1AA7F025-7BFD-9F4A-9838-0BE56757A728}"/>
+              </a:ext>
+            </a:extLst>
+          </p:cNvPr>
+          <p:cNvPicPr/>
+          <p:nvPr/>
+        </p:nvPicPr>
+        <p:blipFill rotWithShape="1">
+          <a:blip r:embed="rId2">
+            <a:extLst>
+              <a:ext uri="{28A0092B-C50C-407E-A947-70E740481C1C}">
+                <a14:useLocalDpi xmlns:a14="http://schemas.microsoft.com/office/drawing/2010/main" val="0"/>
+              </a:ext>
+            </a:extLst>
+          </a:blip>
+          <a:srcRect t="40242" b="21725"/>
+          <a:stretch/>
+        </p:blipFill>
+        <p:spPr bwMode="auto">
+          <a:xfrm>
+            <a:off x="5814294" y="2049891"/>
+            <a:ext cx="2503805" cy="540000"/>
+          </a:xfrm>
+          <a:prstGeom prst="rect">
+            <a:avLst/>
+          </a:prstGeom>
+          <a:ln>
+            <a:noFill/>
+          </a:ln>
+          <a:extLst>
+            <a:ext uri="{53640926-AAD7-44D8-BBD7-CCE9431645EC}">
+              <a14:shadowObscured xmlns:a14="http://schemas.microsoft.com/office/drawing/2010/main"/>
+            </a:ext>
+          </a:extLst>
+        </p:spPr>
+      </p:pic>
+      <p:pic>
+        <p:nvPicPr>
+          <p:cNvPr id="12" name="Grafik 11">
+            <a:extLst>
+              <a:ext uri="{FF2B5EF4-FFF2-40B4-BE49-F238E27FC236}">
+                <a16:creationId xmlns:a16="http://schemas.microsoft.com/office/drawing/2014/main" id="{A747FA4D-F13E-A048-B070-FA2FAEEEC764}"/>
+              </a:ext>
+            </a:extLst>
+          </p:cNvPr>
+          <p:cNvPicPr>
+            <a:picLocks noChangeAspect="1"/>
+          </p:cNvPicPr>
+          <p:nvPr/>
+        </p:nvPicPr>
+        <p:blipFill rotWithShape="1">
+          <a:blip r:embed="rId3"/>
+          <a:srcRect l="-1" r="-5"/>
+          <a:stretch/>
+        </p:blipFill>
+        <p:spPr>
+          <a:xfrm>
+            <a:off x="3930095" y="5743445"/>
+            <a:ext cx="2718584" cy="720000"/>
+          </a:xfrm>
+          <a:prstGeom prst="rect">
+            <a:avLst/>
+          </a:prstGeom>
+        </p:spPr>
+      </p:pic>
+      <p:cxnSp>
+        <p:nvCxnSpPr>
+          <p:cNvPr id="17" name="Gerade Verbindung mit Pfeil 16">
+            <a:extLst>
+              <a:ext uri="{FF2B5EF4-FFF2-40B4-BE49-F238E27FC236}">
+                <a16:creationId xmlns:a16="http://schemas.microsoft.com/office/drawing/2014/main" id="{6AAADAB5-5FE9-9949-8524-26BAC0B8820A}"/>
+              </a:ext>
+            </a:extLst>
+          </p:cNvPr>
+          <p:cNvCxnSpPr>
+            <a:cxnSpLocks/>
+          </p:cNvCxnSpPr>
+          <p:nvPr/>
+        </p:nvCxnSpPr>
+        <p:spPr>
+          <a:xfrm>
+            <a:off x="7229770" y="2589173"/>
+            <a:ext cx="0" cy="562332"/>
+          </a:xfrm>
+          <a:prstGeom prst="straightConnector1">
+            <a:avLst/>
+          </a:prstGeom>
+          <a:ln w="57150">
+            <a:headEnd type="triangle"/>
+            <a:tailEnd type="triangle"/>
+          </a:ln>
+        </p:spPr>
+        <p:style>
+          <a:lnRef idx="1">
+            <a:schemeClr val="accent3"/>
+          </a:lnRef>
+          <a:fillRef idx="0">
+            <a:schemeClr val="accent3"/>
+          </a:fillRef>
+          <a:effectRef idx="0">
+            <a:schemeClr val="accent3"/>
+          </a:effectRef>
+          <a:fontRef idx="minor">
+            <a:schemeClr val="tx1"/>
+          </a:fontRef>
+        </p:style>
+      </p:cxnSp>
+      <p:cxnSp>
+        <p:nvCxnSpPr>
+          <p:cNvPr id="15" name="Gerade Verbindung mit Pfeil 14">
+            <a:extLst>
+              <a:ext uri="{FF2B5EF4-FFF2-40B4-BE49-F238E27FC236}">
+                <a16:creationId xmlns:a16="http://schemas.microsoft.com/office/drawing/2014/main" id="{6C5F171D-7D2D-D74A-AD93-259640A0F9F8}"/>
+              </a:ext>
+            </a:extLst>
+          </p:cNvPr>
+          <p:cNvCxnSpPr>
+            <a:cxnSpLocks/>
+          </p:cNvCxnSpPr>
+          <p:nvPr/>
+        </p:nvCxnSpPr>
+        <p:spPr>
+          <a:xfrm flipV="1">
+            <a:off x="8049142" y="1440540"/>
+            <a:ext cx="324845" cy="540000"/>
+          </a:xfrm>
+          <a:prstGeom prst="straightConnector1">
+            <a:avLst/>
+          </a:prstGeom>
+          <a:ln w="57150">
+            <a:tailEnd type="triangle"/>
+          </a:ln>
+        </p:spPr>
+        <p:style>
+          <a:lnRef idx="1">
+            <a:schemeClr val="accent3"/>
+          </a:lnRef>
+          <a:fillRef idx="0">
+            <a:schemeClr val="accent3"/>
+          </a:fillRef>
+          <a:effectRef idx="0">
+            <a:schemeClr val="accent3"/>
+          </a:effectRef>
+          <a:fontRef idx="minor">
+            <a:schemeClr val="tx1"/>
+          </a:fontRef>
+        </p:style>
+      </p:cxnSp>
+      <p:pic>
+        <p:nvPicPr>
+          <p:cNvPr id="19" name="Grafik 18">
+            <a:extLst>
+              <a:ext uri="{FF2B5EF4-FFF2-40B4-BE49-F238E27FC236}">
+                <a16:creationId xmlns:a16="http://schemas.microsoft.com/office/drawing/2014/main" id="{AB8D3771-CEB2-E841-835D-CAF20480E5AD}"/>
+              </a:ext>
+            </a:extLst>
+          </p:cNvPr>
+          <p:cNvPicPr>
+            <a:picLocks noChangeAspect="1"/>
+          </p:cNvPicPr>
+          <p:nvPr/>
+        </p:nvPicPr>
+        <p:blipFill>
+          <a:blip r:embed="rId4"/>
+          <a:stretch>
+            <a:fillRect/>
+          </a:stretch>
+        </p:blipFill>
+        <p:spPr>
+          <a:xfrm>
+            <a:off x="6067231" y="4363154"/>
+            <a:ext cx="586406" cy="720000"/>
+          </a:xfrm>
+          <a:prstGeom prst="rect">
+            <a:avLst/>
+          </a:prstGeom>
+        </p:spPr>
+      </p:pic>
+      <p:pic>
+        <p:nvPicPr>
+          <p:cNvPr id="8" name="Grafik 7">
+            <a:extLst>
+              <a:ext uri="{FF2B5EF4-FFF2-40B4-BE49-F238E27FC236}">
+                <a16:creationId xmlns:a16="http://schemas.microsoft.com/office/drawing/2014/main" id="{7ABBFEB6-7591-EE43-962B-3E287339DBF4}"/>
+              </a:ext>
+            </a:extLst>
+          </p:cNvPr>
+          <p:cNvPicPr>
+            <a:picLocks noChangeAspect="1"/>
+          </p:cNvPicPr>
+          <p:nvPr/>
+        </p:nvPicPr>
+        <p:blipFill>
+          <a:blip r:embed="rId5"/>
+          <a:stretch>
+            <a:fillRect/>
+          </a:stretch>
+        </p:blipFill>
+        <p:spPr>
+          <a:xfrm>
+            <a:off x="7871187" y="4462792"/>
+            <a:ext cx="2128800" cy="720000"/>
+          </a:xfrm>
+          <a:prstGeom prst="rect">
+            <a:avLst/>
+          </a:prstGeom>
+        </p:spPr>
+      </p:pic>
+      <p:pic>
+        <p:nvPicPr>
+          <p:cNvPr id="11" name="Grafik 10">
+            <a:extLst>
+              <a:ext uri="{FF2B5EF4-FFF2-40B4-BE49-F238E27FC236}">
+                <a16:creationId xmlns:a16="http://schemas.microsoft.com/office/drawing/2014/main" id="{F0ACF9BB-DCF8-D040-A8E4-B2759ED56F79}"/>
+              </a:ext>
+            </a:extLst>
+          </p:cNvPr>
+          <p:cNvPicPr>
+            <a:picLocks noChangeAspect="1"/>
+          </p:cNvPicPr>
+          <p:nvPr/>
+        </p:nvPicPr>
+        <p:blipFill>
+          <a:blip r:embed="rId6"/>
+          <a:stretch>
+            <a:fillRect/>
+          </a:stretch>
+        </p:blipFill>
+        <p:spPr>
+          <a:xfrm>
+            <a:off x="8049142" y="663912"/>
+            <a:ext cx="1123200" cy="720000"/>
+          </a:xfrm>
+          <a:prstGeom prst="rect">
+            <a:avLst/>
+          </a:prstGeom>
+        </p:spPr>
+      </p:pic>
+      <p:pic>
+        <p:nvPicPr>
+          <p:cNvPr id="18" name="Grafik 17">
+            <a:extLst>
+              <a:ext uri="{FF2B5EF4-FFF2-40B4-BE49-F238E27FC236}">
+                <a16:creationId xmlns:a16="http://schemas.microsoft.com/office/drawing/2014/main" id="{2FFEDF55-1C45-B94B-882D-53A53E85428F}"/>
+              </a:ext>
+            </a:extLst>
+          </p:cNvPr>
+          <p:cNvPicPr>
+            <a:picLocks noChangeAspect="1"/>
+          </p:cNvPicPr>
+          <p:nvPr/>
+        </p:nvPicPr>
+        <p:blipFill>
+          <a:blip r:embed="rId7"/>
+          <a:stretch>
+            <a:fillRect/>
+          </a:stretch>
+        </p:blipFill>
+        <p:spPr>
+          <a:xfrm>
+            <a:off x="5884485" y="2870339"/>
+            <a:ext cx="2306165" cy="720000"/>
+          </a:xfrm>
+          <a:prstGeom prst="rect">
+            <a:avLst/>
+          </a:prstGeom>
+        </p:spPr>
+      </p:pic>
+      <p:cxnSp>
+        <p:nvCxnSpPr>
+          <p:cNvPr id="23" name="Gerade Verbindung mit Pfeil 22">
+            <a:extLst>
+              <a:ext uri="{FF2B5EF4-FFF2-40B4-BE49-F238E27FC236}">
+                <a16:creationId xmlns:a16="http://schemas.microsoft.com/office/drawing/2014/main" id="{2180754F-C9BC-DC4D-ACD4-EC61FA223620}"/>
+              </a:ext>
+            </a:extLst>
+          </p:cNvPr>
+          <p:cNvCxnSpPr>
+            <a:cxnSpLocks/>
+          </p:cNvCxnSpPr>
+          <p:nvPr/>
+        </p:nvCxnSpPr>
+        <p:spPr>
+          <a:xfrm flipH="1">
+            <a:off x="6380798" y="3590339"/>
+            <a:ext cx="416659" cy="720000"/>
+          </a:xfrm>
+          <a:prstGeom prst="straightConnector1">
+            <a:avLst/>
+          </a:prstGeom>
+          <a:ln w="57150">
+            <a:headEnd type="triangle"/>
+            <a:tailEnd type="triangle"/>
+          </a:ln>
+        </p:spPr>
+        <p:style>
+          <a:lnRef idx="1">
+            <a:schemeClr val="accent3"/>
+          </a:lnRef>
+          <a:fillRef idx="0">
+            <a:schemeClr val="accent3"/>
+          </a:fillRef>
+          <a:effectRef idx="0">
+            <a:schemeClr val="accent3"/>
+          </a:effectRef>
+          <a:fontRef idx="minor">
+            <a:schemeClr val="tx1"/>
+          </a:fontRef>
+        </p:style>
+      </p:cxnSp>
+      <p:cxnSp>
+        <p:nvCxnSpPr>
+          <p:cNvPr id="24" name="Gerade Verbindung mit Pfeil 23">
+            <a:extLst>
+              <a:ext uri="{FF2B5EF4-FFF2-40B4-BE49-F238E27FC236}">
+                <a16:creationId xmlns:a16="http://schemas.microsoft.com/office/drawing/2014/main" id="{83BB2A1A-F30B-4C49-B290-F07411C649DF}"/>
+              </a:ext>
+            </a:extLst>
+          </p:cNvPr>
+          <p:cNvCxnSpPr>
+            <a:cxnSpLocks/>
+          </p:cNvCxnSpPr>
+          <p:nvPr/>
+        </p:nvCxnSpPr>
+        <p:spPr>
+          <a:xfrm flipH="1" flipV="1">
+            <a:off x="7710430" y="3565681"/>
+            <a:ext cx="480220" cy="720000"/>
+          </a:xfrm>
+          <a:prstGeom prst="straightConnector1">
+            <a:avLst/>
+          </a:prstGeom>
+          <a:ln w="57150">
+            <a:headEnd type="triangle"/>
+            <a:tailEnd type="triangle"/>
+          </a:ln>
+        </p:spPr>
+        <p:style>
+          <a:lnRef idx="1">
+            <a:schemeClr val="accent3"/>
+          </a:lnRef>
+          <a:fillRef idx="0">
+            <a:schemeClr val="accent3"/>
+          </a:fillRef>
+          <a:effectRef idx="0">
+            <a:schemeClr val="accent3"/>
+          </a:effectRef>
+          <a:fontRef idx="minor">
+            <a:schemeClr val="tx1"/>
+          </a:fontRef>
+        </p:style>
+      </p:cxnSp>
+      <p:cxnSp>
+        <p:nvCxnSpPr>
+          <p:cNvPr id="31" name="Gerade Verbindung mit Pfeil 30">
+            <a:extLst>
+              <a:ext uri="{FF2B5EF4-FFF2-40B4-BE49-F238E27FC236}">
+                <a16:creationId xmlns:a16="http://schemas.microsoft.com/office/drawing/2014/main" id="{9429C012-F1C1-DE40-B980-536832E07B63}"/>
+              </a:ext>
+            </a:extLst>
+          </p:cNvPr>
+          <p:cNvCxnSpPr>
+            <a:cxnSpLocks/>
+          </p:cNvCxnSpPr>
+          <p:nvPr/>
+        </p:nvCxnSpPr>
+        <p:spPr>
+          <a:xfrm flipH="1">
+            <a:off x="5673947" y="5182792"/>
+            <a:ext cx="352651" cy="540000"/>
+          </a:xfrm>
+          <a:prstGeom prst="straightConnector1">
+            <a:avLst/>
+          </a:prstGeom>
+          <a:ln w="57150">
+            <a:tailEnd type="triangle"/>
+          </a:ln>
+        </p:spPr>
+        <p:style>
+          <a:lnRef idx="1">
+            <a:schemeClr val="accent3"/>
+          </a:lnRef>
+          <a:fillRef idx="0">
+            <a:schemeClr val="accent3"/>
+          </a:fillRef>
+          <a:effectRef idx="0">
+            <a:schemeClr val="accent3"/>
+          </a:effectRef>
+          <a:fontRef idx="minor">
+            <a:schemeClr val="tx1"/>
+          </a:fontRef>
+        </p:style>
+      </p:cxnSp>
+    </p:spTree>
+    <p:extLst>
+      <p:ext uri="{BB962C8B-B14F-4D97-AF65-F5344CB8AC3E}">
+        <p14:creationId xmlns:p14="http://schemas.microsoft.com/office/powerpoint/2010/main" val="2311278061"/>
+      </p:ext>
+    </p:extLst>
+  </p:cSld>
+  <p:clrMapOvr>
+    <a:masterClrMapping/>
+  </p:clrMapOvr>
+</p:sld>
+</file>
+
+<file path=ppt/slides/slide5.xml><?xml version="1.0" encoding="utf-8"?>
+<p:sld xmlns:a="http://schemas.openxmlformats.org/drawingml/2006/main" xmlns:r="http://schemas.openxmlformats.org/officeDocument/2006/relationships" xmlns:p="http://schemas.openxmlformats.org/presentationml/2006/main">
+  <p:cSld>
+    <p:spTree>
+      <p:nvGrpSpPr>
+        <p:cNvPr id="1" name=""/>
+        <p:cNvGrpSpPr/>
+        <p:nvPr/>
+      </p:nvGrpSpPr>
+      <p:grpSpPr>
+        <a:xfrm>
+          <a:off x="0" y="0"/>
+          <a:ext cx="0" cy="0"/>
+          <a:chOff x="0" y="0"/>
+          <a:chExt cx="0" cy="0"/>
+        </a:xfrm>
+      </p:grpSpPr>
       <p:grpSp>
         <p:nvGrpSpPr>
           <p:cNvPr id="12" name="Gruppieren 11">
@@ -12213,7 +12642,7 @@
 </p:sld>
 </file>
 
-<file path=ppt/slides/slide5.xml><?xml version="1.0" encoding="utf-8"?>
+<file path=ppt/slides/slide6.xml><?xml version="1.0" encoding="utf-8"?>
 <p:sld xmlns:a="http://schemas.openxmlformats.org/drawingml/2006/main" xmlns:r="http://schemas.openxmlformats.org/officeDocument/2006/relationships" xmlns:p="http://schemas.openxmlformats.org/presentationml/2006/main">
   <p:cSld>
     <p:spTree>

--- a/documentation/Grafiken_16052019.pptx
+++ b/documentation/Grafiken_16052019.pptx
@@ -5,15 +5,14 @@
     <p:sldMasterId id="2147483648" r:id="rId1"/>
   </p:sldMasterIdLst>
   <p:notesMasterIdLst>
-    <p:notesMasterId r:id="rId8"/>
+    <p:notesMasterId r:id="rId7"/>
   </p:notesMasterIdLst>
   <p:sldIdLst>
     <p:sldId id="257" r:id="rId2"/>
-    <p:sldId id="263" r:id="rId3"/>
+    <p:sldId id="256" r:id="rId3"/>
     <p:sldId id="259" r:id="rId4"/>
-    <p:sldId id="264" r:id="rId5"/>
-    <p:sldId id="258" r:id="rId6"/>
-    <p:sldId id="262" r:id="rId7"/>
+    <p:sldId id="258" r:id="rId5"/>
+    <p:sldId id="262" r:id="rId6"/>
   </p:sldIdLst>
   <p:sldSz cx="12192000" cy="6858000"/>
   <p:notesSz cx="6858000" cy="9144000"/>
@@ -3393,7 +3392,7 @@
           <a:p>
             <a:fld id="{7CE7E9C1-CE1C-4C43-946E-C917C4E46334}" type="datetimeFigureOut">
               <a:rPr lang="en-US" smtClean="0"/>
-              <a:t>5/30/19</a:t>
+              <a:t>5/16/2019</a:t>
             </a:fld>
             <a:endParaRPr lang="en-US"/>
           </a:p>
@@ -3810,7 +3809,7 @@
           <a:p>
             <a:fld id="{AD2C9B26-65F8-44E2-9882-3A09398C32A6}" type="slidenum">
               <a:rPr lang="en-US" smtClean="0"/>
-              <a:t>2</a:t>
+              <a:t>4</a:t>
             </a:fld>
             <a:endParaRPr lang="en-US"/>
           </a:p>
@@ -3819,7 +3818,7 @@
     </p:spTree>
     <p:extLst>
       <p:ext uri="{BB962C8B-B14F-4D97-AF65-F5344CB8AC3E}">
-        <p14:creationId xmlns:p14="http://schemas.microsoft.com/office/powerpoint/2010/main" val="1796038498"/>
+        <p14:creationId xmlns:p14="http://schemas.microsoft.com/office/powerpoint/2010/main" val="893418232"/>
       </p:ext>
     </p:extLst>
   </p:cSld>
@@ -3903,90 +3902,6 @@
     </p:spTree>
     <p:extLst>
       <p:ext uri="{BB962C8B-B14F-4D97-AF65-F5344CB8AC3E}">
-        <p14:creationId xmlns:p14="http://schemas.microsoft.com/office/powerpoint/2010/main" val="893418232"/>
-      </p:ext>
-    </p:extLst>
-  </p:cSld>
-  <p:clrMapOvr>
-    <a:masterClrMapping/>
-  </p:clrMapOvr>
-</p:notes>
-</file>
-
-<file path=ppt/notesSlides/notesSlide4.xml><?xml version="1.0" encoding="utf-8"?>
-<p:notes xmlns:a="http://schemas.openxmlformats.org/drawingml/2006/main" xmlns:r="http://schemas.openxmlformats.org/officeDocument/2006/relationships" xmlns:p="http://schemas.openxmlformats.org/presentationml/2006/main">
-  <p:cSld>
-    <p:spTree>
-      <p:nvGrpSpPr>
-        <p:cNvPr id="1" name=""/>
-        <p:cNvGrpSpPr/>
-        <p:nvPr/>
-      </p:nvGrpSpPr>
-      <p:grpSpPr>
-        <a:xfrm>
-          <a:off x="0" y="0"/>
-          <a:ext cx="0" cy="0"/>
-          <a:chOff x="0" y="0"/>
-          <a:chExt cx="0" cy="0"/>
-        </a:xfrm>
-      </p:grpSpPr>
-      <p:sp>
-        <p:nvSpPr>
-          <p:cNvPr id="2" name="Folienbildplatzhalter 1"/>
-          <p:cNvSpPr>
-            <a:spLocks noGrp="1" noRot="1" noChangeAspect="1"/>
-          </p:cNvSpPr>
-          <p:nvPr>
-            <p:ph type="sldImg"/>
-          </p:nvPr>
-        </p:nvSpPr>
-        <p:spPr/>
-      </p:sp>
-      <p:sp>
-        <p:nvSpPr>
-          <p:cNvPr id="3" name="Notizenplatzhalter 2"/>
-          <p:cNvSpPr>
-            <a:spLocks noGrp="1"/>
-          </p:cNvSpPr>
-          <p:nvPr>
-            <p:ph type="body" idx="1"/>
-          </p:nvPr>
-        </p:nvSpPr>
-        <p:spPr/>
-        <p:txBody>
-          <a:bodyPr/>
-          <a:lstStyle/>
-          <a:p>
-            <a:endParaRPr lang="en-US" dirty="0"/>
-          </a:p>
-        </p:txBody>
-      </p:sp>
-      <p:sp>
-        <p:nvSpPr>
-          <p:cNvPr id="4" name="Foliennummernplatzhalter 3"/>
-          <p:cNvSpPr>
-            <a:spLocks noGrp="1"/>
-          </p:cNvSpPr>
-          <p:nvPr>
-            <p:ph type="sldNum" sz="quarter" idx="5"/>
-          </p:nvPr>
-        </p:nvSpPr>
-        <p:spPr/>
-        <p:txBody>
-          <a:bodyPr/>
-          <a:lstStyle/>
-          <a:p>
-            <a:fld id="{AD2C9B26-65F8-44E2-9882-3A09398C32A6}" type="slidenum">
-              <a:rPr lang="en-US" smtClean="0"/>
-              <a:t>6</a:t>
-            </a:fld>
-            <a:endParaRPr lang="en-US"/>
-          </a:p>
-        </p:txBody>
-      </p:sp>
-    </p:spTree>
-    <p:extLst>
-      <p:ext uri="{BB962C8B-B14F-4D97-AF65-F5344CB8AC3E}">
         <p14:creationId xmlns:p14="http://schemas.microsoft.com/office/powerpoint/2010/main" val="1519219604"/>
       </p:ext>
     </p:extLst>
@@ -4144,7 +4059,7 @@
           <a:p>
             <a:fld id="{E89DD1B1-51C8-204C-AAB9-6B8AD2C68C1D}" type="datetimeFigureOut">
               <a:rPr lang="de-DE" smtClean="0"/>
-              <a:t>30.05.19</a:t>
+              <a:t>16.05.2019</a:t>
             </a:fld>
             <a:endParaRPr lang="de-DE"/>
           </a:p>
@@ -4317,7 +4232,7 @@
           <a:p>
             <a:fld id="{E89DD1B1-51C8-204C-AAB9-6B8AD2C68C1D}" type="datetimeFigureOut">
               <a:rPr lang="de-DE" smtClean="0"/>
-              <a:t>30.05.19</a:t>
+              <a:t>16.05.2019</a:t>
             </a:fld>
             <a:endParaRPr lang="de-DE"/>
           </a:p>
@@ -4500,7 +4415,7 @@
           <a:p>
             <a:fld id="{E89DD1B1-51C8-204C-AAB9-6B8AD2C68C1D}" type="datetimeFigureOut">
               <a:rPr lang="de-DE" smtClean="0"/>
-              <a:t>30.05.19</a:t>
+              <a:t>16.05.2019</a:t>
             </a:fld>
             <a:endParaRPr lang="de-DE"/>
           </a:p>
@@ -4673,7 +4588,7 @@
           <a:p>
             <a:fld id="{E89DD1B1-51C8-204C-AAB9-6B8AD2C68C1D}" type="datetimeFigureOut">
               <a:rPr lang="de-DE" smtClean="0"/>
-              <a:t>30.05.19</a:t>
+              <a:t>16.05.2019</a:t>
             </a:fld>
             <a:endParaRPr lang="de-DE"/>
           </a:p>
@@ -4951,7 +4866,7 @@
           <a:p>
             <a:fld id="{E89DD1B1-51C8-204C-AAB9-6B8AD2C68C1D}" type="datetimeFigureOut">
               <a:rPr lang="de-DE" smtClean="0"/>
-              <a:t>30.05.19</a:t>
+              <a:t>16.05.2019</a:t>
             </a:fld>
             <a:endParaRPr lang="de-DE"/>
           </a:p>
@@ -5166,7 +5081,7 @@
           <a:p>
             <a:fld id="{E89DD1B1-51C8-204C-AAB9-6B8AD2C68C1D}" type="datetimeFigureOut">
               <a:rPr lang="de-DE" smtClean="0"/>
-              <a:t>30.05.19</a:t>
+              <a:t>16.05.2019</a:t>
             </a:fld>
             <a:endParaRPr lang="de-DE"/>
           </a:p>
@@ -5534,7 +5449,7 @@
           <a:p>
             <a:fld id="{E89DD1B1-51C8-204C-AAB9-6B8AD2C68C1D}" type="datetimeFigureOut">
               <a:rPr lang="de-DE" smtClean="0"/>
-              <a:t>30.05.19</a:t>
+              <a:t>16.05.2019</a:t>
             </a:fld>
             <a:endParaRPr lang="de-DE"/>
           </a:p>
@@ -5675,7 +5590,7 @@
           <a:p>
             <a:fld id="{E89DD1B1-51C8-204C-AAB9-6B8AD2C68C1D}" type="datetimeFigureOut">
               <a:rPr lang="de-DE" smtClean="0"/>
-              <a:t>30.05.19</a:t>
+              <a:t>16.05.2019</a:t>
             </a:fld>
             <a:endParaRPr lang="de-DE"/>
           </a:p>
@@ -5788,7 +5703,7 @@
           <a:p>
             <a:fld id="{E89DD1B1-51C8-204C-AAB9-6B8AD2C68C1D}" type="datetimeFigureOut">
               <a:rPr lang="de-DE" smtClean="0"/>
-              <a:t>30.05.19</a:t>
+              <a:t>16.05.2019</a:t>
             </a:fld>
             <a:endParaRPr lang="de-DE"/>
           </a:p>
@@ -6077,7 +5992,7 @@
           <a:p>
             <a:fld id="{E89DD1B1-51C8-204C-AAB9-6B8AD2C68C1D}" type="datetimeFigureOut">
               <a:rPr lang="de-DE" smtClean="0"/>
-              <a:t>30.05.19</a:t>
+              <a:t>16.05.2019</a:t>
             </a:fld>
             <a:endParaRPr lang="de-DE"/>
           </a:p>
@@ -6368,7 +6283,7 @@
           <a:p>
             <a:fld id="{E89DD1B1-51C8-204C-AAB9-6B8AD2C68C1D}" type="datetimeFigureOut">
               <a:rPr lang="de-DE" smtClean="0"/>
-              <a:t>30.05.19</a:t>
+              <a:t>16.05.2019</a:t>
             </a:fld>
             <a:endParaRPr lang="de-DE"/>
           </a:p>
@@ -6584,7 +6499,7 @@
           <a:p>
             <a:fld id="{E89DD1B1-51C8-204C-AAB9-6B8AD2C68C1D}" type="datetimeFigureOut">
               <a:rPr lang="de-DE" smtClean="0"/>
-              <a:t>30.05.19</a:t>
+              <a:t>16.05.2019</a:t>
             </a:fld>
             <a:endParaRPr lang="de-DE"/>
           </a:p>
@@ -7031,10 +6946,10 @@
       </p:graphicFrame>
       <p:grpSp>
         <p:nvGrpSpPr>
-          <p:cNvPr id="2" name="Gruppieren 1">
+          <p:cNvPr id="15" name="Gruppieren 14">
             <a:extLst>
               <a:ext uri="{FF2B5EF4-FFF2-40B4-BE49-F238E27FC236}">
-                <a16:creationId xmlns:a16="http://schemas.microsoft.com/office/drawing/2014/main" id="{936BECC4-8404-A24E-B589-D8F8182760CD}"/>
+                <a16:creationId xmlns:a16="http://schemas.microsoft.com/office/drawing/2014/main" id="{401E8452-EB72-3B4F-BFED-38F88D0A5706}"/>
               </a:ext>
             </a:extLst>
           </p:cNvPr>
@@ -7073,8 +6988,8 @@
           </p:blipFill>
           <p:spPr>
             <a:xfrm>
-              <a:off x="1372757" y="2152722"/>
-              <a:ext cx="586406" cy="720000"/>
+              <a:off x="1305960" y="2152722"/>
+              <a:ext cx="720000" cy="720000"/>
             </a:xfrm>
             <a:prstGeom prst="rect">
               <a:avLst/>
@@ -7267,8 +7182,8 @@
           </p:blipFill>
           <p:spPr>
             <a:xfrm>
-              <a:off x="5594711" y="2152722"/>
-              <a:ext cx="586406" cy="720000"/>
+              <a:off x="5527914" y="2152722"/>
+              <a:ext cx="720000" cy="720000"/>
             </a:xfrm>
             <a:prstGeom prst="rect">
               <a:avLst/>
@@ -7422,8 +7337,8 @@
           </p:blipFill>
           <p:spPr>
             <a:xfrm>
-              <a:off x="8440525" y="2152726"/>
-              <a:ext cx="586406" cy="720000"/>
+              <a:off x="8373728" y="2152726"/>
+              <a:ext cx="720000" cy="720000"/>
             </a:xfrm>
             <a:prstGeom prst="rect">
               <a:avLst/>
@@ -7975,1569 +7890,592 @@
           <a:chExt cx="0" cy="0"/>
         </a:xfrm>
       </p:grpSpPr>
-      <p:grpSp>
-        <p:nvGrpSpPr>
-          <p:cNvPr id="4" name="Gruppieren 3">
+      <p:pic>
+        <p:nvPicPr>
+          <p:cNvPr id="4" name="Grafik 3">
             <a:extLst>
               <a:ext uri="{FF2B5EF4-FFF2-40B4-BE49-F238E27FC236}">
-                <a16:creationId xmlns:a16="http://schemas.microsoft.com/office/drawing/2014/main" id="{52DECC39-3DEA-F84B-A020-AAA06572EE46}"/>
+                <a16:creationId xmlns:a16="http://schemas.microsoft.com/office/drawing/2014/main" id="{1AA7F025-7BFD-9F4A-9838-0BE56757A728}"/>
               </a:ext>
             </a:extLst>
           </p:cNvPr>
-          <p:cNvGrpSpPr/>
+          <p:cNvPicPr/>
           <p:nvPr/>
-        </p:nvGrpSpPr>
-        <p:grpSpPr>
+        </p:nvPicPr>
+        <p:blipFill rotWithShape="1">
+          <a:blip r:embed="rId2">
+            <a:extLst>
+              <a:ext uri="{28A0092B-C50C-407E-A947-70E740481C1C}">
+                <a14:useLocalDpi xmlns:a14="http://schemas.microsoft.com/office/drawing/2010/main" val="0"/>
+              </a:ext>
+            </a:extLst>
+          </a:blip>
+          <a:srcRect t="40242" b="21725"/>
+          <a:stretch/>
+        </p:blipFill>
+        <p:spPr bwMode="auto">
           <a:xfrm>
-            <a:off x="970696" y="4647476"/>
-            <a:ext cx="8836728" cy="706938"/>
-            <a:chOff x="970696" y="4647476"/>
-            <a:chExt cx="8836728" cy="706938"/>
+            <a:off x="4844098" y="3159125"/>
+            <a:ext cx="2503805" cy="540000"/>
           </a:xfrm>
-        </p:grpSpPr>
-        <p:sp>
-          <p:nvSpPr>
-            <p:cNvPr id="7" name="Freihandform 6">
-              <a:extLst>
-                <a:ext uri="{FF2B5EF4-FFF2-40B4-BE49-F238E27FC236}">
-                  <a16:creationId xmlns:a16="http://schemas.microsoft.com/office/drawing/2014/main" id="{236EBD20-F233-8143-8546-7AFDE344FFB1}"/>
-                </a:ext>
-              </a:extLst>
-            </p:cNvPr>
-            <p:cNvSpPr/>
-            <p:nvPr/>
-          </p:nvSpPr>
-          <p:spPr>
-            <a:xfrm>
-              <a:off x="970696" y="4647476"/>
-              <a:ext cx="1767345" cy="706938"/>
-            </a:xfrm>
-            <a:custGeom>
-              <a:avLst/>
-              <a:gdLst>
-                <a:gd name="connsiteX0" fmla="*/ 0 w 1767345"/>
-                <a:gd name="connsiteY0" fmla="*/ 0 h 706938"/>
-                <a:gd name="connsiteX1" fmla="*/ 1413876 w 1767345"/>
-                <a:gd name="connsiteY1" fmla="*/ 0 h 706938"/>
-                <a:gd name="connsiteX2" fmla="*/ 1767345 w 1767345"/>
-                <a:gd name="connsiteY2" fmla="*/ 353469 h 706938"/>
-                <a:gd name="connsiteX3" fmla="*/ 1413876 w 1767345"/>
-                <a:gd name="connsiteY3" fmla="*/ 706938 h 706938"/>
-                <a:gd name="connsiteX4" fmla="*/ 0 w 1767345"/>
-                <a:gd name="connsiteY4" fmla="*/ 706938 h 706938"/>
-                <a:gd name="connsiteX5" fmla="*/ 0 w 1767345"/>
-                <a:gd name="connsiteY5" fmla="*/ 0 h 706938"/>
-              </a:gdLst>
-              <a:ahLst/>
-              <a:cxnLst>
-                <a:cxn ang="0">
-                  <a:pos x="connsiteX0" y="connsiteY0"/>
-                </a:cxn>
-                <a:cxn ang="0">
-                  <a:pos x="connsiteX1" y="connsiteY1"/>
-                </a:cxn>
-                <a:cxn ang="0">
-                  <a:pos x="connsiteX2" y="connsiteY2"/>
-                </a:cxn>
-                <a:cxn ang="0">
-                  <a:pos x="connsiteX3" y="connsiteY3"/>
-                </a:cxn>
-                <a:cxn ang="0">
-                  <a:pos x="connsiteX4" y="connsiteY4"/>
-                </a:cxn>
-                <a:cxn ang="0">
-                  <a:pos x="connsiteX5" y="connsiteY5"/>
-                </a:cxn>
-              </a:cxnLst>
-              <a:rect l="l" t="t" r="r" b="b"/>
-              <a:pathLst>
-                <a:path w="1767345" h="706938">
-                  <a:moveTo>
-                    <a:pt x="0" y="0"/>
-                  </a:moveTo>
-                  <a:lnTo>
-                    <a:pt x="1413876" y="0"/>
-                  </a:lnTo>
-                  <a:lnTo>
-                    <a:pt x="1767345" y="353469"/>
-                  </a:lnTo>
-                  <a:lnTo>
-                    <a:pt x="1413876" y="706938"/>
-                  </a:lnTo>
-                  <a:lnTo>
-                    <a:pt x="0" y="706938"/>
-                  </a:lnTo>
-                  <a:lnTo>
-                    <a:pt x="0" y="0"/>
-                  </a:lnTo>
-                  <a:close/>
-                </a:path>
-              </a:pathLst>
-            </a:custGeom>
-            <a:scene3d>
-              <a:camera prst="orthographicFront"/>
-              <a:lightRig rig="flat" dir="t"/>
-            </a:scene3d>
-            <a:sp3d prstMaterial="dkEdge">
-              <a:bevelT w="8200" h="38100"/>
-            </a:sp3d>
-          </p:spPr>
-          <p:style>
-            <a:lnRef idx="0">
-              <a:schemeClr val="lt1">
-                <a:hueOff val="0"/>
-                <a:satOff val="0"/>
-                <a:lumOff val="0"/>
-                <a:alphaOff val="0"/>
-              </a:schemeClr>
-            </a:lnRef>
-            <a:fillRef idx="2">
-              <a:schemeClr val="accent4">
-                <a:hueOff val="0"/>
-                <a:satOff val="0"/>
-                <a:lumOff val="0"/>
-                <a:alphaOff val="0"/>
-              </a:schemeClr>
-            </a:fillRef>
-            <a:effectRef idx="1">
-              <a:schemeClr val="accent4">
-                <a:hueOff val="0"/>
-                <a:satOff val="0"/>
-                <a:lumOff val="0"/>
-                <a:alphaOff val="0"/>
-              </a:schemeClr>
-            </a:effectRef>
-            <a:fontRef idx="minor">
-              <a:schemeClr val="dk1"/>
-            </a:fontRef>
-          </p:style>
-          <p:txBody>
-            <a:bodyPr spcFirstLastPara="0" vert="horz" wrap="square" lIns="192024" tIns="96012" rIns="224740" bIns="96012" numCol="1" spcCol="1270" anchor="ctr" anchorCtr="0">
-              <a:noAutofit/>
-            </a:bodyPr>
-            <a:lstStyle/>
-            <a:p>
-              <a:pPr marL="0" lvl="0" indent="0" algn="ctr" defTabSz="1600200">
-                <a:lnSpc>
-                  <a:spcPct val="90000"/>
-                </a:lnSpc>
-                <a:spcBef>
-                  <a:spcPct val="0"/>
-                </a:spcBef>
-                <a:spcAft>
-                  <a:spcPct val="35000"/>
-                </a:spcAft>
-                <a:buNone/>
-              </a:pPr>
-              <a:endParaRPr lang="de-DE" sz="3600" kern="1200" dirty="0"/>
-            </a:p>
-          </p:txBody>
-        </p:sp>
-        <p:sp>
-          <p:nvSpPr>
-            <p:cNvPr id="11" name="Freihandform 10">
-              <a:extLst>
-                <a:ext uri="{FF2B5EF4-FFF2-40B4-BE49-F238E27FC236}">
-                  <a16:creationId xmlns:a16="http://schemas.microsoft.com/office/drawing/2014/main" id="{9B28D371-51DE-5745-BC2F-7909D8D8D342}"/>
-                </a:ext>
-              </a:extLst>
-            </p:cNvPr>
-            <p:cNvSpPr/>
-            <p:nvPr/>
-          </p:nvSpPr>
-          <p:spPr>
-            <a:xfrm>
-              <a:off x="2384573" y="4647476"/>
-              <a:ext cx="1767345" cy="706938"/>
-            </a:xfrm>
-            <a:custGeom>
-              <a:avLst/>
-              <a:gdLst>
-                <a:gd name="connsiteX0" fmla="*/ 0 w 1767345"/>
-                <a:gd name="connsiteY0" fmla="*/ 0 h 706938"/>
-                <a:gd name="connsiteX1" fmla="*/ 1413876 w 1767345"/>
-                <a:gd name="connsiteY1" fmla="*/ 0 h 706938"/>
-                <a:gd name="connsiteX2" fmla="*/ 1767345 w 1767345"/>
-                <a:gd name="connsiteY2" fmla="*/ 353469 h 706938"/>
-                <a:gd name="connsiteX3" fmla="*/ 1413876 w 1767345"/>
-                <a:gd name="connsiteY3" fmla="*/ 706938 h 706938"/>
-                <a:gd name="connsiteX4" fmla="*/ 0 w 1767345"/>
-                <a:gd name="connsiteY4" fmla="*/ 706938 h 706938"/>
-                <a:gd name="connsiteX5" fmla="*/ 353469 w 1767345"/>
-                <a:gd name="connsiteY5" fmla="*/ 353469 h 706938"/>
-                <a:gd name="connsiteX6" fmla="*/ 0 w 1767345"/>
-                <a:gd name="connsiteY6" fmla="*/ 0 h 706938"/>
-              </a:gdLst>
-              <a:ahLst/>
-              <a:cxnLst>
-                <a:cxn ang="0">
-                  <a:pos x="connsiteX0" y="connsiteY0"/>
-                </a:cxn>
-                <a:cxn ang="0">
-                  <a:pos x="connsiteX1" y="connsiteY1"/>
-                </a:cxn>
-                <a:cxn ang="0">
-                  <a:pos x="connsiteX2" y="connsiteY2"/>
-                </a:cxn>
-                <a:cxn ang="0">
-                  <a:pos x="connsiteX3" y="connsiteY3"/>
-                </a:cxn>
-                <a:cxn ang="0">
-                  <a:pos x="connsiteX4" y="connsiteY4"/>
-                </a:cxn>
-                <a:cxn ang="0">
-                  <a:pos x="connsiteX5" y="connsiteY5"/>
-                </a:cxn>
-                <a:cxn ang="0">
-                  <a:pos x="connsiteX6" y="connsiteY6"/>
-                </a:cxn>
-              </a:cxnLst>
-              <a:rect l="l" t="t" r="r" b="b"/>
-              <a:pathLst>
-                <a:path w="1767345" h="706938">
-                  <a:moveTo>
-                    <a:pt x="0" y="0"/>
-                  </a:moveTo>
-                  <a:lnTo>
-                    <a:pt x="1413876" y="0"/>
-                  </a:lnTo>
-                  <a:lnTo>
-                    <a:pt x="1767345" y="353469"/>
-                  </a:lnTo>
-                  <a:lnTo>
-                    <a:pt x="1413876" y="706938"/>
-                  </a:lnTo>
-                  <a:lnTo>
-                    <a:pt x="0" y="706938"/>
-                  </a:lnTo>
-                  <a:lnTo>
-                    <a:pt x="353469" y="353469"/>
-                  </a:lnTo>
-                  <a:lnTo>
-                    <a:pt x="0" y="0"/>
-                  </a:lnTo>
-                  <a:close/>
-                </a:path>
-              </a:pathLst>
-            </a:custGeom>
-            <a:scene3d>
-              <a:camera prst="orthographicFront"/>
-              <a:lightRig rig="flat" dir="t"/>
-            </a:scene3d>
-            <a:sp3d prstMaterial="dkEdge">
-              <a:bevelT w="8200" h="38100"/>
-            </a:sp3d>
-          </p:spPr>
-          <p:style>
-            <a:lnRef idx="0">
-              <a:schemeClr val="lt1">
-                <a:hueOff val="0"/>
-                <a:satOff val="0"/>
-                <a:lumOff val="0"/>
-                <a:alphaOff val="0"/>
-              </a:schemeClr>
-            </a:lnRef>
-            <a:fillRef idx="2">
-              <a:schemeClr val="accent4">
-                <a:hueOff val="0"/>
-                <a:satOff val="0"/>
-                <a:lumOff val="0"/>
-                <a:alphaOff val="0"/>
-              </a:schemeClr>
-            </a:fillRef>
-            <a:effectRef idx="1">
-              <a:schemeClr val="accent4">
-                <a:hueOff val="0"/>
-                <a:satOff val="0"/>
-                <a:lumOff val="0"/>
-                <a:alphaOff val="0"/>
-              </a:schemeClr>
-            </a:effectRef>
-            <a:fontRef idx="minor">
-              <a:schemeClr val="dk1"/>
-            </a:fontRef>
-          </p:style>
-          <p:txBody>
-            <a:bodyPr spcFirstLastPara="0" vert="horz" wrap="square" lIns="497487" tIns="96012" rIns="401475" bIns="96012" numCol="1" spcCol="1270" anchor="ctr" anchorCtr="0">
-              <a:noAutofit/>
-            </a:bodyPr>
-            <a:lstStyle/>
-            <a:p>
-              <a:pPr marL="0" lvl="0" indent="0" algn="ctr" defTabSz="1600200">
-                <a:lnSpc>
-                  <a:spcPct val="90000"/>
-                </a:lnSpc>
-                <a:spcBef>
-                  <a:spcPct val="0"/>
-                </a:spcBef>
-                <a:spcAft>
-                  <a:spcPct val="35000"/>
-                </a:spcAft>
-                <a:buNone/>
-              </a:pPr>
-              <a:endParaRPr lang="de-DE" sz="3600" kern="1200" dirty="0"/>
-            </a:p>
-          </p:txBody>
-        </p:sp>
-        <p:sp>
-          <p:nvSpPr>
-            <p:cNvPr id="15" name="Freihandform 14">
-              <a:extLst>
-                <a:ext uri="{FF2B5EF4-FFF2-40B4-BE49-F238E27FC236}">
-                  <a16:creationId xmlns:a16="http://schemas.microsoft.com/office/drawing/2014/main" id="{0414DA24-013C-A841-9FD5-C597291B5C0E}"/>
-                </a:ext>
-              </a:extLst>
-            </p:cNvPr>
-            <p:cNvSpPr/>
-            <p:nvPr/>
-          </p:nvSpPr>
-          <p:spPr>
-            <a:xfrm>
-              <a:off x="3798450" y="4647476"/>
-              <a:ext cx="1767345" cy="706938"/>
-            </a:xfrm>
-            <a:custGeom>
-              <a:avLst/>
-              <a:gdLst>
-                <a:gd name="connsiteX0" fmla="*/ 0 w 1767345"/>
-                <a:gd name="connsiteY0" fmla="*/ 0 h 706938"/>
-                <a:gd name="connsiteX1" fmla="*/ 1413876 w 1767345"/>
-                <a:gd name="connsiteY1" fmla="*/ 0 h 706938"/>
-                <a:gd name="connsiteX2" fmla="*/ 1767345 w 1767345"/>
-                <a:gd name="connsiteY2" fmla="*/ 353469 h 706938"/>
-                <a:gd name="connsiteX3" fmla="*/ 1413876 w 1767345"/>
-                <a:gd name="connsiteY3" fmla="*/ 706938 h 706938"/>
-                <a:gd name="connsiteX4" fmla="*/ 0 w 1767345"/>
-                <a:gd name="connsiteY4" fmla="*/ 706938 h 706938"/>
-                <a:gd name="connsiteX5" fmla="*/ 353469 w 1767345"/>
-                <a:gd name="connsiteY5" fmla="*/ 353469 h 706938"/>
-                <a:gd name="connsiteX6" fmla="*/ 0 w 1767345"/>
-                <a:gd name="connsiteY6" fmla="*/ 0 h 706938"/>
-              </a:gdLst>
-              <a:ahLst/>
-              <a:cxnLst>
-                <a:cxn ang="0">
-                  <a:pos x="connsiteX0" y="connsiteY0"/>
-                </a:cxn>
-                <a:cxn ang="0">
-                  <a:pos x="connsiteX1" y="connsiteY1"/>
-                </a:cxn>
-                <a:cxn ang="0">
-                  <a:pos x="connsiteX2" y="connsiteY2"/>
-                </a:cxn>
-                <a:cxn ang="0">
-                  <a:pos x="connsiteX3" y="connsiteY3"/>
-                </a:cxn>
-                <a:cxn ang="0">
-                  <a:pos x="connsiteX4" y="connsiteY4"/>
-                </a:cxn>
-                <a:cxn ang="0">
-                  <a:pos x="connsiteX5" y="connsiteY5"/>
-                </a:cxn>
-                <a:cxn ang="0">
-                  <a:pos x="connsiteX6" y="connsiteY6"/>
-                </a:cxn>
-              </a:cxnLst>
-              <a:rect l="l" t="t" r="r" b="b"/>
-              <a:pathLst>
-                <a:path w="1767345" h="706938">
-                  <a:moveTo>
-                    <a:pt x="0" y="0"/>
-                  </a:moveTo>
-                  <a:lnTo>
-                    <a:pt x="1413876" y="0"/>
-                  </a:lnTo>
-                  <a:lnTo>
-                    <a:pt x="1767345" y="353469"/>
-                  </a:lnTo>
-                  <a:lnTo>
-                    <a:pt x="1413876" y="706938"/>
-                  </a:lnTo>
-                  <a:lnTo>
-                    <a:pt x="0" y="706938"/>
-                  </a:lnTo>
-                  <a:lnTo>
-                    <a:pt x="353469" y="353469"/>
-                  </a:lnTo>
-                  <a:lnTo>
-                    <a:pt x="0" y="0"/>
-                  </a:lnTo>
-                  <a:close/>
-                </a:path>
-              </a:pathLst>
-            </a:custGeom>
-            <a:scene3d>
-              <a:camera prst="orthographicFront"/>
-              <a:lightRig rig="flat" dir="t"/>
-            </a:scene3d>
-            <a:sp3d prstMaterial="dkEdge">
-              <a:bevelT w="8200" h="38100"/>
-            </a:sp3d>
-          </p:spPr>
-          <p:style>
-            <a:lnRef idx="0">
-              <a:schemeClr val="lt1">
-                <a:hueOff val="0"/>
-                <a:satOff val="0"/>
-                <a:lumOff val="0"/>
-                <a:alphaOff val="0"/>
-              </a:schemeClr>
-            </a:lnRef>
-            <a:fillRef idx="2">
-              <a:schemeClr val="accent4">
-                <a:hueOff val="0"/>
-                <a:satOff val="0"/>
-                <a:lumOff val="0"/>
-                <a:alphaOff val="0"/>
-              </a:schemeClr>
-            </a:fillRef>
-            <a:effectRef idx="1">
-              <a:schemeClr val="accent4">
-                <a:hueOff val="0"/>
-                <a:satOff val="0"/>
-                <a:lumOff val="0"/>
-                <a:alphaOff val="0"/>
-              </a:schemeClr>
-            </a:effectRef>
-            <a:fontRef idx="minor">
-              <a:schemeClr val="dk1"/>
-            </a:fontRef>
-          </p:style>
-          <p:txBody>
-            <a:bodyPr spcFirstLastPara="0" vert="horz" wrap="square" lIns="497487" tIns="96012" rIns="401475" bIns="96012" numCol="1" spcCol="1270" anchor="ctr" anchorCtr="0">
-              <a:noAutofit/>
-            </a:bodyPr>
-            <a:lstStyle/>
-            <a:p>
-              <a:pPr marL="0" lvl="0" indent="0" algn="ctr" defTabSz="1600200">
-                <a:lnSpc>
-                  <a:spcPct val="90000"/>
-                </a:lnSpc>
-                <a:spcBef>
-                  <a:spcPct val="0"/>
-                </a:spcBef>
-                <a:spcAft>
-                  <a:spcPct val="35000"/>
-                </a:spcAft>
-                <a:buNone/>
-              </a:pPr>
-              <a:endParaRPr lang="de-DE" sz="3600" kern="1200" dirty="0"/>
-            </a:p>
-          </p:txBody>
-        </p:sp>
-        <p:sp>
-          <p:nvSpPr>
-            <p:cNvPr id="19" name="Freihandform 18">
-              <a:extLst>
-                <a:ext uri="{FF2B5EF4-FFF2-40B4-BE49-F238E27FC236}">
-                  <a16:creationId xmlns:a16="http://schemas.microsoft.com/office/drawing/2014/main" id="{BE01BCCD-1C0B-3848-90ED-3A9498B1D961}"/>
-                </a:ext>
-              </a:extLst>
-            </p:cNvPr>
-            <p:cNvSpPr/>
-            <p:nvPr/>
-          </p:nvSpPr>
-          <p:spPr>
-            <a:xfrm>
-              <a:off x="5212326" y="4647476"/>
-              <a:ext cx="1767345" cy="706938"/>
-            </a:xfrm>
-            <a:custGeom>
-              <a:avLst/>
-              <a:gdLst>
-                <a:gd name="connsiteX0" fmla="*/ 0 w 1767345"/>
-                <a:gd name="connsiteY0" fmla="*/ 0 h 706938"/>
-                <a:gd name="connsiteX1" fmla="*/ 1413876 w 1767345"/>
-                <a:gd name="connsiteY1" fmla="*/ 0 h 706938"/>
-                <a:gd name="connsiteX2" fmla="*/ 1767345 w 1767345"/>
-                <a:gd name="connsiteY2" fmla="*/ 353469 h 706938"/>
-                <a:gd name="connsiteX3" fmla="*/ 1413876 w 1767345"/>
-                <a:gd name="connsiteY3" fmla="*/ 706938 h 706938"/>
-                <a:gd name="connsiteX4" fmla="*/ 0 w 1767345"/>
-                <a:gd name="connsiteY4" fmla="*/ 706938 h 706938"/>
-                <a:gd name="connsiteX5" fmla="*/ 353469 w 1767345"/>
-                <a:gd name="connsiteY5" fmla="*/ 353469 h 706938"/>
-                <a:gd name="connsiteX6" fmla="*/ 0 w 1767345"/>
-                <a:gd name="connsiteY6" fmla="*/ 0 h 706938"/>
-              </a:gdLst>
-              <a:ahLst/>
-              <a:cxnLst>
-                <a:cxn ang="0">
-                  <a:pos x="connsiteX0" y="connsiteY0"/>
-                </a:cxn>
-                <a:cxn ang="0">
-                  <a:pos x="connsiteX1" y="connsiteY1"/>
-                </a:cxn>
-                <a:cxn ang="0">
-                  <a:pos x="connsiteX2" y="connsiteY2"/>
-                </a:cxn>
-                <a:cxn ang="0">
-                  <a:pos x="connsiteX3" y="connsiteY3"/>
-                </a:cxn>
-                <a:cxn ang="0">
-                  <a:pos x="connsiteX4" y="connsiteY4"/>
-                </a:cxn>
-                <a:cxn ang="0">
-                  <a:pos x="connsiteX5" y="connsiteY5"/>
-                </a:cxn>
-                <a:cxn ang="0">
-                  <a:pos x="connsiteX6" y="connsiteY6"/>
-                </a:cxn>
-              </a:cxnLst>
-              <a:rect l="l" t="t" r="r" b="b"/>
-              <a:pathLst>
-                <a:path w="1767345" h="706938">
-                  <a:moveTo>
-                    <a:pt x="0" y="0"/>
-                  </a:moveTo>
-                  <a:lnTo>
-                    <a:pt x="1413876" y="0"/>
-                  </a:lnTo>
-                  <a:lnTo>
-                    <a:pt x="1767345" y="353469"/>
-                  </a:lnTo>
-                  <a:lnTo>
-                    <a:pt x="1413876" y="706938"/>
-                  </a:lnTo>
-                  <a:lnTo>
-                    <a:pt x="0" y="706938"/>
-                  </a:lnTo>
-                  <a:lnTo>
-                    <a:pt x="353469" y="353469"/>
-                  </a:lnTo>
-                  <a:lnTo>
-                    <a:pt x="0" y="0"/>
-                  </a:lnTo>
-                  <a:close/>
-                </a:path>
-              </a:pathLst>
-            </a:custGeom>
-            <a:scene3d>
-              <a:camera prst="orthographicFront"/>
-              <a:lightRig rig="flat" dir="t"/>
-            </a:scene3d>
-            <a:sp3d prstMaterial="dkEdge">
-              <a:bevelT w="8200" h="38100"/>
-            </a:sp3d>
-          </p:spPr>
-          <p:style>
-            <a:lnRef idx="0">
-              <a:schemeClr val="lt1">
-                <a:hueOff val="0"/>
-                <a:satOff val="0"/>
-                <a:lumOff val="0"/>
-                <a:alphaOff val="0"/>
-              </a:schemeClr>
-            </a:lnRef>
-            <a:fillRef idx="2">
-              <a:schemeClr val="accent4">
-                <a:hueOff val="0"/>
-                <a:satOff val="0"/>
-                <a:lumOff val="0"/>
-                <a:alphaOff val="0"/>
-              </a:schemeClr>
-            </a:fillRef>
-            <a:effectRef idx="1">
-              <a:schemeClr val="accent4">
-                <a:hueOff val="0"/>
-                <a:satOff val="0"/>
-                <a:lumOff val="0"/>
-                <a:alphaOff val="0"/>
-              </a:schemeClr>
-            </a:effectRef>
-            <a:fontRef idx="minor">
-              <a:schemeClr val="dk1"/>
-            </a:fontRef>
-          </p:style>
-          <p:txBody>
-            <a:bodyPr spcFirstLastPara="0" vert="horz" wrap="square" lIns="497487" tIns="96012" rIns="401475" bIns="96012" numCol="1" spcCol="1270" anchor="ctr" anchorCtr="0">
-              <a:noAutofit/>
-            </a:bodyPr>
-            <a:lstStyle/>
-            <a:p>
-              <a:pPr marL="0" lvl="0" indent="0" algn="ctr" defTabSz="1600200">
-                <a:lnSpc>
-                  <a:spcPct val="90000"/>
-                </a:lnSpc>
-                <a:spcBef>
-                  <a:spcPct val="0"/>
-                </a:spcBef>
-                <a:spcAft>
-                  <a:spcPct val="35000"/>
-                </a:spcAft>
-                <a:buNone/>
-              </a:pPr>
-              <a:endParaRPr lang="de-DE" sz="3600" kern="1200" dirty="0"/>
-            </a:p>
-          </p:txBody>
-        </p:sp>
-        <p:sp>
-          <p:nvSpPr>
-            <p:cNvPr id="24" name="Freihandform 23">
-              <a:extLst>
-                <a:ext uri="{FF2B5EF4-FFF2-40B4-BE49-F238E27FC236}">
-                  <a16:creationId xmlns:a16="http://schemas.microsoft.com/office/drawing/2014/main" id="{228DBB10-8C80-A344-B9D2-4A9253352CF3}"/>
-                </a:ext>
-              </a:extLst>
-            </p:cNvPr>
-            <p:cNvSpPr/>
-            <p:nvPr/>
-          </p:nvSpPr>
-          <p:spPr>
-            <a:xfrm>
-              <a:off x="6626203" y="4647476"/>
-              <a:ext cx="1767345" cy="706938"/>
-            </a:xfrm>
-            <a:custGeom>
-              <a:avLst/>
-              <a:gdLst>
-                <a:gd name="connsiteX0" fmla="*/ 0 w 1767345"/>
-                <a:gd name="connsiteY0" fmla="*/ 0 h 706938"/>
-                <a:gd name="connsiteX1" fmla="*/ 1413876 w 1767345"/>
-                <a:gd name="connsiteY1" fmla="*/ 0 h 706938"/>
-                <a:gd name="connsiteX2" fmla="*/ 1767345 w 1767345"/>
-                <a:gd name="connsiteY2" fmla="*/ 353469 h 706938"/>
-                <a:gd name="connsiteX3" fmla="*/ 1413876 w 1767345"/>
-                <a:gd name="connsiteY3" fmla="*/ 706938 h 706938"/>
-                <a:gd name="connsiteX4" fmla="*/ 0 w 1767345"/>
-                <a:gd name="connsiteY4" fmla="*/ 706938 h 706938"/>
-                <a:gd name="connsiteX5" fmla="*/ 353469 w 1767345"/>
-                <a:gd name="connsiteY5" fmla="*/ 353469 h 706938"/>
-                <a:gd name="connsiteX6" fmla="*/ 0 w 1767345"/>
-                <a:gd name="connsiteY6" fmla="*/ 0 h 706938"/>
-              </a:gdLst>
-              <a:ahLst/>
-              <a:cxnLst>
-                <a:cxn ang="0">
-                  <a:pos x="connsiteX0" y="connsiteY0"/>
-                </a:cxn>
-                <a:cxn ang="0">
-                  <a:pos x="connsiteX1" y="connsiteY1"/>
-                </a:cxn>
-                <a:cxn ang="0">
-                  <a:pos x="connsiteX2" y="connsiteY2"/>
-                </a:cxn>
-                <a:cxn ang="0">
-                  <a:pos x="connsiteX3" y="connsiteY3"/>
-                </a:cxn>
-                <a:cxn ang="0">
-                  <a:pos x="connsiteX4" y="connsiteY4"/>
-                </a:cxn>
-                <a:cxn ang="0">
-                  <a:pos x="connsiteX5" y="connsiteY5"/>
-                </a:cxn>
-                <a:cxn ang="0">
-                  <a:pos x="connsiteX6" y="connsiteY6"/>
-                </a:cxn>
-              </a:cxnLst>
-              <a:rect l="l" t="t" r="r" b="b"/>
-              <a:pathLst>
-                <a:path w="1767345" h="706938">
-                  <a:moveTo>
-                    <a:pt x="0" y="0"/>
-                  </a:moveTo>
-                  <a:lnTo>
-                    <a:pt x="1413876" y="0"/>
-                  </a:lnTo>
-                  <a:lnTo>
-                    <a:pt x="1767345" y="353469"/>
-                  </a:lnTo>
-                  <a:lnTo>
-                    <a:pt x="1413876" y="706938"/>
-                  </a:lnTo>
-                  <a:lnTo>
-                    <a:pt x="0" y="706938"/>
-                  </a:lnTo>
-                  <a:lnTo>
-                    <a:pt x="353469" y="353469"/>
-                  </a:lnTo>
-                  <a:lnTo>
-                    <a:pt x="0" y="0"/>
-                  </a:lnTo>
-                  <a:close/>
-                </a:path>
-              </a:pathLst>
-            </a:custGeom>
-            <a:scene3d>
-              <a:camera prst="orthographicFront"/>
-              <a:lightRig rig="flat" dir="t"/>
-            </a:scene3d>
-            <a:sp3d prstMaterial="dkEdge">
-              <a:bevelT w="8200" h="38100"/>
-            </a:sp3d>
-          </p:spPr>
-          <p:style>
-            <a:lnRef idx="0">
-              <a:schemeClr val="lt1">
-                <a:hueOff val="0"/>
-                <a:satOff val="0"/>
-                <a:lumOff val="0"/>
-                <a:alphaOff val="0"/>
-              </a:schemeClr>
-            </a:lnRef>
-            <a:fillRef idx="2">
-              <a:schemeClr val="accent4">
-                <a:hueOff val="0"/>
-                <a:satOff val="0"/>
-                <a:lumOff val="0"/>
-                <a:alphaOff val="0"/>
-              </a:schemeClr>
-            </a:fillRef>
-            <a:effectRef idx="1">
-              <a:schemeClr val="accent4">
-                <a:hueOff val="0"/>
-                <a:satOff val="0"/>
-                <a:lumOff val="0"/>
-                <a:alphaOff val="0"/>
-              </a:schemeClr>
-            </a:effectRef>
-            <a:fontRef idx="minor">
-              <a:schemeClr val="dk1"/>
-            </a:fontRef>
-          </p:style>
-          <p:txBody>
-            <a:bodyPr spcFirstLastPara="0" vert="horz" wrap="square" lIns="497487" tIns="96012" rIns="401475" bIns="96012" numCol="1" spcCol="1270" anchor="ctr" anchorCtr="0">
-              <a:noAutofit/>
-            </a:bodyPr>
-            <a:lstStyle/>
-            <a:p>
-              <a:pPr marL="0" lvl="0" indent="0" algn="ctr" defTabSz="1600200">
-                <a:lnSpc>
-                  <a:spcPct val="90000"/>
-                </a:lnSpc>
-                <a:spcBef>
-                  <a:spcPct val="0"/>
-                </a:spcBef>
-                <a:spcAft>
-                  <a:spcPct val="35000"/>
-                </a:spcAft>
-                <a:buNone/>
-              </a:pPr>
-              <a:endParaRPr lang="de-DE" sz="3600" kern="1200" dirty="0"/>
-            </a:p>
-          </p:txBody>
-        </p:sp>
-        <p:sp>
-          <p:nvSpPr>
-            <p:cNvPr id="26" name="Freihandform 25">
-              <a:extLst>
-                <a:ext uri="{FF2B5EF4-FFF2-40B4-BE49-F238E27FC236}">
-                  <a16:creationId xmlns:a16="http://schemas.microsoft.com/office/drawing/2014/main" id="{0B003E0E-6504-D441-B879-47F9E1AA516F}"/>
-                </a:ext>
-              </a:extLst>
-            </p:cNvPr>
-            <p:cNvSpPr/>
-            <p:nvPr/>
-          </p:nvSpPr>
-          <p:spPr>
-            <a:xfrm>
-              <a:off x="8040079" y="4647476"/>
-              <a:ext cx="1767345" cy="706938"/>
-            </a:xfrm>
-            <a:custGeom>
-              <a:avLst/>
-              <a:gdLst>
-                <a:gd name="connsiteX0" fmla="*/ 0 w 1767345"/>
-                <a:gd name="connsiteY0" fmla="*/ 0 h 706938"/>
-                <a:gd name="connsiteX1" fmla="*/ 1413876 w 1767345"/>
-                <a:gd name="connsiteY1" fmla="*/ 0 h 706938"/>
-                <a:gd name="connsiteX2" fmla="*/ 1767345 w 1767345"/>
-                <a:gd name="connsiteY2" fmla="*/ 353469 h 706938"/>
-                <a:gd name="connsiteX3" fmla="*/ 1413876 w 1767345"/>
-                <a:gd name="connsiteY3" fmla="*/ 706938 h 706938"/>
-                <a:gd name="connsiteX4" fmla="*/ 0 w 1767345"/>
-                <a:gd name="connsiteY4" fmla="*/ 706938 h 706938"/>
-                <a:gd name="connsiteX5" fmla="*/ 353469 w 1767345"/>
-                <a:gd name="connsiteY5" fmla="*/ 353469 h 706938"/>
-                <a:gd name="connsiteX6" fmla="*/ 0 w 1767345"/>
-                <a:gd name="connsiteY6" fmla="*/ 0 h 706938"/>
-              </a:gdLst>
-              <a:ahLst/>
-              <a:cxnLst>
-                <a:cxn ang="0">
-                  <a:pos x="connsiteX0" y="connsiteY0"/>
-                </a:cxn>
-                <a:cxn ang="0">
-                  <a:pos x="connsiteX1" y="connsiteY1"/>
-                </a:cxn>
-                <a:cxn ang="0">
-                  <a:pos x="connsiteX2" y="connsiteY2"/>
-                </a:cxn>
-                <a:cxn ang="0">
-                  <a:pos x="connsiteX3" y="connsiteY3"/>
-                </a:cxn>
-                <a:cxn ang="0">
-                  <a:pos x="connsiteX4" y="connsiteY4"/>
-                </a:cxn>
-                <a:cxn ang="0">
-                  <a:pos x="connsiteX5" y="connsiteY5"/>
-                </a:cxn>
-                <a:cxn ang="0">
-                  <a:pos x="connsiteX6" y="connsiteY6"/>
-                </a:cxn>
-              </a:cxnLst>
-              <a:rect l="l" t="t" r="r" b="b"/>
-              <a:pathLst>
-                <a:path w="1767345" h="706938">
-                  <a:moveTo>
-                    <a:pt x="0" y="0"/>
-                  </a:moveTo>
-                  <a:lnTo>
-                    <a:pt x="1413876" y="0"/>
-                  </a:lnTo>
-                  <a:lnTo>
-                    <a:pt x="1767345" y="353469"/>
-                  </a:lnTo>
-                  <a:lnTo>
-                    <a:pt x="1413876" y="706938"/>
-                  </a:lnTo>
-                  <a:lnTo>
-                    <a:pt x="0" y="706938"/>
-                  </a:lnTo>
-                  <a:lnTo>
-                    <a:pt x="353469" y="353469"/>
-                  </a:lnTo>
-                  <a:lnTo>
-                    <a:pt x="0" y="0"/>
-                  </a:lnTo>
-                  <a:close/>
-                </a:path>
-              </a:pathLst>
-            </a:custGeom>
-            <a:scene3d>
-              <a:camera prst="orthographicFront"/>
-              <a:lightRig rig="flat" dir="t"/>
-            </a:scene3d>
-            <a:sp3d prstMaterial="dkEdge">
-              <a:bevelT w="8200" h="38100"/>
-            </a:sp3d>
-          </p:spPr>
-          <p:style>
-            <a:lnRef idx="0">
-              <a:schemeClr val="lt1">
-                <a:hueOff val="0"/>
-                <a:satOff val="0"/>
-                <a:lumOff val="0"/>
-                <a:alphaOff val="0"/>
-              </a:schemeClr>
-            </a:lnRef>
-            <a:fillRef idx="2">
-              <a:schemeClr val="accent4">
-                <a:hueOff val="0"/>
-                <a:satOff val="0"/>
-                <a:lumOff val="0"/>
-                <a:alphaOff val="0"/>
-              </a:schemeClr>
-            </a:fillRef>
-            <a:effectRef idx="1">
-              <a:schemeClr val="accent4">
-                <a:hueOff val="0"/>
-                <a:satOff val="0"/>
-                <a:lumOff val="0"/>
-                <a:alphaOff val="0"/>
-              </a:schemeClr>
-            </a:effectRef>
-            <a:fontRef idx="minor">
-              <a:schemeClr val="dk1"/>
-            </a:fontRef>
-          </p:style>
-          <p:txBody>
-            <a:bodyPr spcFirstLastPara="0" vert="horz" wrap="square" lIns="497487" tIns="96012" rIns="401475" bIns="96012" numCol="1" spcCol="1270" anchor="ctr" anchorCtr="0">
-              <a:noAutofit/>
-            </a:bodyPr>
-            <a:lstStyle/>
-            <a:p>
-              <a:pPr marL="0" lvl="0" indent="0" algn="ctr" defTabSz="1600200">
-                <a:lnSpc>
-                  <a:spcPct val="90000"/>
-                </a:lnSpc>
-                <a:spcBef>
-                  <a:spcPct val="0"/>
-                </a:spcBef>
-                <a:spcAft>
-                  <a:spcPct val="35000"/>
-                </a:spcAft>
-                <a:buNone/>
-              </a:pPr>
-              <a:endParaRPr lang="de-DE" sz="3600" kern="1200" dirty="0"/>
-            </a:p>
-          </p:txBody>
-        </p:sp>
-      </p:grpSp>
-      <p:grpSp>
-        <p:nvGrpSpPr>
-          <p:cNvPr id="2" name="Gruppieren 1">
+          <a:prstGeom prst="rect">
+            <a:avLst/>
+          </a:prstGeom>
+          <a:ln>
+            <a:noFill/>
+          </a:ln>
+          <a:extLst>
+            <a:ext uri="{53640926-AAD7-44D8-BBD7-CCE9431645EC}">
+              <a14:shadowObscured xmlns:a14="http://schemas.microsoft.com/office/drawing/2010/main"/>
+            </a:ext>
+          </a:extLst>
+        </p:spPr>
+      </p:pic>
+      <p:pic>
+        <p:nvPicPr>
+          <p:cNvPr id="12" name="Grafik 11">
             <a:extLst>
               <a:ext uri="{FF2B5EF4-FFF2-40B4-BE49-F238E27FC236}">
-                <a16:creationId xmlns:a16="http://schemas.microsoft.com/office/drawing/2014/main" id="{936BECC4-8404-A24E-B589-D8F8182760CD}"/>
+                <a16:creationId xmlns:a16="http://schemas.microsoft.com/office/drawing/2014/main" id="{A747FA4D-F13E-A048-B070-FA2FAEEEC764}"/>
               </a:ext>
             </a:extLst>
           </p:cNvPr>
-          <p:cNvGrpSpPr/>
+          <p:cNvPicPr>
+            <a:picLocks noChangeAspect="1"/>
+          </p:cNvPicPr>
           <p:nvPr/>
-        </p:nvGrpSpPr>
-        <p:grpSpPr>
+        </p:nvPicPr>
+        <p:blipFill rotWithShape="1">
+          <a:blip r:embed="rId3"/>
+          <a:srcRect l="-1" r="-5"/>
+          <a:stretch/>
+        </p:blipFill>
+        <p:spPr>
           <a:xfrm>
-            <a:off x="1227556" y="1463082"/>
-            <a:ext cx="8204653" cy="3184394"/>
-            <a:chOff x="1215524" y="1449251"/>
-            <a:chExt cx="8204653" cy="3184394"/>
+            <a:off x="8328002" y="3159125"/>
+            <a:ext cx="2718584" cy="720000"/>
           </a:xfrm>
-        </p:grpSpPr>
-        <p:sp>
-          <p:nvSpPr>
-            <p:cNvPr id="6" name="Textfeld 5">
-              <a:extLst>
-                <a:ext uri="{FF2B5EF4-FFF2-40B4-BE49-F238E27FC236}">
-                  <a16:creationId xmlns:a16="http://schemas.microsoft.com/office/drawing/2014/main" id="{B18DE230-C88E-724A-B678-31D2B102C658}"/>
-                </a:ext>
-              </a:extLst>
-            </p:cNvPr>
-            <p:cNvSpPr txBox="1"/>
-            <p:nvPr/>
-          </p:nvSpPr>
-          <p:spPr>
-            <a:xfrm>
-              <a:off x="1215524" y="2562513"/>
-              <a:ext cx="900869" cy="646332"/>
-            </a:xfrm>
-            <a:prstGeom prst="rect">
-              <a:avLst/>
-            </a:prstGeom>
-            <a:noFill/>
-          </p:spPr>
-          <p:txBody>
-            <a:bodyPr wrap="square" rtlCol="0">
-              <a:spAutoFit/>
-            </a:bodyPr>
-            <a:lstStyle/>
-            <a:p>
-              <a:pPr algn="ctr"/>
-              <a:r>
-                <a:rPr lang="de-DE" dirty="0"/>
-                <a:t>Open request</a:t>
-              </a:r>
-            </a:p>
-          </p:txBody>
-        </p:sp>
-        <p:cxnSp>
-          <p:nvCxnSpPr>
-            <p:cNvPr id="8" name="Gerade Verbindung mit Pfeil 7">
-              <a:extLst>
-                <a:ext uri="{FF2B5EF4-FFF2-40B4-BE49-F238E27FC236}">
-                  <a16:creationId xmlns:a16="http://schemas.microsoft.com/office/drawing/2014/main" id="{199BEB5D-6ED8-1844-B298-8337BF1CD263}"/>
-                </a:ext>
-              </a:extLst>
-            </p:cNvPr>
-            <p:cNvCxnSpPr>
-              <a:cxnSpLocks/>
-            </p:cNvCxnSpPr>
-            <p:nvPr/>
-          </p:nvCxnSpPr>
-          <p:spPr>
-            <a:xfrm>
-              <a:off x="1665959" y="3363603"/>
-              <a:ext cx="0" cy="1260000"/>
-            </a:xfrm>
-            <a:prstGeom prst="straightConnector1">
-              <a:avLst/>
-            </a:prstGeom>
-            <a:ln>
-              <a:tailEnd type="triangle"/>
-            </a:ln>
-          </p:spPr>
-          <p:style>
-            <a:lnRef idx="1">
-              <a:schemeClr val="accent3"/>
-            </a:lnRef>
-            <a:fillRef idx="0">
-              <a:schemeClr val="accent3"/>
-            </a:fillRef>
-            <a:effectRef idx="0">
-              <a:schemeClr val="accent3"/>
-            </a:effectRef>
-            <a:fontRef idx="minor">
-              <a:schemeClr val="tx1"/>
-            </a:fontRef>
-          </p:style>
-        </p:cxnSp>
-        <p:sp>
-          <p:nvSpPr>
-            <p:cNvPr id="9" name="Textfeld 8">
-              <a:extLst>
-                <a:ext uri="{FF2B5EF4-FFF2-40B4-BE49-F238E27FC236}">
-                  <a16:creationId xmlns:a16="http://schemas.microsoft.com/office/drawing/2014/main" id="{034B6A5E-3165-0742-A62B-2DABC10D1BDA}"/>
-                </a:ext>
-              </a:extLst>
-            </p:cNvPr>
-            <p:cNvSpPr txBox="1"/>
-            <p:nvPr/>
-          </p:nvSpPr>
-          <p:spPr>
-            <a:xfrm>
-              <a:off x="2387474" y="2696106"/>
-              <a:ext cx="1339030" cy="369332"/>
-            </a:xfrm>
-            <a:prstGeom prst="rect">
-              <a:avLst/>
-            </a:prstGeom>
-            <a:noFill/>
-          </p:spPr>
-          <p:txBody>
-            <a:bodyPr wrap="square" rtlCol="0">
-              <a:spAutoFit/>
-            </a:bodyPr>
-            <a:lstStyle/>
-            <a:p>
-              <a:r>
-                <a:rPr lang="en-GB" dirty="0"/>
-                <a:t>Preparation</a:t>
-              </a:r>
-            </a:p>
-          </p:txBody>
-        </p:sp>
-        <p:sp>
-          <p:nvSpPr>
-            <p:cNvPr id="10" name="Textfeld 9">
-              <a:extLst>
-                <a:ext uri="{FF2B5EF4-FFF2-40B4-BE49-F238E27FC236}">
-                  <a16:creationId xmlns:a16="http://schemas.microsoft.com/office/drawing/2014/main" id="{8BF7AF2A-EFDC-7648-8733-33F163C68E32}"/>
-                </a:ext>
-              </a:extLst>
-            </p:cNvPr>
-            <p:cNvSpPr txBox="1"/>
-            <p:nvPr/>
-          </p:nvSpPr>
-          <p:spPr>
-            <a:xfrm>
-              <a:off x="3781204" y="2428218"/>
-              <a:ext cx="1392816" cy="646331"/>
-            </a:xfrm>
-            <a:prstGeom prst="rect">
-              <a:avLst/>
-            </a:prstGeom>
-            <a:noFill/>
-          </p:spPr>
-          <p:txBody>
-            <a:bodyPr wrap="square" rtlCol="0">
-              <a:spAutoFit/>
-            </a:bodyPr>
-            <a:lstStyle/>
-            <a:p>
-              <a:pPr algn="ctr"/>
-              <a:r>
-                <a:rPr lang="de-DE" dirty="0"/>
-                <a:t>Data extraction</a:t>
-              </a:r>
-            </a:p>
-          </p:txBody>
-        </p:sp>
-        <p:sp>
-          <p:nvSpPr>
-            <p:cNvPr id="13" name="Textfeld 12">
-              <a:extLst>
-                <a:ext uri="{FF2B5EF4-FFF2-40B4-BE49-F238E27FC236}">
-                  <a16:creationId xmlns:a16="http://schemas.microsoft.com/office/drawing/2014/main" id="{DDDDF6DA-00A0-884F-90A3-4DEEB2EADD2A}"/>
-                </a:ext>
-              </a:extLst>
-            </p:cNvPr>
-            <p:cNvSpPr txBox="1"/>
-            <p:nvPr/>
-          </p:nvSpPr>
-          <p:spPr>
-            <a:xfrm>
-              <a:off x="5094215" y="2404160"/>
-              <a:ext cx="1626517" cy="646331"/>
-            </a:xfrm>
-            <a:prstGeom prst="rect">
-              <a:avLst/>
-            </a:prstGeom>
-            <a:noFill/>
-          </p:spPr>
-          <p:txBody>
-            <a:bodyPr wrap="square" rtlCol="0">
-              <a:spAutoFit/>
-            </a:bodyPr>
-            <a:lstStyle/>
-            <a:p>
-              <a:pPr algn="ctr"/>
-              <a:r>
-                <a:rPr lang="de-DE" dirty="0"/>
-                <a:t>Data transformation</a:t>
-              </a:r>
-            </a:p>
-          </p:txBody>
-        </p:sp>
-        <p:cxnSp>
-          <p:nvCxnSpPr>
-            <p:cNvPr id="16" name="Gerade Verbindung mit Pfeil 15">
-              <a:extLst>
-                <a:ext uri="{FF2B5EF4-FFF2-40B4-BE49-F238E27FC236}">
-                  <a16:creationId xmlns:a16="http://schemas.microsoft.com/office/drawing/2014/main" id="{1DB87DFD-06A6-2A42-A510-2C0938C5DCAE}"/>
-                </a:ext>
-              </a:extLst>
-            </p:cNvPr>
-            <p:cNvCxnSpPr>
-              <a:cxnSpLocks/>
-            </p:cNvCxnSpPr>
-            <p:nvPr/>
-          </p:nvCxnSpPr>
-          <p:spPr>
-            <a:xfrm>
-              <a:off x="5907473" y="3988361"/>
-              <a:ext cx="1" cy="630000"/>
-            </a:xfrm>
-            <a:prstGeom prst="straightConnector1">
-              <a:avLst/>
-            </a:prstGeom>
-            <a:ln>
-              <a:tailEnd type="triangle"/>
-            </a:ln>
-          </p:spPr>
-          <p:style>
-            <a:lnRef idx="1">
-              <a:schemeClr val="accent3"/>
-            </a:lnRef>
-            <a:fillRef idx="0">
-              <a:schemeClr val="accent3"/>
-            </a:fillRef>
-            <a:effectRef idx="0">
-              <a:schemeClr val="accent3"/>
-            </a:effectRef>
-            <a:fontRef idx="minor">
-              <a:schemeClr val="tx1"/>
-            </a:fontRef>
-          </p:style>
-        </p:cxnSp>
-        <p:sp>
-          <p:nvSpPr>
-            <p:cNvPr id="17" name="Textfeld 16">
-              <a:extLst>
-                <a:ext uri="{FF2B5EF4-FFF2-40B4-BE49-F238E27FC236}">
-                  <a16:creationId xmlns:a16="http://schemas.microsoft.com/office/drawing/2014/main" id="{0A5AEB77-3667-F643-B03C-B569F0B3CE3F}"/>
-                </a:ext>
-              </a:extLst>
-            </p:cNvPr>
-            <p:cNvSpPr txBox="1"/>
-            <p:nvPr/>
-          </p:nvSpPr>
-          <p:spPr>
-            <a:xfrm>
-              <a:off x="6682501" y="2441146"/>
-              <a:ext cx="1289318" cy="646331"/>
-            </a:xfrm>
-            <a:prstGeom prst="rect">
-              <a:avLst/>
-            </a:prstGeom>
-            <a:noFill/>
-          </p:spPr>
-          <p:txBody>
-            <a:bodyPr wrap="square" rtlCol="0">
-              <a:spAutoFit/>
-            </a:bodyPr>
-            <a:lstStyle/>
-            <a:p>
-              <a:pPr algn="ctr"/>
-              <a:r>
-                <a:rPr lang="de-DE" dirty="0"/>
-                <a:t>Datacube finalization</a:t>
-              </a:r>
-            </a:p>
-          </p:txBody>
-        </p:sp>
-        <p:sp>
-          <p:nvSpPr>
-            <p:cNvPr id="21" name="Textfeld 20">
-              <a:extLst>
-                <a:ext uri="{FF2B5EF4-FFF2-40B4-BE49-F238E27FC236}">
-                  <a16:creationId xmlns:a16="http://schemas.microsoft.com/office/drawing/2014/main" id="{F9A7F1CB-4C53-C244-945A-76F3E5AC03B3}"/>
-                </a:ext>
-              </a:extLst>
-            </p:cNvPr>
-            <p:cNvSpPr txBox="1"/>
-            <p:nvPr/>
-          </p:nvSpPr>
-          <p:spPr>
-            <a:xfrm>
-              <a:off x="8034391" y="2552888"/>
-              <a:ext cx="1385786" cy="646331"/>
-            </a:xfrm>
-            <a:prstGeom prst="rect">
-              <a:avLst/>
-            </a:prstGeom>
-            <a:noFill/>
-          </p:spPr>
-          <p:txBody>
-            <a:bodyPr wrap="square" rtlCol="0">
-              <a:spAutoFit/>
-            </a:bodyPr>
-            <a:lstStyle/>
-            <a:p>
-              <a:pPr algn="ctr"/>
-              <a:r>
-                <a:rPr lang="de-DE" dirty="0"/>
-                <a:t>Close request</a:t>
-              </a:r>
-            </a:p>
-          </p:txBody>
-        </p:sp>
-        <p:cxnSp>
-          <p:nvCxnSpPr>
-            <p:cNvPr id="22" name="Gerade Verbindung mit Pfeil 21">
-              <a:extLst>
-                <a:ext uri="{FF2B5EF4-FFF2-40B4-BE49-F238E27FC236}">
-                  <a16:creationId xmlns:a16="http://schemas.microsoft.com/office/drawing/2014/main" id="{B921D269-A820-BE4A-8DB7-0057E6C0D6B1}"/>
-                </a:ext>
-              </a:extLst>
-            </p:cNvPr>
-            <p:cNvCxnSpPr>
-              <a:cxnSpLocks/>
-            </p:cNvCxnSpPr>
-            <p:nvPr/>
-          </p:nvCxnSpPr>
-          <p:spPr>
-            <a:xfrm>
-              <a:off x="8733728" y="3352681"/>
-              <a:ext cx="0" cy="1260000"/>
-            </a:xfrm>
-            <a:prstGeom prst="straightConnector1">
-              <a:avLst/>
-            </a:prstGeom>
-            <a:ln>
-              <a:tailEnd type="triangle"/>
-            </a:ln>
-          </p:spPr>
-          <p:style>
-            <a:lnRef idx="1">
-              <a:schemeClr val="accent3"/>
-            </a:lnRef>
-            <a:fillRef idx="0">
-              <a:schemeClr val="accent3"/>
-            </a:fillRef>
-            <a:effectRef idx="0">
-              <a:schemeClr val="accent3"/>
-            </a:effectRef>
-            <a:fontRef idx="minor">
-              <a:schemeClr val="tx1"/>
-            </a:fontRef>
-          </p:style>
-        </p:cxnSp>
-        <p:cxnSp>
-          <p:nvCxnSpPr>
-            <p:cNvPr id="25" name="Gerade Verbindung mit Pfeil 24">
-              <a:extLst>
-                <a:ext uri="{FF2B5EF4-FFF2-40B4-BE49-F238E27FC236}">
-                  <a16:creationId xmlns:a16="http://schemas.microsoft.com/office/drawing/2014/main" id="{042B854D-E628-2D45-B782-65613F8805B3}"/>
-                </a:ext>
-              </a:extLst>
-            </p:cNvPr>
-            <p:cNvCxnSpPr>
-              <a:cxnSpLocks/>
-            </p:cNvCxnSpPr>
-            <p:nvPr/>
-          </p:nvCxnSpPr>
-          <p:spPr>
-            <a:xfrm>
-              <a:off x="3082247" y="3343055"/>
-              <a:ext cx="0" cy="1260000"/>
-            </a:xfrm>
-            <a:prstGeom prst="straightConnector1">
-              <a:avLst/>
-            </a:prstGeom>
-            <a:ln>
-              <a:tailEnd type="triangle"/>
-            </a:ln>
-          </p:spPr>
-          <p:style>
-            <a:lnRef idx="1">
-              <a:schemeClr val="accent3"/>
-            </a:lnRef>
-            <a:fillRef idx="0">
-              <a:schemeClr val="accent3"/>
-            </a:fillRef>
-            <a:effectRef idx="0">
-              <a:schemeClr val="accent3"/>
-            </a:effectRef>
-            <a:fontRef idx="minor">
-              <a:schemeClr val="tx1"/>
-            </a:fontRef>
-          </p:style>
-        </p:cxnSp>
-        <p:cxnSp>
-          <p:nvCxnSpPr>
-            <p:cNvPr id="27" name="Gerade Verbindung mit Pfeil 26">
-              <a:extLst>
-                <a:ext uri="{FF2B5EF4-FFF2-40B4-BE49-F238E27FC236}">
-                  <a16:creationId xmlns:a16="http://schemas.microsoft.com/office/drawing/2014/main" id="{AA7D37CC-32CA-6642-9A18-F3F6D96C208F}"/>
-                </a:ext>
-              </a:extLst>
-            </p:cNvPr>
-            <p:cNvCxnSpPr/>
-            <p:nvPr/>
-          </p:nvCxnSpPr>
-          <p:spPr>
-            <a:xfrm>
-              <a:off x="4477612" y="3975161"/>
-              <a:ext cx="0" cy="630000"/>
-            </a:xfrm>
-            <a:prstGeom prst="straightConnector1">
-              <a:avLst/>
-            </a:prstGeom>
-            <a:ln>
-              <a:tailEnd type="triangle"/>
-            </a:ln>
-          </p:spPr>
-          <p:style>
-            <a:lnRef idx="1">
-              <a:schemeClr val="accent3"/>
-            </a:lnRef>
-            <a:fillRef idx="0">
-              <a:schemeClr val="accent3"/>
-            </a:fillRef>
-            <a:effectRef idx="0">
-              <a:schemeClr val="accent3"/>
-            </a:effectRef>
-            <a:fontRef idx="minor">
-              <a:schemeClr val="tx1"/>
-            </a:fontRef>
-          </p:style>
-        </p:cxnSp>
-        <p:cxnSp>
-          <p:nvCxnSpPr>
-            <p:cNvPr id="29" name="Gerade Verbindung mit Pfeil 28">
-              <a:extLst>
-                <a:ext uri="{FF2B5EF4-FFF2-40B4-BE49-F238E27FC236}">
-                  <a16:creationId xmlns:a16="http://schemas.microsoft.com/office/drawing/2014/main" id="{9D4796CB-E77F-A445-918F-F2F7A4383E10}"/>
-                </a:ext>
-              </a:extLst>
-            </p:cNvPr>
-            <p:cNvCxnSpPr/>
-            <p:nvPr/>
-          </p:nvCxnSpPr>
-          <p:spPr>
-            <a:xfrm>
-              <a:off x="7323762" y="4005983"/>
-              <a:ext cx="13574" cy="627662"/>
-            </a:xfrm>
-            <a:prstGeom prst="straightConnector1">
-              <a:avLst/>
-            </a:prstGeom>
-            <a:ln>
-              <a:tailEnd type="triangle"/>
-            </a:ln>
-          </p:spPr>
-          <p:style>
-            <a:lnRef idx="1">
-              <a:schemeClr val="accent3"/>
-            </a:lnRef>
-            <a:fillRef idx="0">
-              <a:schemeClr val="accent3"/>
-            </a:fillRef>
-            <a:effectRef idx="0">
-              <a:schemeClr val="accent3"/>
-            </a:effectRef>
-            <a:fontRef idx="minor">
-              <a:schemeClr val="tx1"/>
-            </a:fontRef>
-          </p:style>
-        </p:cxnSp>
-        <p:sp>
-          <p:nvSpPr>
-            <p:cNvPr id="14" name="Gebogener Pfeil 13">
-              <a:extLst>
-                <a:ext uri="{FF2B5EF4-FFF2-40B4-BE49-F238E27FC236}">
-                  <a16:creationId xmlns:a16="http://schemas.microsoft.com/office/drawing/2014/main" id="{25D618BE-C5A5-C84E-BF54-6A303B0EC04C}"/>
-                </a:ext>
-              </a:extLst>
-            </p:cNvPr>
-            <p:cNvSpPr/>
-            <p:nvPr/>
-          </p:nvSpPr>
-          <p:spPr>
-            <a:xfrm>
-              <a:off x="6446092" y="1449251"/>
-              <a:ext cx="1740830" cy="1957933"/>
-            </a:xfrm>
-            <a:prstGeom prst="circularArrow">
-              <a:avLst/>
-            </a:prstGeom>
-          </p:spPr>
-          <p:style>
-            <a:lnRef idx="3">
-              <a:schemeClr val="lt1"/>
-            </a:lnRef>
-            <a:fillRef idx="1">
-              <a:schemeClr val="accent4"/>
-            </a:fillRef>
-            <a:effectRef idx="1">
-              <a:schemeClr val="accent4"/>
-            </a:effectRef>
-            <a:fontRef idx="minor">
-              <a:schemeClr val="lt1"/>
-            </a:fontRef>
-          </p:style>
-          <p:txBody>
-            <a:bodyPr rtlCol="0" anchor="ctr"/>
-            <a:lstStyle/>
-            <a:p>
-              <a:pPr algn="ctr"/>
-              <a:endParaRPr lang="de-DE" dirty="0">
+          <a:prstGeom prst="rect">
+            <a:avLst/>
+          </a:prstGeom>
+        </p:spPr>
+      </p:pic>
+      <p:pic>
+        <p:nvPicPr>
+          <p:cNvPr id="14" name="Grafik 13">
+            <a:extLst>
+              <a:ext uri="{FF2B5EF4-FFF2-40B4-BE49-F238E27FC236}">
+                <a16:creationId xmlns:a16="http://schemas.microsoft.com/office/drawing/2014/main" id="{6B7E46AD-2830-B642-A799-F6867CC60D68}"/>
+              </a:ext>
+            </a:extLst>
+          </p:cNvPr>
+          <p:cNvPicPr>
+            <a:picLocks noChangeAspect="1"/>
+          </p:cNvPicPr>
+          <p:nvPr/>
+        </p:nvPicPr>
+        <p:blipFill>
+          <a:blip r:embed="rId4"/>
+          <a:stretch>
+            <a:fillRect/>
+          </a:stretch>
+        </p:blipFill>
+        <p:spPr>
+          <a:xfrm>
+            <a:off x="8328002" y="1658547"/>
+            <a:ext cx="2557726" cy="720000"/>
+          </a:xfrm>
+          <a:prstGeom prst="rect">
+            <a:avLst/>
+          </a:prstGeom>
+        </p:spPr>
+      </p:pic>
+      <p:pic>
+        <p:nvPicPr>
+          <p:cNvPr id="16" name="Grafik 15">
+            <a:extLst>
+              <a:ext uri="{FF2B5EF4-FFF2-40B4-BE49-F238E27FC236}">
+                <a16:creationId xmlns:a16="http://schemas.microsoft.com/office/drawing/2014/main" id="{26F18A2C-3C7A-374B-818F-80C1247997AF}"/>
+              </a:ext>
+            </a:extLst>
+          </p:cNvPr>
+          <p:cNvPicPr>
+            <a:picLocks noChangeAspect="1"/>
+          </p:cNvPicPr>
+          <p:nvPr/>
+        </p:nvPicPr>
+        <p:blipFill>
+          <a:blip r:embed="rId5"/>
+          <a:stretch>
+            <a:fillRect/>
+          </a:stretch>
+        </p:blipFill>
+        <p:spPr>
+          <a:xfrm>
+            <a:off x="9327294" y="4452257"/>
+            <a:ext cx="720000" cy="720000"/>
+          </a:xfrm>
+          <a:prstGeom prst="rect">
+            <a:avLst/>
+          </a:prstGeom>
+        </p:spPr>
+      </p:pic>
+      <p:pic>
+        <p:nvPicPr>
+          <p:cNvPr id="18" name="Grafik 17">
+            <a:extLst>
+              <a:ext uri="{FF2B5EF4-FFF2-40B4-BE49-F238E27FC236}">
+                <a16:creationId xmlns:a16="http://schemas.microsoft.com/office/drawing/2014/main" id="{690829BF-ACD0-C848-952E-02D4CAF1C807}"/>
+              </a:ext>
+            </a:extLst>
+          </p:cNvPr>
+          <p:cNvPicPr>
+            <a:picLocks noChangeAspect="1"/>
+          </p:cNvPicPr>
+          <p:nvPr/>
+        </p:nvPicPr>
+        <p:blipFill>
+          <a:blip r:embed="rId6"/>
+          <a:stretch>
+            <a:fillRect/>
+          </a:stretch>
+        </p:blipFill>
+        <p:spPr>
+          <a:xfrm>
+            <a:off x="508000" y="3159125"/>
+            <a:ext cx="720000" cy="720000"/>
+          </a:xfrm>
+          <a:prstGeom prst="rect">
+            <a:avLst/>
+          </a:prstGeom>
+        </p:spPr>
+      </p:pic>
+      <p:cxnSp>
+        <p:nvCxnSpPr>
+          <p:cNvPr id="6" name="Gerade Verbindung mit Pfeil 5">
+            <a:extLst>
+              <a:ext uri="{FF2B5EF4-FFF2-40B4-BE49-F238E27FC236}">
+                <a16:creationId xmlns:a16="http://schemas.microsoft.com/office/drawing/2014/main" id="{6A06B1A4-CF96-6440-81B6-247F3B914AD0}"/>
+              </a:ext>
+            </a:extLst>
+          </p:cNvPr>
+          <p:cNvCxnSpPr/>
+          <p:nvPr/>
+        </p:nvCxnSpPr>
+        <p:spPr>
+          <a:xfrm>
+            <a:off x="7445829" y="3429000"/>
+            <a:ext cx="751114" cy="0"/>
+          </a:xfrm>
+          <a:prstGeom prst="straightConnector1">
+            <a:avLst/>
+          </a:prstGeom>
+          <a:ln w="57150">
+            <a:tailEnd type="triangle"/>
+          </a:ln>
+        </p:spPr>
+        <p:style>
+          <a:lnRef idx="1">
+            <a:schemeClr val="accent3"/>
+          </a:lnRef>
+          <a:fillRef idx="0">
+            <a:schemeClr val="accent3"/>
+          </a:fillRef>
+          <a:effectRef idx="0">
+            <a:schemeClr val="accent3"/>
+          </a:effectRef>
+          <a:fontRef idx="minor">
+            <a:schemeClr val="tx1"/>
+          </a:fontRef>
+        </p:style>
+      </p:cxnSp>
+      <p:cxnSp>
+        <p:nvCxnSpPr>
+          <p:cNvPr id="8" name="Gerade Verbindung mit Pfeil 7">
+            <a:extLst>
+              <a:ext uri="{FF2B5EF4-FFF2-40B4-BE49-F238E27FC236}">
+                <a16:creationId xmlns:a16="http://schemas.microsoft.com/office/drawing/2014/main" id="{820066A3-31E2-FF41-BD17-BE5FDF8F0D73}"/>
+              </a:ext>
+            </a:extLst>
+          </p:cNvPr>
+          <p:cNvCxnSpPr/>
+          <p:nvPr/>
+        </p:nvCxnSpPr>
+        <p:spPr>
+          <a:xfrm flipV="1">
+            <a:off x="7467600" y="2253343"/>
+            <a:ext cx="718457" cy="1077686"/>
+          </a:xfrm>
+          <a:prstGeom prst="straightConnector1">
+            <a:avLst/>
+          </a:prstGeom>
+          <a:ln w="57150">
+            <a:tailEnd type="triangle"/>
+          </a:ln>
+        </p:spPr>
+        <p:style>
+          <a:lnRef idx="1">
+            <a:schemeClr val="accent3"/>
+          </a:lnRef>
+          <a:fillRef idx="0">
+            <a:schemeClr val="accent3"/>
+          </a:fillRef>
+          <a:effectRef idx="0">
+            <a:schemeClr val="accent3"/>
+          </a:effectRef>
+          <a:fontRef idx="minor">
+            <a:schemeClr val="tx1"/>
+          </a:fontRef>
+        </p:style>
+      </p:cxnSp>
+      <p:cxnSp>
+        <p:nvCxnSpPr>
+          <p:cNvPr id="11" name="Gerade Verbindung mit Pfeil 10">
+            <a:extLst>
+              <a:ext uri="{FF2B5EF4-FFF2-40B4-BE49-F238E27FC236}">
+                <a16:creationId xmlns:a16="http://schemas.microsoft.com/office/drawing/2014/main" id="{9447A555-BD04-5245-B7BA-ADB656FB6D2C}"/>
+              </a:ext>
+            </a:extLst>
+          </p:cNvPr>
+          <p:cNvCxnSpPr>
+            <a:cxnSpLocks/>
+          </p:cNvCxnSpPr>
+          <p:nvPr/>
+        </p:nvCxnSpPr>
+        <p:spPr>
+          <a:xfrm>
+            <a:off x="7445829" y="3505200"/>
+            <a:ext cx="1741714" cy="1251857"/>
+          </a:xfrm>
+          <a:prstGeom prst="straightConnector1">
+            <a:avLst/>
+          </a:prstGeom>
+          <a:ln w="57150">
+            <a:tailEnd type="triangle"/>
+          </a:ln>
+        </p:spPr>
+        <p:style>
+          <a:lnRef idx="1">
+            <a:schemeClr val="accent3"/>
+          </a:lnRef>
+          <a:fillRef idx="0">
+            <a:schemeClr val="accent3"/>
+          </a:fillRef>
+          <a:effectRef idx="0">
+            <a:schemeClr val="accent3"/>
+          </a:effectRef>
+          <a:fontRef idx="minor">
+            <a:schemeClr val="tx1"/>
+          </a:fontRef>
+        </p:style>
+      </p:cxnSp>
+      <p:cxnSp>
+        <p:nvCxnSpPr>
+          <p:cNvPr id="17" name="Gerade Verbindung mit Pfeil 16">
+            <a:extLst>
+              <a:ext uri="{FF2B5EF4-FFF2-40B4-BE49-F238E27FC236}">
+                <a16:creationId xmlns:a16="http://schemas.microsoft.com/office/drawing/2014/main" id="{6AAADAB5-5FE9-9949-8524-26BAC0B8820A}"/>
+              </a:ext>
+            </a:extLst>
+          </p:cNvPr>
+          <p:cNvCxnSpPr>
+            <a:cxnSpLocks/>
+            <a:stCxn id="14" idx="2"/>
+          </p:cNvCxnSpPr>
+          <p:nvPr/>
+        </p:nvCxnSpPr>
+        <p:spPr>
+          <a:xfrm>
+            <a:off x="9606865" y="2378547"/>
+            <a:ext cx="0" cy="780578"/>
+          </a:xfrm>
+          <a:prstGeom prst="straightConnector1">
+            <a:avLst/>
+          </a:prstGeom>
+          <a:ln w="57150">
+            <a:headEnd type="triangle"/>
+            <a:tailEnd type="triangle"/>
+          </a:ln>
+        </p:spPr>
+        <p:style>
+          <a:lnRef idx="1">
+            <a:schemeClr val="accent3"/>
+          </a:lnRef>
+          <a:fillRef idx="0">
+            <a:schemeClr val="accent3"/>
+          </a:fillRef>
+          <a:effectRef idx="0">
+            <a:schemeClr val="accent3"/>
+          </a:effectRef>
+          <a:fontRef idx="minor">
+            <a:schemeClr val="tx1"/>
+          </a:fontRef>
+        </p:style>
+      </p:cxnSp>
+      <p:sp>
+        <p:nvSpPr>
+          <p:cNvPr id="20" name="Textfeld 19">
+            <a:extLst>
+              <a:ext uri="{FF2B5EF4-FFF2-40B4-BE49-F238E27FC236}">
+                <a16:creationId xmlns:a16="http://schemas.microsoft.com/office/drawing/2014/main" id="{3FA1A359-4CD3-D94F-9177-C70394478B9A}"/>
+              </a:ext>
+            </a:extLst>
+          </p:cNvPr>
+          <p:cNvSpPr txBox="1"/>
+          <p:nvPr/>
+        </p:nvSpPr>
+        <p:spPr>
+          <a:xfrm>
+            <a:off x="8762118" y="595949"/>
+            <a:ext cx="1850351" cy="369332"/>
+          </a:xfrm>
+          <a:prstGeom prst="rect">
+            <a:avLst/>
+          </a:prstGeom>
+          <a:noFill/>
+        </p:spPr>
+        <p:txBody>
+          <a:bodyPr wrap="square" rtlCol="0">
+            <a:spAutoFit/>
+          </a:bodyPr>
+          <a:lstStyle/>
+          <a:p>
+            <a:r>
+              <a:rPr lang="de-DE" dirty="0" err="1">
                 <a:solidFill>
-                  <a:schemeClr val="tx1"/>
+                  <a:schemeClr val="bg1">
+                    <a:lumMod val="50000"/>
+                  </a:schemeClr>
                 </a:solidFill>
-              </a:endParaRPr>
-            </a:p>
-          </p:txBody>
-        </p:sp>
-        <p:sp>
-          <p:nvSpPr>
-            <p:cNvPr id="30" name="Gebogener Pfeil 29">
-              <a:extLst>
-                <a:ext uri="{FF2B5EF4-FFF2-40B4-BE49-F238E27FC236}">
-                  <a16:creationId xmlns:a16="http://schemas.microsoft.com/office/drawing/2014/main" id="{F4F20E90-2A0E-7C4B-88AC-83C6EEEEEDF8}"/>
-                </a:ext>
-              </a:extLst>
-            </p:cNvPr>
-            <p:cNvSpPr/>
-            <p:nvPr/>
-          </p:nvSpPr>
-          <p:spPr>
-            <a:xfrm>
-              <a:off x="4344463" y="1467337"/>
-              <a:ext cx="1740830" cy="1957933"/>
-            </a:xfrm>
-            <a:prstGeom prst="circularArrow">
-              <a:avLst/>
-            </a:prstGeom>
-          </p:spPr>
-          <p:style>
-            <a:lnRef idx="3">
-              <a:schemeClr val="lt1"/>
-            </a:lnRef>
-            <a:fillRef idx="1">
-              <a:schemeClr val="accent4"/>
-            </a:fillRef>
-            <a:effectRef idx="1">
-              <a:schemeClr val="accent4"/>
-            </a:effectRef>
-            <a:fontRef idx="minor">
-              <a:schemeClr val="lt1"/>
-            </a:fontRef>
-          </p:style>
-          <p:txBody>
-            <a:bodyPr rtlCol="0" anchor="ctr"/>
-            <a:lstStyle/>
-            <a:p>
-              <a:pPr algn="ctr"/>
-              <a:endParaRPr lang="de-DE" dirty="0">
+              </a:rPr>
+              <a:t>direct</a:t>
+            </a:r>
+            <a:r>
+              <a:rPr lang="de-DE" dirty="0">
                 <a:solidFill>
-                  <a:schemeClr val="tx1"/>
+                  <a:schemeClr val="bg1">
+                    <a:lumMod val="50000"/>
+                  </a:schemeClr>
                 </a:solidFill>
-              </a:endParaRPr>
-            </a:p>
-          </p:txBody>
-        </p:sp>
-        <p:sp>
-          <p:nvSpPr>
-            <p:cNvPr id="32" name="Gebogener Pfeil 31">
-              <a:extLst>
-                <a:ext uri="{FF2B5EF4-FFF2-40B4-BE49-F238E27FC236}">
-                  <a16:creationId xmlns:a16="http://schemas.microsoft.com/office/drawing/2014/main" id="{AE501F38-73C9-8447-B9DF-B6DC46BD23ED}"/>
-                </a:ext>
-              </a:extLst>
-            </p:cNvPr>
-            <p:cNvSpPr/>
-            <p:nvPr/>
-          </p:nvSpPr>
-          <p:spPr>
-            <a:xfrm rot="10800000">
-              <a:off x="6466491" y="2041134"/>
-              <a:ext cx="1740830" cy="1957933"/>
-            </a:xfrm>
-            <a:prstGeom prst="circularArrow">
-              <a:avLst/>
-            </a:prstGeom>
-          </p:spPr>
-          <p:style>
-            <a:lnRef idx="3">
-              <a:schemeClr val="lt1"/>
-            </a:lnRef>
-            <a:fillRef idx="1">
-              <a:schemeClr val="accent4"/>
-            </a:fillRef>
-            <a:effectRef idx="1">
-              <a:schemeClr val="accent4"/>
-            </a:effectRef>
-            <a:fontRef idx="minor">
-              <a:schemeClr val="lt1"/>
-            </a:fontRef>
-          </p:style>
-          <p:txBody>
-            <a:bodyPr rtlCol="0" anchor="ctr"/>
-            <a:lstStyle/>
-            <a:p>
-              <a:pPr algn="ctr"/>
-              <a:endParaRPr lang="de-DE" dirty="0">
+              </a:rPr>
+              <a:t> </a:t>
+            </a:r>
+            <a:r>
+              <a:rPr lang="de-DE" dirty="0" err="1">
                 <a:solidFill>
-                  <a:schemeClr val="tx1"/>
+                  <a:schemeClr val="bg1">
+                    <a:lumMod val="50000"/>
+                  </a:schemeClr>
                 </a:solidFill>
-              </a:endParaRPr>
-            </a:p>
-          </p:txBody>
-        </p:sp>
-        <p:sp>
-          <p:nvSpPr>
-            <p:cNvPr id="33" name="Gebogener Pfeil 32">
-              <a:extLst>
-                <a:ext uri="{FF2B5EF4-FFF2-40B4-BE49-F238E27FC236}">
-                  <a16:creationId xmlns:a16="http://schemas.microsoft.com/office/drawing/2014/main" id="{8BC020DE-9FBE-3548-923C-A8766C945316}"/>
-                </a:ext>
-              </a:extLst>
-            </p:cNvPr>
-            <p:cNvSpPr/>
-            <p:nvPr/>
-          </p:nvSpPr>
-          <p:spPr>
-            <a:xfrm rot="10800000">
-              <a:off x="4355168" y="2071524"/>
-              <a:ext cx="1740830" cy="1957933"/>
-            </a:xfrm>
-            <a:prstGeom prst="circularArrow">
-              <a:avLst/>
-            </a:prstGeom>
-          </p:spPr>
-          <p:style>
-            <a:lnRef idx="3">
-              <a:schemeClr val="lt1"/>
-            </a:lnRef>
-            <a:fillRef idx="1">
-              <a:schemeClr val="accent4"/>
-            </a:fillRef>
-            <a:effectRef idx="1">
-              <a:schemeClr val="accent4"/>
-            </a:effectRef>
-            <a:fontRef idx="minor">
-              <a:schemeClr val="lt1"/>
-            </a:fontRef>
-          </p:style>
-          <p:txBody>
-            <a:bodyPr rtlCol="0" anchor="ctr"/>
-            <a:lstStyle/>
-            <a:p>
-              <a:pPr algn="ctr"/>
-              <a:endParaRPr lang="de-DE" dirty="0">
+              </a:rPr>
+              <a:t>integration</a:t>
+            </a:r>
+            <a:endParaRPr lang="de-DE" dirty="0">
+              <a:solidFill>
+                <a:schemeClr val="bg1">
+                  <a:lumMod val="50000"/>
+                </a:schemeClr>
+              </a:solidFill>
+            </a:endParaRPr>
+          </a:p>
+        </p:txBody>
+      </p:sp>
+      <p:sp>
+        <p:nvSpPr>
+          <p:cNvPr id="22" name="Textfeld 21">
+            <a:extLst>
+              <a:ext uri="{FF2B5EF4-FFF2-40B4-BE49-F238E27FC236}">
+                <a16:creationId xmlns:a16="http://schemas.microsoft.com/office/drawing/2014/main" id="{9F1DA31E-76E2-B740-AE15-A11AFE1F39E6}"/>
+              </a:ext>
+            </a:extLst>
+          </p:cNvPr>
+          <p:cNvSpPr txBox="1"/>
+          <p:nvPr/>
+        </p:nvSpPr>
+        <p:spPr>
+          <a:xfrm>
+            <a:off x="1587230" y="595949"/>
+            <a:ext cx="2124800" cy="369332"/>
+          </a:xfrm>
+          <a:prstGeom prst="rect">
+            <a:avLst/>
+          </a:prstGeom>
+          <a:noFill/>
+        </p:spPr>
+        <p:txBody>
+          <a:bodyPr wrap="square" rtlCol="0">
+            <a:spAutoFit/>
+          </a:bodyPr>
+          <a:lstStyle/>
+          <a:p>
+            <a:r>
+              <a:rPr lang="de-DE" dirty="0" err="1">
                 <a:solidFill>
-                  <a:schemeClr val="tx1"/>
+                  <a:schemeClr val="bg1">
+                    <a:lumMod val="50000"/>
+                  </a:schemeClr>
                 </a:solidFill>
-              </a:endParaRPr>
-            </a:p>
-          </p:txBody>
-        </p:sp>
-      </p:grpSp>
+              </a:rPr>
+              <a:t>indirect</a:t>
+            </a:r>
+            <a:r>
+              <a:rPr lang="de-DE" dirty="0">
+                <a:solidFill>
+                  <a:schemeClr val="bg1">
+                    <a:lumMod val="50000"/>
+                  </a:schemeClr>
+                </a:solidFill>
+              </a:rPr>
+              <a:t> </a:t>
+            </a:r>
+            <a:r>
+              <a:rPr lang="de-DE" dirty="0" err="1">
+                <a:solidFill>
+                  <a:schemeClr val="bg1">
+                    <a:lumMod val="50000"/>
+                  </a:schemeClr>
+                </a:solidFill>
+              </a:rPr>
+              <a:t>integration</a:t>
+            </a:r>
+            <a:endParaRPr lang="de-DE" dirty="0">
+              <a:solidFill>
+                <a:schemeClr val="bg1">
+                  <a:lumMod val="50000"/>
+                </a:schemeClr>
+              </a:solidFill>
+            </a:endParaRPr>
+          </a:p>
+        </p:txBody>
+      </p:sp>
+      <p:pic>
+        <p:nvPicPr>
+          <p:cNvPr id="3" name="Grafik 2">
+            <a:extLst>
+              <a:ext uri="{FF2B5EF4-FFF2-40B4-BE49-F238E27FC236}">
+                <a16:creationId xmlns:a16="http://schemas.microsoft.com/office/drawing/2014/main" id="{19ADBD66-7957-524A-896B-6A3588D11D5C}"/>
+              </a:ext>
+            </a:extLst>
+          </p:cNvPr>
+          <p:cNvPicPr>
+            <a:picLocks noChangeAspect="1"/>
+          </p:cNvPicPr>
+          <p:nvPr/>
+        </p:nvPicPr>
+        <p:blipFill>
+          <a:blip r:embed="rId7">
+            <a:extLst>
+              <a:ext uri="{BEBA8EAE-BF5A-486C-A8C5-ECC9F3942E4B}">
+                <a14:imgProps xmlns:a14="http://schemas.microsoft.com/office/drawing/2010/main">
+                  <a14:imgLayer>
+                    <a14:imgEffect>
+                      <a14:brightnessContrast bright="20000" contrast="-40000"/>
+                    </a14:imgEffect>
+                  </a14:imgLayer>
+                </a14:imgProps>
+              </a:ext>
+            </a:extLst>
+          </a:blip>
+          <a:stretch>
+            <a:fillRect/>
+          </a:stretch>
+        </p:blipFill>
+        <p:spPr>
+          <a:xfrm>
+            <a:off x="2015152" y="2980180"/>
+            <a:ext cx="2331897" cy="1008000"/>
+          </a:xfrm>
+          <a:prstGeom prst="rect">
+            <a:avLst/>
+          </a:prstGeom>
+        </p:spPr>
+      </p:pic>
+      <p:cxnSp>
+        <p:nvCxnSpPr>
+          <p:cNvPr id="15" name="Gerade Verbindung mit Pfeil 14">
+            <a:extLst>
+              <a:ext uri="{FF2B5EF4-FFF2-40B4-BE49-F238E27FC236}">
+                <a16:creationId xmlns:a16="http://schemas.microsoft.com/office/drawing/2014/main" id="{6C5F171D-7D2D-D74A-AD93-259640A0F9F8}"/>
+              </a:ext>
+            </a:extLst>
+          </p:cNvPr>
+          <p:cNvCxnSpPr>
+            <a:cxnSpLocks/>
+          </p:cNvCxnSpPr>
+          <p:nvPr/>
+        </p:nvCxnSpPr>
+        <p:spPr>
+          <a:xfrm>
+            <a:off x="1264038" y="3481552"/>
+            <a:ext cx="720000" cy="0"/>
+          </a:xfrm>
+          <a:prstGeom prst="straightConnector1">
+            <a:avLst/>
+          </a:prstGeom>
+          <a:ln w="57150">
+            <a:tailEnd type="triangle"/>
+          </a:ln>
+        </p:spPr>
+        <p:style>
+          <a:lnRef idx="1">
+            <a:schemeClr val="accent3"/>
+          </a:lnRef>
+          <a:fillRef idx="0">
+            <a:schemeClr val="accent3"/>
+          </a:fillRef>
+          <a:effectRef idx="0">
+            <a:schemeClr val="accent3"/>
+          </a:effectRef>
+          <a:fontRef idx="minor">
+            <a:schemeClr val="tx1"/>
+          </a:fontRef>
+        </p:style>
+      </p:cxnSp>
+      <p:cxnSp>
+        <p:nvCxnSpPr>
+          <p:cNvPr id="19" name="Gerade Verbindung mit Pfeil 18">
+            <a:extLst>
+              <a:ext uri="{FF2B5EF4-FFF2-40B4-BE49-F238E27FC236}">
+                <a16:creationId xmlns:a16="http://schemas.microsoft.com/office/drawing/2014/main" id="{AB2086CF-8C6A-BD44-80B0-D5923EC6EFE4}"/>
+              </a:ext>
+            </a:extLst>
+          </p:cNvPr>
+          <p:cNvCxnSpPr>
+            <a:cxnSpLocks/>
+          </p:cNvCxnSpPr>
+          <p:nvPr/>
+        </p:nvCxnSpPr>
+        <p:spPr>
+          <a:xfrm>
+            <a:off x="4378163" y="3481427"/>
+            <a:ext cx="497049" cy="125"/>
+          </a:xfrm>
+          <a:prstGeom prst="straightConnector1">
+            <a:avLst/>
+          </a:prstGeom>
+          <a:ln w="57150">
+            <a:tailEnd type="triangle"/>
+          </a:ln>
+        </p:spPr>
+        <p:style>
+          <a:lnRef idx="1">
+            <a:schemeClr val="accent3"/>
+          </a:lnRef>
+          <a:fillRef idx="0">
+            <a:schemeClr val="accent3"/>
+          </a:fillRef>
+          <a:effectRef idx="0">
+            <a:schemeClr val="accent3"/>
+          </a:effectRef>
+          <a:fontRef idx="minor">
+            <a:schemeClr val="tx1"/>
+          </a:fontRef>
+        </p:style>
+      </p:cxnSp>
     </p:spTree>
     <p:extLst>
       <p:ext uri="{BB962C8B-B14F-4D97-AF65-F5344CB8AC3E}">
-        <p14:creationId xmlns:p14="http://schemas.microsoft.com/office/powerpoint/2010/main" val="3280912272"/>
+        <p14:creationId xmlns:p14="http://schemas.microsoft.com/office/powerpoint/2010/main" val="1361870316"/>
       </p:ext>
     </p:extLst>
   </p:cSld>
@@ -9636,10 +8574,10 @@
       </p:pic>
       <p:pic>
         <p:nvPicPr>
-          <p:cNvPr id="16" name="Grafik 15">
+          <p:cNvPr id="14" name="Grafik 13">
             <a:extLst>
               <a:ext uri="{FF2B5EF4-FFF2-40B4-BE49-F238E27FC236}">
-                <a16:creationId xmlns:a16="http://schemas.microsoft.com/office/drawing/2014/main" id="{26F18A2C-3C7A-374B-818F-80C1247997AF}"/>
+                <a16:creationId xmlns:a16="http://schemas.microsoft.com/office/drawing/2014/main" id="{6B7E46AD-2830-B642-A799-F6867CC60D68}"/>
               </a:ext>
             </a:extLst>
           </p:cNvPr>
@@ -9656,7 +8594,67 @@
         </p:blipFill>
         <p:spPr>
           <a:xfrm>
+            <a:off x="8328001" y="1741326"/>
+            <a:ext cx="2557726" cy="720000"/>
+          </a:xfrm>
+          <a:prstGeom prst="rect">
+            <a:avLst/>
+          </a:prstGeom>
+        </p:spPr>
+      </p:pic>
+      <p:pic>
+        <p:nvPicPr>
+          <p:cNvPr id="16" name="Grafik 15">
+            <a:extLst>
+              <a:ext uri="{FF2B5EF4-FFF2-40B4-BE49-F238E27FC236}">
+                <a16:creationId xmlns:a16="http://schemas.microsoft.com/office/drawing/2014/main" id="{26F18A2C-3C7A-374B-818F-80C1247997AF}"/>
+              </a:ext>
+            </a:extLst>
+          </p:cNvPr>
+          <p:cNvPicPr>
+            <a:picLocks noChangeAspect="1"/>
+          </p:cNvPicPr>
+          <p:nvPr/>
+        </p:nvPicPr>
+        <p:blipFill>
+          <a:blip r:embed="rId5"/>
+          <a:stretch>
+            <a:fillRect/>
+          </a:stretch>
+        </p:blipFill>
+        <p:spPr>
+          <a:xfrm>
             <a:off x="9327293" y="4718512"/>
+            <a:ext cx="720000" cy="720000"/>
+          </a:xfrm>
+          <a:prstGeom prst="rect">
+            <a:avLst/>
+          </a:prstGeom>
+        </p:spPr>
+      </p:pic>
+      <p:pic>
+        <p:nvPicPr>
+          <p:cNvPr id="18" name="Grafik 17">
+            <a:extLst>
+              <a:ext uri="{FF2B5EF4-FFF2-40B4-BE49-F238E27FC236}">
+                <a16:creationId xmlns:a16="http://schemas.microsoft.com/office/drawing/2014/main" id="{690829BF-ACD0-C848-952E-02D4CAF1C807}"/>
+              </a:ext>
+            </a:extLst>
+          </p:cNvPr>
+          <p:cNvPicPr>
+            <a:picLocks noChangeAspect="1"/>
+          </p:cNvPicPr>
+          <p:nvPr/>
+        </p:nvPicPr>
+        <p:blipFill>
+          <a:blip r:embed="rId6"/>
+          <a:stretch>
+            <a:fillRect/>
+          </a:stretch>
+        </p:blipFill>
+        <p:spPr>
+          <a:xfrm>
+            <a:off x="508000" y="3159125"/>
             <a:ext cx="720000" cy="720000"/>
           </a:xfrm>
           <a:prstGeom prst="rect">
@@ -9720,8 +8718,8 @@
         </p:nvSpPr>
         <p:spPr>
           <a:xfrm>
-            <a:off x="8700105" y="1096632"/>
-            <a:ext cx="1974376" cy="369332"/>
+            <a:off x="8762118" y="1025760"/>
+            <a:ext cx="1850351" cy="369332"/>
           </a:xfrm>
           <a:prstGeom prst="rect">
             <a:avLst/>
@@ -9742,7 +8740,7 @@
                   </a:schemeClr>
                 </a:solidFill>
               </a:rPr>
-              <a:t>indirect</a:t>
+              <a:t>direct</a:t>
             </a:r>
             <a:r>
               <a:rPr lang="de-DE" dirty="0">
@@ -9788,8 +8786,8 @@
         </p:nvSpPr>
         <p:spPr>
           <a:xfrm>
-            <a:off x="1568524" y="2589891"/>
-            <a:ext cx="1792759" cy="369332"/>
+            <a:off x="1402504" y="2602107"/>
+            <a:ext cx="2124800" cy="369332"/>
           </a:xfrm>
           <a:prstGeom prst="rect">
             <a:avLst/>
@@ -9810,7 +8808,7 @@
                   </a:schemeClr>
                 </a:solidFill>
               </a:rPr>
-              <a:t>direct</a:t>
+              <a:t>indirect</a:t>
             </a:r>
             <a:r>
               <a:rPr lang="de-DE" dirty="0">
@@ -9842,6 +8840,48 @@
           </a:p>
         </p:txBody>
       </p:sp>
+      <p:pic>
+        <p:nvPicPr>
+          <p:cNvPr id="3" name="Grafik 2">
+            <a:extLst>
+              <a:ext uri="{FF2B5EF4-FFF2-40B4-BE49-F238E27FC236}">
+                <a16:creationId xmlns:a16="http://schemas.microsoft.com/office/drawing/2014/main" id="{19ADBD66-7957-524A-896B-6A3588D11D5C}"/>
+              </a:ext>
+            </a:extLst>
+          </p:cNvPr>
+          <p:cNvPicPr>
+            <a:picLocks noChangeAspect="1"/>
+          </p:cNvPicPr>
+          <p:nvPr/>
+        </p:nvPicPr>
+        <p:blipFill>
+          <a:blip r:embed="rId7">
+            <a:extLst>
+              <a:ext uri="{BEBA8EAE-BF5A-486C-A8C5-ECC9F3942E4B}">
+                <a14:imgProps xmlns:a14="http://schemas.microsoft.com/office/drawing/2010/main">
+                  <a14:imgLayer>
+                    <a14:imgEffect>
+                      <a14:brightnessContrast bright="20000" contrast="-40000"/>
+                    </a14:imgEffect>
+                  </a14:imgLayer>
+                </a14:imgProps>
+              </a:ext>
+            </a:extLst>
+          </a:blip>
+          <a:stretch>
+            <a:fillRect/>
+          </a:stretch>
+        </p:blipFill>
+        <p:spPr>
+          <a:xfrm>
+            <a:off x="2015152" y="2980180"/>
+            <a:ext cx="2331897" cy="1008000"/>
+          </a:xfrm>
+          <a:prstGeom prst="rect">
+            <a:avLst/>
+          </a:prstGeom>
+        </p:spPr>
+      </p:pic>
       <p:cxnSp>
         <p:nvCxnSpPr>
           <p:cNvPr id="15" name="Gerade Verbindung mit Pfeil 14">
@@ -10087,96 +9127,6 @@
           </a:p>
         </p:txBody>
       </p:sp>
-      <p:pic>
-        <p:nvPicPr>
-          <p:cNvPr id="19" name="Grafik 18">
-            <a:extLst>
-              <a:ext uri="{FF2B5EF4-FFF2-40B4-BE49-F238E27FC236}">
-                <a16:creationId xmlns:a16="http://schemas.microsoft.com/office/drawing/2014/main" id="{AB8D3771-CEB2-E841-835D-CAF20480E5AD}"/>
-              </a:ext>
-            </a:extLst>
-          </p:cNvPr>
-          <p:cNvPicPr>
-            <a:picLocks noChangeAspect="1"/>
-          </p:cNvPicPr>
-          <p:nvPr/>
-        </p:nvPicPr>
-        <p:blipFill>
-          <a:blip r:embed="rId5"/>
-          <a:stretch>
-            <a:fillRect/>
-          </a:stretch>
-        </p:blipFill>
-        <p:spPr>
-          <a:xfrm>
-            <a:off x="591581" y="3079861"/>
-            <a:ext cx="586406" cy="720000"/>
-          </a:xfrm>
-          <a:prstGeom prst="rect">
-            <a:avLst/>
-          </a:prstGeom>
-        </p:spPr>
-      </p:pic>
-      <p:pic>
-        <p:nvPicPr>
-          <p:cNvPr id="8" name="Grafik 7">
-            <a:extLst>
-              <a:ext uri="{FF2B5EF4-FFF2-40B4-BE49-F238E27FC236}">
-                <a16:creationId xmlns:a16="http://schemas.microsoft.com/office/drawing/2014/main" id="{7ABBFEB6-7591-EE43-962B-3E287339DBF4}"/>
-              </a:ext>
-            </a:extLst>
-          </p:cNvPr>
-          <p:cNvPicPr>
-            <a:picLocks noChangeAspect="1"/>
-          </p:cNvPicPr>
-          <p:nvPr/>
-        </p:nvPicPr>
-        <p:blipFill>
-          <a:blip r:embed="rId6"/>
-          <a:stretch>
-            <a:fillRect/>
-          </a:stretch>
-        </p:blipFill>
-        <p:spPr>
-          <a:xfrm>
-            <a:off x="8483669" y="1745361"/>
-            <a:ext cx="2128800" cy="720000"/>
-          </a:xfrm>
-          <a:prstGeom prst="rect">
-            <a:avLst/>
-          </a:prstGeom>
-        </p:spPr>
-      </p:pic>
-      <p:pic>
-        <p:nvPicPr>
-          <p:cNvPr id="10" name="Grafik 9">
-            <a:extLst>
-              <a:ext uri="{FF2B5EF4-FFF2-40B4-BE49-F238E27FC236}">
-                <a16:creationId xmlns:a16="http://schemas.microsoft.com/office/drawing/2014/main" id="{3B951BB3-463B-0549-BCA6-A511DCE58114}"/>
-              </a:ext>
-            </a:extLst>
-          </p:cNvPr>
-          <p:cNvPicPr>
-            <a:picLocks noChangeAspect="1"/>
-          </p:cNvPicPr>
-          <p:nvPr/>
-        </p:nvPicPr>
-        <p:blipFill>
-          <a:blip r:embed="rId7"/>
-          <a:stretch>
-            <a:fillRect/>
-          </a:stretch>
-        </p:blipFill>
-        <p:spPr>
-          <a:xfrm>
-            <a:off x="2120011" y="3146724"/>
-            <a:ext cx="2048276" cy="720000"/>
-          </a:xfrm>
-          <a:prstGeom prst="rect">
-            <a:avLst/>
-          </a:prstGeom>
-        </p:spPr>
-      </p:pic>
     </p:spTree>
     <p:extLst>
       <p:ext uri="{BB962C8B-B14F-4D97-AF65-F5344CB8AC3E}">
@@ -10191,434 +9141,6 @@
 </file>
 
 <file path=ppt/slides/slide4.xml><?xml version="1.0" encoding="utf-8"?>
-<p:sld xmlns:a="http://schemas.openxmlformats.org/drawingml/2006/main" xmlns:r="http://schemas.openxmlformats.org/officeDocument/2006/relationships" xmlns:p="http://schemas.openxmlformats.org/presentationml/2006/main">
-  <p:cSld>
-    <p:spTree>
-      <p:nvGrpSpPr>
-        <p:cNvPr id="1" name=""/>
-        <p:cNvGrpSpPr/>
-        <p:nvPr/>
-      </p:nvGrpSpPr>
-      <p:grpSpPr>
-        <a:xfrm>
-          <a:off x="0" y="0"/>
-          <a:ext cx="0" cy="0"/>
-          <a:chOff x="0" y="0"/>
-          <a:chExt cx="0" cy="0"/>
-        </a:xfrm>
-      </p:grpSpPr>
-      <p:pic>
-        <p:nvPicPr>
-          <p:cNvPr id="4" name="Grafik 3">
-            <a:extLst>
-              <a:ext uri="{FF2B5EF4-FFF2-40B4-BE49-F238E27FC236}">
-                <a16:creationId xmlns:a16="http://schemas.microsoft.com/office/drawing/2014/main" id="{1AA7F025-7BFD-9F4A-9838-0BE56757A728}"/>
-              </a:ext>
-            </a:extLst>
-          </p:cNvPr>
-          <p:cNvPicPr/>
-          <p:nvPr/>
-        </p:nvPicPr>
-        <p:blipFill rotWithShape="1">
-          <a:blip r:embed="rId2">
-            <a:extLst>
-              <a:ext uri="{28A0092B-C50C-407E-A947-70E740481C1C}">
-                <a14:useLocalDpi xmlns:a14="http://schemas.microsoft.com/office/drawing/2010/main" val="0"/>
-              </a:ext>
-            </a:extLst>
-          </a:blip>
-          <a:srcRect t="40242" b="21725"/>
-          <a:stretch/>
-        </p:blipFill>
-        <p:spPr bwMode="auto">
-          <a:xfrm>
-            <a:off x="5814294" y="2049891"/>
-            <a:ext cx="2503805" cy="540000"/>
-          </a:xfrm>
-          <a:prstGeom prst="rect">
-            <a:avLst/>
-          </a:prstGeom>
-          <a:ln>
-            <a:noFill/>
-          </a:ln>
-          <a:extLst>
-            <a:ext uri="{53640926-AAD7-44D8-BBD7-CCE9431645EC}">
-              <a14:shadowObscured xmlns:a14="http://schemas.microsoft.com/office/drawing/2010/main"/>
-            </a:ext>
-          </a:extLst>
-        </p:spPr>
-      </p:pic>
-      <p:pic>
-        <p:nvPicPr>
-          <p:cNvPr id="12" name="Grafik 11">
-            <a:extLst>
-              <a:ext uri="{FF2B5EF4-FFF2-40B4-BE49-F238E27FC236}">
-                <a16:creationId xmlns:a16="http://schemas.microsoft.com/office/drawing/2014/main" id="{A747FA4D-F13E-A048-B070-FA2FAEEEC764}"/>
-              </a:ext>
-            </a:extLst>
-          </p:cNvPr>
-          <p:cNvPicPr>
-            <a:picLocks noChangeAspect="1"/>
-          </p:cNvPicPr>
-          <p:nvPr/>
-        </p:nvPicPr>
-        <p:blipFill rotWithShape="1">
-          <a:blip r:embed="rId3"/>
-          <a:srcRect l="-1" r="-5"/>
-          <a:stretch/>
-        </p:blipFill>
-        <p:spPr>
-          <a:xfrm>
-            <a:off x="3930095" y="5743445"/>
-            <a:ext cx="2718584" cy="720000"/>
-          </a:xfrm>
-          <a:prstGeom prst="rect">
-            <a:avLst/>
-          </a:prstGeom>
-        </p:spPr>
-      </p:pic>
-      <p:cxnSp>
-        <p:nvCxnSpPr>
-          <p:cNvPr id="17" name="Gerade Verbindung mit Pfeil 16">
-            <a:extLst>
-              <a:ext uri="{FF2B5EF4-FFF2-40B4-BE49-F238E27FC236}">
-                <a16:creationId xmlns:a16="http://schemas.microsoft.com/office/drawing/2014/main" id="{6AAADAB5-5FE9-9949-8524-26BAC0B8820A}"/>
-              </a:ext>
-            </a:extLst>
-          </p:cNvPr>
-          <p:cNvCxnSpPr>
-            <a:cxnSpLocks/>
-          </p:cNvCxnSpPr>
-          <p:nvPr/>
-        </p:nvCxnSpPr>
-        <p:spPr>
-          <a:xfrm>
-            <a:off x="7229770" y="2589173"/>
-            <a:ext cx="0" cy="562332"/>
-          </a:xfrm>
-          <a:prstGeom prst="straightConnector1">
-            <a:avLst/>
-          </a:prstGeom>
-          <a:ln w="57150">
-            <a:headEnd type="triangle"/>
-            <a:tailEnd type="triangle"/>
-          </a:ln>
-        </p:spPr>
-        <p:style>
-          <a:lnRef idx="1">
-            <a:schemeClr val="accent3"/>
-          </a:lnRef>
-          <a:fillRef idx="0">
-            <a:schemeClr val="accent3"/>
-          </a:fillRef>
-          <a:effectRef idx="0">
-            <a:schemeClr val="accent3"/>
-          </a:effectRef>
-          <a:fontRef idx="minor">
-            <a:schemeClr val="tx1"/>
-          </a:fontRef>
-        </p:style>
-      </p:cxnSp>
-      <p:cxnSp>
-        <p:nvCxnSpPr>
-          <p:cNvPr id="15" name="Gerade Verbindung mit Pfeil 14">
-            <a:extLst>
-              <a:ext uri="{FF2B5EF4-FFF2-40B4-BE49-F238E27FC236}">
-                <a16:creationId xmlns:a16="http://schemas.microsoft.com/office/drawing/2014/main" id="{6C5F171D-7D2D-D74A-AD93-259640A0F9F8}"/>
-              </a:ext>
-            </a:extLst>
-          </p:cNvPr>
-          <p:cNvCxnSpPr>
-            <a:cxnSpLocks/>
-          </p:cNvCxnSpPr>
-          <p:nvPr/>
-        </p:nvCxnSpPr>
-        <p:spPr>
-          <a:xfrm flipV="1">
-            <a:off x="8049142" y="1440540"/>
-            <a:ext cx="324845" cy="540000"/>
-          </a:xfrm>
-          <a:prstGeom prst="straightConnector1">
-            <a:avLst/>
-          </a:prstGeom>
-          <a:ln w="57150">
-            <a:tailEnd type="triangle"/>
-          </a:ln>
-        </p:spPr>
-        <p:style>
-          <a:lnRef idx="1">
-            <a:schemeClr val="accent3"/>
-          </a:lnRef>
-          <a:fillRef idx="0">
-            <a:schemeClr val="accent3"/>
-          </a:fillRef>
-          <a:effectRef idx="0">
-            <a:schemeClr val="accent3"/>
-          </a:effectRef>
-          <a:fontRef idx="minor">
-            <a:schemeClr val="tx1"/>
-          </a:fontRef>
-        </p:style>
-      </p:cxnSp>
-      <p:pic>
-        <p:nvPicPr>
-          <p:cNvPr id="19" name="Grafik 18">
-            <a:extLst>
-              <a:ext uri="{FF2B5EF4-FFF2-40B4-BE49-F238E27FC236}">
-                <a16:creationId xmlns:a16="http://schemas.microsoft.com/office/drawing/2014/main" id="{AB8D3771-CEB2-E841-835D-CAF20480E5AD}"/>
-              </a:ext>
-            </a:extLst>
-          </p:cNvPr>
-          <p:cNvPicPr>
-            <a:picLocks noChangeAspect="1"/>
-          </p:cNvPicPr>
-          <p:nvPr/>
-        </p:nvPicPr>
-        <p:blipFill>
-          <a:blip r:embed="rId4"/>
-          <a:stretch>
-            <a:fillRect/>
-          </a:stretch>
-        </p:blipFill>
-        <p:spPr>
-          <a:xfrm>
-            <a:off x="6067231" y="4363154"/>
-            <a:ext cx="586406" cy="720000"/>
-          </a:xfrm>
-          <a:prstGeom prst="rect">
-            <a:avLst/>
-          </a:prstGeom>
-        </p:spPr>
-      </p:pic>
-      <p:pic>
-        <p:nvPicPr>
-          <p:cNvPr id="8" name="Grafik 7">
-            <a:extLst>
-              <a:ext uri="{FF2B5EF4-FFF2-40B4-BE49-F238E27FC236}">
-                <a16:creationId xmlns:a16="http://schemas.microsoft.com/office/drawing/2014/main" id="{7ABBFEB6-7591-EE43-962B-3E287339DBF4}"/>
-              </a:ext>
-            </a:extLst>
-          </p:cNvPr>
-          <p:cNvPicPr>
-            <a:picLocks noChangeAspect="1"/>
-          </p:cNvPicPr>
-          <p:nvPr/>
-        </p:nvPicPr>
-        <p:blipFill>
-          <a:blip r:embed="rId5"/>
-          <a:stretch>
-            <a:fillRect/>
-          </a:stretch>
-        </p:blipFill>
-        <p:spPr>
-          <a:xfrm>
-            <a:off x="7871187" y="4462792"/>
-            <a:ext cx="2128800" cy="720000"/>
-          </a:xfrm>
-          <a:prstGeom prst="rect">
-            <a:avLst/>
-          </a:prstGeom>
-        </p:spPr>
-      </p:pic>
-      <p:pic>
-        <p:nvPicPr>
-          <p:cNvPr id="11" name="Grafik 10">
-            <a:extLst>
-              <a:ext uri="{FF2B5EF4-FFF2-40B4-BE49-F238E27FC236}">
-                <a16:creationId xmlns:a16="http://schemas.microsoft.com/office/drawing/2014/main" id="{F0ACF9BB-DCF8-D040-A8E4-B2759ED56F79}"/>
-              </a:ext>
-            </a:extLst>
-          </p:cNvPr>
-          <p:cNvPicPr>
-            <a:picLocks noChangeAspect="1"/>
-          </p:cNvPicPr>
-          <p:nvPr/>
-        </p:nvPicPr>
-        <p:blipFill>
-          <a:blip r:embed="rId6"/>
-          <a:stretch>
-            <a:fillRect/>
-          </a:stretch>
-        </p:blipFill>
-        <p:spPr>
-          <a:xfrm>
-            <a:off x="8049142" y="663912"/>
-            <a:ext cx="1123200" cy="720000"/>
-          </a:xfrm>
-          <a:prstGeom prst="rect">
-            <a:avLst/>
-          </a:prstGeom>
-        </p:spPr>
-      </p:pic>
-      <p:pic>
-        <p:nvPicPr>
-          <p:cNvPr id="18" name="Grafik 17">
-            <a:extLst>
-              <a:ext uri="{FF2B5EF4-FFF2-40B4-BE49-F238E27FC236}">
-                <a16:creationId xmlns:a16="http://schemas.microsoft.com/office/drawing/2014/main" id="{2FFEDF55-1C45-B94B-882D-53A53E85428F}"/>
-              </a:ext>
-            </a:extLst>
-          </p:cNvPr>
-          <p:cNvPicPr>
-            <a:picLocks noChangeAspect="1"/>
-          </p:cNvPicPr>
-          <p:nvPr/>
-        </p:nvPicPr>
-        <p:blipFill>
-          <a:blip r:embed="rId7"/>
-          <a:stretch>
-            <a:fillRect/>
-          </a:stretch>
-        </p:blipFill>
-        <p:spPr>
-          <a:xfrm>
-            <a:off x="5884485" y="2870339"/>
-            <a:ext cx="2306165" cy="720000"/>
-          </a:xfrm>
-          <a:prstGeom prst="rect">
-            <a:avLst/>
-          </a:prstGeom>
-        </p:spPr>
-      </p:pic>
-      <p:cxnSp>
-        <p:nvCxnSpPr>
-          <p:cNvPr id="23" name="Gerade Verbindung mit Pfeil 22">
-            <a:extLst>
-              <a:ext uri="{FF2B5EF4-FFF2-40B4-BE49-F238E27FC236}">
-                <a16:creationId xmlns:a16="http://schemas.microsoft.com/office/drawing/2014/main" id="{2180754F-C9BC-DC4D-ACD4-EC61FA223620}"/>
-              </a:ext>
-            </a:extLst>
-          </p:cNvPr>
-          <p:cNvCxnSpPr>
-            <a:cxnSpLocks/>
-          </p:cNvCxnSpPr>
-          <p:nvPr/>
-        </p:nvCxnSpPr>
-        <p:spPr>
-          <a:xfrm flipH="1">
-            <a:off x="6380798" y="3590339"/>
-            <a:ext cx="416659" cy="720000"/>
-          </a:xfrm>
-          <a:prstGeom prst="straightConnector1">
-            <a:avLst/>
-          </a:prstGeom>
-          <a:ln w="57150">
-            <a:headEnd type="triangle"/>
-            <a:tailEnd type="triangle"/>
-          </a:ln>
-        </p:spPr>
-        <p:style>
-          <a:lnRef idx="1">
-            <a:schemeClr val="accent3"/>
-          </a:lnRef>
-          <a:fillRef idx="0">
-            <a:schemeClr val="accent3"/>
-          </a:fillRef>
-          <a:effectRef idx="0">
-            <a:schemeClr val="accent3"/>
-          </a:effectRef>
-          <a:fontRef idx="minor">
-            <a:schemeClr val="tx1"/>
-          </a:fontRef>
-        </p:style>
-      </p:cxnSp>
-      <p:cxnSp>
-        <p:nvCxnSpPr>
-          <p:cNvPr id="24" name="Gerade Verbindung mit Pfeil 23">
-            <a:extLst>
-              <a:ext uri="{FF2B5EF4-FFF2-40B4-BE49-F238E27FC236}">
-                <a16:creationId xmlns:a16="http://schemas.microsoft.com/office/drawing/2014/main" id="{83BB2A1A-F30B-4C49-B290-F07411C649DF}"/>
-              </a:ext>
-            </a:extLst>
-          </p:cNvPr>
-          <p:cNvCxnSpPr>
-            <a:cxnSpLocks/>
-          </p:cNvCxnSpPr>
-          <p:nvPr/>
-        </p:nvCxnSpPr>
-        <p:spPr>
-          <a:xfrm flipH="1" flipV="1">
-            <a:off x="7710430" y="3565681"/>
-            <a:ext cx="480220" cy="720000"/>
-          </a:xfrm>
-          <a:prstGeom prst="straightConnector1">
-            <a:avLst/>
-          </a:prstGeom>
-          <a:ln w="57150">
-            <a:headEnd type="triangle"/>
-            <a:tailEnd type="triangle"/>
-          </a:ln>
-        </p:spPr>
-        <p:style>
-          <a:lnRef idx="1">
-            <a:schemeClr val="accent3"/>
-          </a:lnRef>
-          <a:fillRef idx="0">
-            <a:schemeClr val="accent3"/>
-          </a:fillRef>
-          <a:effectRef idx="0">
-            <a:schemeClr val="accent3"/>
-          </a:effectRef>
-          <a:fontRef idx="minor">
-            <a:schemeClr val="tx1"/>
-          </a:fontRef>
-        </p:style>
-      </p:cxnSp>
-      <p:cxnSp>
-        <p:nvCxnSpPr>
-          <p:cNvPr id="31" name="Gerade Verbindung mit Pfeil 30">
-            <a:extLst>
-              <a:ext uri="{FF2B5EF4-FFF2-40B4-BE49-F238E27FC236}">
-                <a16:creationId xmlns:a16="http://schemas.microsoft.com/office/drawing/2014/main" id="{9429C012-F1C1-DE40-B980-536832E07B63}"/>
-              </a:ext>
-            </a:extLst>
-          </p:cNvPr>
-          <p:cNvCxnSpPr>
-            <a:cxnSpLocks/>
-          </p:cNvCxnSpPr>
-          <p:nvPr/>
-        </p:nvCxnSpPr>
-        <p:spPr>
-          <a:xfrm flipH="1">
-            <a:off x="5673947" y="5182792"/>
-            <a:ext cx="352651" cy="540000"/>
-          </a:xfrm>
-          <a:prstGeom prst="straightConnector1">
-            <a:avLst/>
-          </a:prstGeom>
-          <a:ln w="57150">
-            <a:tailEnd type="triangle"/>
-          </a:ln>
-        </p:spPr>
-        <p:style>
-          <a:lnRef idx="1">
-            <a:schemeClr val="accent3"/>
-          </a:lnRef>
-          <a:fillRef idx="0">
-            <a:schemeClr val="accent3"/>
-          </a:fillRef>
-          <a:effectRef idx="0">
-            <a:schemeClr val="accent3"/>
-          </a:effectRef>
-          <a:fontRef idx="minor">
-            <a:schemeClr val="tx1"/>
-          </a:fontRef>
-        </p:style>
-      </p:cxnSp>
-    </p:spTree>
-    <p:extLst>
-      <p:ext uri="{BB962C8B-B14F-4D97-AF65-F5344CB8AC3E}">
-        <p14:creationId xmlns:p14="http://schemas.microsoft.com/office/powerpoint/2010/main" val="2311278061"/>
-      </p:ext>
-    </p:extLst>
-  </p:cSld>
-  <p:clrMapOvr>
-    <a:masterClrMapping/>
-  </p:clrMapOvr>
-</p:sld>
-</file>
-
-<file path=ppt/slides/slide5.xml><?xml version="1.0" encoding="utf-8"?>
 <p:sld xmlns:a="http://schemas.openxmlformats.org/drawingml/2006/main" xmlns:r="http://schemas.openxmlformats.org/officeDocument/2006/relationships" xmlns:p="http://schemas.openxmlformats.org/presentationml/2006/main">
   <p:cSld>
     <p:spTree>
@@ -12642,7 +11164,7 @@
 </p:sld>
 </file>
 
-<file path=ppt/slides/slide6.xml><?xml version="1.0" encoding="utf-8"?>
+<file path=ppt/slides/slide5.xml><?xml version="1.0" encoding="utf-8"?>
 <p:sld xmlns:a="http://schemas.openxmlformats.org/drawingml/2006/main" xmlns:r="http://schemas.openxmlformats.org/officeDocument/2006/relationships" xmlns:p="http://schemas.openxmlformats.org/presentationml/2006/main">
   <p:cSld>
     <p:spTree>

--- a/documentation/Grafiken_16052019.pptx
+++ b/documentation/Grafiken_16052019.pptx
@@ -5,15 +5,18 @@
     <p:sldMasterId id="2147483648" r:id="rId1"/>
   </p:sldMasterIdLst>
   <p:notesMasterIdLst>
-    <p:notesMasterId r:id="rId8"/>
+    <p:notesMasterId r:id="rId11"/>
   </p:notesMasterIdLst>
   <p:sldIdLst>
     <p:sldId id="257" r:id="rId2"/>
     <p:sldId id="263" r:id="rId3"/>
     <p:sldId id="259" r:id="rId4"/>
-    <p:sldId id="264" r:id="rId5"/>
-    <p:sldId id="258" r:id="rId6"/>
-    <p:sldId id="262" r:id="rId7"/>
+    <p:sldId id="267" r:id="rId5"/>
+    <p:sldId id="264" r:id="rId6"/>
+    <p:sldId id="265" r:id="rId7"/>
+    <p:sldId id="266" r:id="rId8"/>
+    <p:sldId id="258" r:id="rId9"/>
+    <p:sldId id="262" r:id="rId10"/>
   </p:sldIdLst>
   <p:sldSz cx="12192000" cy="6858000"/>
   <p:notesSz cx="6858000" cy="9144000"/>
@@ -3393,7 +3396,7 @@
           <a:p>
             <a:fld id="{7CE7E9C1-CE1C-4C43-946E-C917C4E46334}" type="datetimeFigureOut">
               <a:rPr lang="en-US" smtClean="0"/>
-              <a:t>5/30/19</a:t>
+              <a:t>5/31/19</a:t>
             </a:fld>
             <a:endParaRPr lang="en-US"/>
           </a:p>
@@ -3894,7 +3897,7 @@
           <a:p>
             <a:fld id="{AD2C9B26-65F8-44E2-9882-3A09398C32A6}" type="slidenum">
               <a:rPr lang="en-US" smtClean="0"/>
-              <a:t>5</a:t>
+              <a:t>8</a:t>
             </a:fld>
             <a:endParaRPr lang="en-US"/>
           </a:p>
@@ -3978,7 +3981,7 @@
           <a:p>
             <a:fld id="{AD2C9B26-65F8-44E2-9882-3A09398C32A6}" type="slidenum">
               <a:rPr lang="en-US" smtClean="0"/>
-              <a:t>6</a:t>
+              <a:t>9</a:t>
             </a:fld>
             <a:endParaRPr lang="en-US"/>
           </a:p>
@@ -4144,7 +4147,7 @@
           <a:p>
             <a:fld id="{E89DD1B1-51C8-204C-AAB9-6B8AD2C68C1D}" type="datetimeFigureOut">
               <a:rPr lang="de-DE" smtClean="0"/>
-              <a:t>30.05.19</a:t>
+              <a:t>31.05.19</a:t>
             </a:fld>
             <a:endParaRPr lang="de-DE"/>
           </a:p>
@@ -4317,7 +4320,7 @@
           <a:p>
             <a:fld id="{E89DD1B1-51C8-204C-AAB9-6B8AD2C68C1D}" type="datetimeFigureOut">
               <a:rPr lang="de-DE" smtClean="0"/>
-              <a:t>30.05.19</a:t>
+              <a:t>31.05.19</a:t>
             </a:fld>
             <a:endParaRPr lang="de-DE"/>
           </a:p>
@@ -4500,7 +4503,7 @@
           <a:p>
             <a:fld id="{E89DD1B1-51C8-204C-AAB9-6B8AD2C68C1D}" type="datetimeFigureOut">
               <a:rPr lang="de-DE" smtClean="0"/>
-              <a:t>30.05.19</a:t>
+              <a:t>31.05.19</a:t>
             </a:fld>
             <a:endParaRPr lang="de-DE"/>
           </a:p>
@@ -4673,7 +4676,7 @@
           <a:p>
             <a:fld id="{E89DD1B1-51C8-204C-AAB9-6B8AD2C68C1D}" type="datetimeFigureOut">
               <a:rPr lang="de-DE" smtClean="0"/>
-              <a:t>30.05.19</a:t>
+              <a:t>31.05.19</a:t>
             </a:fld>
             <a:endParaRPr lang="de-DE"/>
           </a:p>
@@ -4951,7 +4954,7 @@
           <a:p>
             <a:fld id="{E89DD1B1-51C8-204C-AAB9-6B8AD2C68C1D}" type="datetimeFigureOut">
               <a:rPr lang="de-DE" smtClean="0"/>
-              <a:t>30.05.19</a:t>
+              <a:t>31.05.19</a:t>
             </a:fld>
             <a:endParaRPr lang="de-DE"/>
           </a:p>
@@ -5166,7 +5169,7 @@
           <a:p>
             <a:fld id="{E89DD1B1-51C8-204C-AAB9-6B8AD2C68C1D}" type="datetimeFigureOut">
               <a:rPr lang="de-DE" smtClean="0"/>
-              <a:t>30.05.19</a:t>
+              <a:t>31.05.19</a:t>
             </a:fld>
             <a:endParaRPr lang="de-DE"/>
           </a:p>
@@ -5534,7 +5537,7 @@
           <a:p>
             <a:fld id="{E89DD1B1-51C8-204C-AAB9-6B8AD2C68C1D}" type="datetimeFigureOut">
               <a:rPr lang="de-DE" smtClean="0"/>
-              <a:t>30.05.19</a:t>
+              <a:t>31.05.19</a:t>
             </a:fld>
             <a:endParaRPr lang="de-DE"/>
           </a:p>
@@ -5675,7 +5678,7 @@
           <a:p>
             <a:fld id="{E89DD1B1-51C8-204C-AAB9-6B8AD2C68C1D}" type="datetimeFigureOut">
               <a:rPr lang="de-DE" smtClean="0"/>
-              <a:t>30.05.19</a:t>
+              <a:t>31.05.19</a:t>
             </a:fld>
             <a:endParaRPr lang="de-DE"/>
           </a:p>
@@ -5788,7 +5791,7 @@
           <a:p>
             <a:fld id="{E89DD1B1-51C8-204C-AAB9-6B8AD2C68C1D}" type="datetimeFigureOut">
               <a:rPr lang="de-DE" smtClean="0"/>
-              <a:t>30.05.19</a:t>
+              <a:t>31.05.19</a:t>
             </a:fld>
             <a:endParaRPr lang="de-DE"/>
           </a:p>
@@ -6077,7 +6080,7 @@
           <a:p>
             <a:fld id="{E89DD1B1-51C8-204C-AAB9-6B8AD2C68C1D}" type="datetimeFigureOut">
               <a:rPr lang="de-DE" smtClean="0"/>
-              <a:t>30.05.19</a:t>
+              <a:t>31.05.19</a:t>
             </a:fld>
             <a:endParaRPr lang="de-DE"/>
           </a:p>
@@ -6368,7 +6371,7 @@
           <a:p>
             <a:fld id="{E89DD1B1-51C8-204C-AAB9-6B8AD2C68C1D}" type="datetimeFigureOut">
               <a:rPr lang="de-DE" smtClean="0"/>
-              <a:t>30.05.19</a:t>
+              <a:t>31.05.19</a:t>
             </a:fld>
             <a:endParaRPr lang="de-DE"/>
           </a:p>
@@ -6584,7 +6587,7 @@
           <a:p>
             <a:fld id="{E89DD1B1-51C8-204C-AAB9-6B8AD2C68C1D}" type="datetimeFigureOut">
               <a:rPr lang="de-DE" smtClean="0"/>
-              <a:t>30.05.19</a:t>
+              <a:t>31.05.19</a:t>
             </a:fld>
             <a:endParaRPr lang="de-DE"/>
           </a:p>
@@ -10209,18 +10212,21 @@
       </p:grpSpPr>
       <p:pic>
         <p:nvPicPr>
-          <p:cNvPr id="4" name="Grafik 3">
+          <p:cNvPr id="2" name="Grafik 1">
             <a:extLst>
               <a:ext uri="{FF2B5EF4-FFF2-40B4-BE49-F238E27FC236}">
-                <a16:creationId xmlns:a16="http://schemas.microsoft.com/office/drawing/2014/main" id="{1AA7F025-7BFD-9F4A-9838-0BE56757A728}"/>
+                <a16:creationId xmlns:a16="http://schemas.microsoft.com/office/drawing/2014/main" id="{799BEFCA-4C8F-1749-94B6-C61A1A1E8269}"/>
               </a:ext>
             </a:extLst>
           </p:cNvPr>
-          <p:cNvPicPr/>
+          <p:cNvPicPr>
+            <a:picLocks noChangeAspect="1"/>
+          </p:cNvPicPr>
           <p:nvPr/>
         </p:nvPicPr>
         <p:blipFill rotWithShape="1">
           <a:blip r:embed="rId2">
+            <a:grayscl/>
             <a:extLst>
               <a:ext uri="{28A0092B-C50C-407E-A947-70E740481C1C}">
                 <a14:useLocalDpi xmlns:a14="http://schemas.microsoft.com/office/drawing/2010/main" val="0"/>
@@ -10232,8 +10238,501 @@
         </p:blipFill>
         <p:spPr bwMode="auto">
           <a:xfrm>
-            <a:off x="5814294" y="2049891"/>
-            <a:ext cx="2503805" cy="540000"/>
+            <a:off x="6463716" y="2239888"/>
+            <a:ext cx="1335364" cy="288000"/>
+          </a:xfrm>
+          <a:prstGeom prst="rect">
+            <a:avLst/>
+          </a:prstGeom>
+          <a:ln>
+            <a:noFill/>
+          </a:ln>
+          <a:extLst>
+            <a:ext uri="{53640926-AAD7-44D8-BBD7-CCE9431645EC}">
+              <a14:shadowObscured xmlns:a14="http://schemas.microsoft.com/office/drawing/2010/main"/>
+            </a:ext>
+          </a:extLst>
+        </p:spPr>
+      </p:pic>
+      <p:cxnSp>
+        <p:nvCxnSpPr>
+          <p:cNvPr id="3" name="Gerade Verbindung mit Pfeil 2">
+            <a:extLst>
+              <a:ext uri="{FF2B5EF4-FFF2-40B4-BE49-F238E27FC236}">
+                <a16:creationId xmlns:a16="http://schemas.microsoft.com/office/drawing/2014/main" id="{6B7C94E2-CBD8-9C4E-A01F-06B3CF629A4E}"/>
+              </a:ext>
+            </a:extLst>
+          </p:cNvPr>
+          <p:cNvCxnSpPr>
+            <a:cxnSpLocks/>
+          </p:cNvCxnSpPr>
+          <p:nvPr/>
+        </p:nvCxnSpPr>
+        <p:spPr>
+          <a:xfrm>
+            <a:off x="7229770" y="2589173"/>
+            <a:ext cx="0" cy="443166"/>
+          </a:xfrm>
+          <a:prstGeom prst="straightConnector1">
+            <a:avLst/>
+          </a:prstGeom>
+          <a:ln w="57150">
+            <a:headEnd type="triangle"/>
+            <a:tailEnd type="triangle"/>
+          </a:ln>
+        </p:spPr>
+        <p:style>
+          <a:lnRef idx="1">
+            <a:schemeClr val="accent3"/>
+          </a:lnRef>
+          <a:fillRef idx="0">
+            <a:schemeClr val="accent3"/>
+          </a:fillRef>
+          <a:effectRef idx="0">
+            <a:schemeClr val="accent3"/>
+          </a:effectRef>
+          <a:fontRef idx="minor">
+            <a:schemeClr val="tx1"/>
+          </a:fontRef>
+        </p:style>
+      </p:cxnSp>
+      <p:cxnSp>
+        <p:nvCxnSpPr>
+          <p:cNvPr id="4" name="Gerade Verbindung mit Pfeil 3">
+            <a:extLst>
+              <a:ext uri="{FF2B5EF4-FFF2-40B4-BE49-F238E27FC236}">
+                <a16:creationId xmlns:a16="http://schemas.microsoft.com/office/drawing/2014/main" id="{2F29DF6C-4621-294D-B935-BB4AA0DBB611}"/>
+              </a:ext>
+            </a:extLst>
+          </p:cNvPr>
+          <p:cNvCxnSpPr>
+            <a:cxnSpLocks/>
+          </p:cNvCxnSpPr>
+          <p:nvPr/>
+        </p:nvCxnSpPr>
+        <p:spPr>
+          <a:xfrm flipV="1">
+            <a:off x="7715252" y="1843997"/>
+            <a:ext cx="230400" cy="360000"/>
+          </a:xfrm>
+          <a:prstGeom prst="straightConnector1">
+            <a:avLst/>
+          </a:prstGeom>
+          <a:ln w="57150">
+            <a:tailEnd type="triangle"/>
+          </a:ln>
+        </p:spPr>
+        <p:style>
+          <a:lnRef idx="1">
+            <a:schemeClr val="accent3"/>
+          </a:lnRef>
+          <a:fillRef idx="0">
+            <a:schemeClr val="accent3"/>
+          </a:fillRef>
+          <a:effectRef idx="0">
+            <a:schemeClr val="accent3"/>
+          </a:effectRef>
+          <a:fontRef idx="minor">
+            <a:schemeClr val="tx1"/>
+          </a:fontRef>
+        </p:style>
+      </p:cxnSp>
+      <p:pic>
+        <p:nvPicPr>
+          <p:cNvPr id="5" name="Grafik 4">
+            <a:extLst>
+              <a:ext uri="{FF2B5EF4-FFF2-40B4-BE49-F238E27FC236}">
+                <a16:creationId xmlns:a16="http://schemas.microsoft.com/office/drawing/2014/main" id="{9DAAEBFA-1C50-1446-9521-E2615FCD8D09}"/>
+              </a:ext>
+            </a:extLst>
+          </p:cNvPr>
+          <p:cNvPicPr>
+            <a:picLocks noChangeAspect="1"/>
+          </p:cNvPicPr>
+          <p:nvPr/>
+        </p:nvPicPr>
+        <p:blipFill>
+          <a:blip r:embed="rId3">
+            <a:grayscl/>
+            <a:extLst>
+              <a:ext uri="{BEBA8EAE-BF5A-486C-A8C5-ECC9F3942E4B}">
+                <a14:imgProps xmlns:a14="http://schemas.microsoft.com/office/drawing/2010/main">
+                  <a14:imgLayer>
+                    <a14:imgEffect>
+                      <a14:brightnessContrast bright="20000"/>
+                    </a14:imgEffect>
+                  </a14:imgLayer>
+                </a14:imgProps>
+              </a:ext>
+            </a:extLst>
+          </a:blip>
+          <a:stretch>
+            <a:fillRect/>
+          </a:stretch>
+        </p:blipFill>
+        <p:spPr>
+          <a:xfrm>
+            <a:off x="7866142" y="1493120"/>
+            <a:ext cx="505440" cy="324000"/>
+          </a:xfrm>
+          <a:prstGeom prst="rect">
+            <a:avLst/>
+          </a:prstGeom>
+        </p:spPr>
+      </p:pic>
+      <p:cxnSp>
+        <p:nvCxnSpPr>
+          <p:cNvPr id="6" name="Gerade Verbindung mit Pfeil 5">
+            <a:extLst>
+              <a:ext uri="{FF2B5EF4-FFF2-40B4-BE49-F238E27FC236}">
+                <a16:creationId xmlns:a16="http://schemas.microsoft.com/office/drawing/2014/main" id="{4430A7E8-29A5-3F48-88D4-1610C301103F}"/>
+              </a:ext>
+            </a:extLst>
+          </p:cNvPr>
+          <p:cNvCxnSpPr>
+            <a:cxnSpLocks/>
+          </p:cNvCxnSpPr>
+          <p:nvPr/>
+        </p:nvCxnSpPr>
+        <p:spPr>
+          <a:xfrm>
+            <a:off x="7229770" y="2589173"/>
+            <a:ext cx="0" cy="443166"/>
+          </a:xfrm>
+          <a:prstGeom prst="straightConnector1">
+            <a:avLst/>
+          </a:prstGeom>
+          <a:ln w="57150">
+            <a:headEnd type="triangle"/>
+            <a:tailEnd type="triangle"/>
+          </a:ln>
+        </p:spPr>
+        <p:style>
+          <a:lnRef idx="1">
+            <a:schemeClr val="accent3"/>
+          </a:lnRef>
+          <a:fillRef idx="0">
+            <a:schemeClr val="accent3"/>
+          </a:fillRef>
+          <a:effectRef idx="0">
+            <a:schemeClr val="accent3"/>
+          </a:effectRef>
+          <a:fontRef idx="minor">
+            <a:schemeClr val="tx1"/>
+          </a:fontRef>
+        </p:style>
+      </p:cxnSp>
+      <p:pic>
+        <p:nvPicPr>
+          <p:cNvPr id="7" name="Grafik 6">
+            <a:extLst>
+              <a:ext uri="{FF2B5EF4-FFF2-40B4-BE49-F238E27FC236}">
+                <a16:creationId xmlns:a16="http://schemas.microsoft.com/office/drawing/2014/main" id="{9317BAF9-88F2-DD44-B4CB-1217B16D0B2B}"/>
+              </a:ext>
+            </a:extLst>
+          </p:cNvPr>
+          <p:cNvPicPr>
+            <a:picLocks noChangeAspect="1"/>
+          </p:cNvPicPr>
+          <p:nvPr/>
+        </p:nvPicPr>
+        <p:blipFill>
+          <a:blip r:embed="rId4">
+            <a:grayscl/>
+          </a:blip>
+          <a:stretch>
+            <a:fillRect/>
+          </a:stretch>
+        </p:blipFill>
+        <p:spPr>
+          <a:xfrm>
+            <a:off x="6511385" y="3724341"/>
+            <a:ext cx="263885" cy="324000"/>
+          </a:xfrm>
+          <a:prstGeom prst="rect">
+            <a:avLst/>
+          </a:prstGeom>
+        </p:spPr>
+      </p:pic>
+      <p:pic>
+        <p:nvPicPr>
+          <p:cNvPr id="8" name="Grafik 7">
+            <a:extLst>
+              <a:ext uri="{FF2B5EF4-FFF2-40B4-BE49-F238E27FC236}">
+                <a16:creationId xmlns:a16="http://schemas.microsoft.com/office/drawing/2014/main" id="{2E454F75-7956-C740-812E-43883BCE38DA}"/>
+              </a:ext>
+            </a:extLst>
+          </p:cNvPr>
+          <p:cNvPicPr>
+            <a:picLocks noChangeAspect="1"/>
+          </p:cNvPicPr>
+          <p:nvPr/>
+        </p:nvPicPr>
+        <p:blipFill>
+          <a:blip r:embed="rId5">
+            <a:grayscl/>
+          </a:blip>
+          <a:stretch>
+            <a:fillRect/>
+          </a:stretch>
+        </p:blipFill>
+        <p:spPr>
+          <a:xfrm>
+            <a:off x="7360139" y="3724341"/>
+            <a:ext cx="957960" cy="324000"/>
+          </a:xfrm>
+          <a:prstGeom prst="rect">
+            <a:avLst/>
+          </a:prstGeom>
+        </p:spPr>
+      </p:pic>
+      <p:pic>
+        <p:nvPicPr>
+          <p:cNvPr id="9" name="Grafik 8">
+            <a:extLst>
+              <a:ext uri="{FF2B5EF4-FFF2-40B4-BE49-F238E27FC236}">
+                <a16:creationId xmlns:a16="http://schemas.microsoft.com/office/drawing/2014/main" id="{FF4595E0-FE0B-0644-8DB0-F1D626DE2AB7}"/>
+              </a:ext>
+            </a:extLst>
+          </p:cNvPr>
+          <p:cNvPicPr>
+            <a:picLocks noChangeAspect="1"/>
+          </p:cNvPicPr>
+          <p:nvPr/>
+        </p:nvPicPr>
+        <p:blipFill>
+          <a:blip r:embed="rId6">
+            <a:grayscl/>
+          </a:blip>
+          <a:stretch>
+            <a:fillRect/>
+          </a:stretch>
+        </p:blipFill>
+        <p:spPr>
+          <a:xfrm>
+            <a:off x="6643328" y="2928115"/>
+            <a:ext cx="1037777" cy="324000"/>
+          </a:xfrm>
+          <a:prstGeom prst="rect">
+            <a:avLst/>
+          </a:prstGeom>
+        </p:spPr>
+      </p:pic>
+      <p:cxnSp>
+        <p:nvCxnSpPr>
+          <p:cNvPr id="10" name="Gerade Verbindung mit Pfeil 9">
+            <a:extLst>
+              <a:ext uri="{FF2B5EF4-FFF2-40B4-BE49-F238E27FC236}">
+                <a16:creationId xmlns:a16="http://schemas.microsoft.com/office/drawing/2014/main" id="{7B4AD9EE-1522-BC4E-B15E-E6618E866CB4}"/>
+              </a:ext>
+            </a:extLst>
+          </p:cNvPr>
+          <p:cNvCxnSpPr>
+            <a:cxnSpLocks/>
+          </p:cNvCxnSpPr>
+          <p:nvPr/>
+        </p:nvCxnSpPr>
+        <p:spPr>
+          <a:xfrm flipH="1">
+            <a:off x="6783572" y="3252115"/>
+            <a:ext cx="230827" cy="426750"/>
+          </a:xfrm>
+          <a:prstGeom prst="straightConnector1">
+            <a:avLst/>
+          </a:prstGeom>
+          <a:ln w="57150">
+            <a:headEnd type="triangle"/>
+            <a:tailEnd type="triangle"/>
+          </a:ln>
+        </p:spPr>
+        <p:style>
+          <a:lnRef idx="1">
+            <a:schemeClr val="accent3"/>
+          </a:lnRef>
+          <a:fillRef idx="0">
+            <a:schemeClr val="accent3"/>
+          </a:fillRef>
+          <a:effectRef idx="0">
+            <a:schemeClr val="accent3"/>
+          </a:effectRef>
+          <a:fontRef idx="minor">
+            <a:schemeClr val="tx1"/>
+          </a:fontRef>
+        </p:style>
+      </p:cxnSp>
+      <p:cxnSp>
+        <p:nvCxnSpPr>
+          <p:cNvPr id="11" name="Gerade Verbindung mit Pfeil 10">
+            <a:extLst>
+              <a:ext uri="{FF2B5EF4-FFF2-40B4-BE49-F238E27FC236}">
+                <a16:creationId xmlns:a16="http://schemas.microsoft.com/office/drawing/2014/main" id="{4329E44B-1F5A-2345-8B26-F31ECCB10A25}"/>
+              </a:ext>
+            </a:extLst>
+          </p:cNvPr>
+          <p:cNvCxnSpPr>
+            <a:cxnSpLocks/>
+          </p:cNvCxnSpPr>
+          <p:nvPr/>
+        </p:nvCxnSpPr>
+        <p:spPr>
+          <a:xfrm flipH="1" flipV="1">
+            <a:off x="7437895" y="3252115"/>
+            <a:ext cx="230400" cy="426750"/>
+          </a:xfrm>
+          <a:prstGeom prst="straightConnector1">
+            <a:avLst/>
+          </a:prstGeom>
+          <a:ln w="57150">
+            <a:headEnd type="triangle"/>
+            <a:tailEnd type="triangle"/>
+          </a:ln>
+        </p:spPr>
+        <p:style>
+          <a:lnRef idx="1">
+            <a:schemeClr val="accent3"/>
+          </a:lnRef>
+          <a:fillRef idx="0">
+            <a:schemeClr val="accent3"/>
+          </a:fillRef>
+          <a:effectRef idx="0">
+            <a:schemeClr val="accent3"/>
+          </a:effectRef>
+          <a:fontRef idx="minor">
+            <a:schemeClr val="tx1"/>
+          </a:fontRef>
+        </p:style>
+      </p:cxnSp>
+      <p:cxnSp>
+        <p:nvCxnSpPr>
+          <p:cNvPr id="12" name="Gerade Verbindung mit Pfeil 11">
+            <a:extLst>
+              <a:ext uri="{FF2B5EF4-FFF2-40B4-BE49-F238E27FC236}">
+                <a16:creationId xmlns:a16="http://schemas.microsoft.com/office/drawing/2014/main" id="{62BB5138-5EAE-B549-BF8C-EE35579D406A}"/>
+              </a:ext>
+            </a:extLst>
+          </p:cNvPr>
+          <p:cNvCxnSpPr>
+            <a:cxnSpLocks/>
+          </p:cNvCxnSpPr>
+          <p:nvPr/>
+        </p:nvCxnSpPr>
+        <p:spPr>
+          <a:xfrm flipH="1">
+            <a:off x="6280985" y="4048341"/>
+            <a:ext cx="230400" cy="360000"/>
+          </a:xfrm>
+          <a:prstGeom prst="straightConnector1">
+            <a:avLst/>
+          </a:prstGeom>
+          <a:ln w="57150">
+            <a:tailEnd type="triangle"/>
+          </a:ln>
+        </p:spPr>
+        <p:style>
+          <a:lnRef idx="1">
+            <a:schemeClr val="accent3"/>
+          </a:lnRef>
+          <a:fillRef idx="0">
+            <a:schemeClr val="accent3"/>
+          </a:fillRef>
+          <a:effectRef idx="0">
+            <a:schemeClr val="accent3"/>
+          </a:effectRef>
+          <a:fontRef idx="minor">
+            <a:schemeClr val="tx1"/>
+          </a:fontRef>
+        </p:style>
+      </p:cxnSp>
+      <p:pic>
+        <p:nvPicPr>
+          <p:cNvPr id="14" name="Grafik 13">
+            <a:extLst>
+              <a:ext uri="{FF2B5EF4-FFF2-40B4-BE49-F238E27FC236}">
+                <a16:creationId xmlns:a16="http://schemas.microsoft.com/office/drawing/2014/main" id="{608B9625-6F03-E143-B9C5-2267EEEF25DF}"/>
+              </a:ext>
+            </a:extLst>
+          </p:cNvPr>
+          <p:cNvPicPr>
+            <a:picLocks noChangeAspect="1"/>
+          </p:cNvPicPr>
+          <p:nvPr/>
+        </p:nvPicPr>
+        <p:blipFill>
+          <a:blip r:embed="rId7"/>
+          <a:stretch>
+            <a:fillRect/>
+          </a:stretch>
+        </p:blipFill>
+        <p:spPr>
+          <a:xfrm>
+            <a:off x="4641555" y="4372341"/>
+            <a:ext cx="2718584" cy="720000"/>
+          </a:xfrm>
+          <a:prstGeom prst="rect">
+            <a:avLst/>
+          </a:prstGeom>
+        </p:spPr>
+      </p:pic>
+    </p:spTree>
+    <p:extLst>
+      <p:ext uri="{BB962C8B-B14F-4D97-AF65-F5344CB8AC3E}">
+        <p14:creationId xmlns:p14="http://schemas.microsoft.com/office/powerpoint/2010/main" val="3549245052"/>
+      </p:ext>
+    </p:extLst>
+  </p:cSld>
+  <p:clrMapOvr>
+    <a:masterClrMapping/>
+  </p:clrMapOvr>
+</p:sld>
+</file>
+
+<file path=ppt/slides/slide5.xml><?xml version="1.0" encoding="utf-8"?>
+<p:sld xmlns:a="http://schemas.openxmlformats.org/drawingml/2006/main" xmlns:r="http://schemas.openxmlformats.org/officeDocument/2006/relationships" xmlns:p="http://schemas.openxmlformats.org/presentationml/2006/main">
+  <p:cSld>
+    <p:spTree>
+      <p:nvGrpSpPr>
+        <p:cNvPr id="1" name=""/>
+        <p:cNvGrpSpPr/>
+        <p:nvPr/>
+      </p:nvGrpSpPr>
+      <p:grpSpPr>
+        <a:xfrm>
+          <a:off x="0" y="0"/>
+          <a:ext cx="0" cy="0"/>
+          <a:chOff x="0" y="0"/>
+          <a:chExt cx="0" cy="0"/>
+        </a:xfrm>
+      </p:grpSpPr>
+      <p:pic>
+        <p:nvPicPr>
+          <p:cNvPr id="4" name="Grafik 3">
+            <a:extLst>
+              <a:ext uri="{FF2B5EF4-FFF2-40B4-BE49-F238E27FC236}">
+                <a16:creationId xmlns:a16="http://schemas.microsoft.com/office/drawing/2014/main" id="{1AA7F025-7BFD-9F4A-9838-0BE56757A728}"/>
+              </a:ext>
+            </a:extLst>
+          </p:cNvPr>
+          <p:cNvPicPr>
+            <a:picLocks noChangeAspect="1"/>
+          </p:cNvPicPr>
+          <p:nvPr/>
+        </p:nvPicPr>
+        <p:blipFill rotWithShape="1">
+          <a:blip r:embed="rId2">
+            <a:grayscl/>
+            <a:extLst>
+              <a:ext uri="{28A0092B-C50C-407E-A947-70E740481C1C}">
+                <a14:useLocalDpi xmlns:a14="http://schemas.microsoft.com/office/drawing/2010/main" val="0"/>
+              </a:ext>
+            </a:extLst>
+          </a:blip>
+          <a:srcRect t="40242" b="21725"/>
+          <a:stretch/>
+        </p:blipFill>
+        <p:spPr bwMode="auto">
+          <a:xfrm>
+            <a:off x="7038623" y="2037168"/>
+            <a:ext cx="1335364" cy="288000"/>
           </a:xfrm>
           <a:prstGeom prst="rect">
             <a:avLst/>
@@ -10263,14 +10762,16 @@
           <p:nvPr/>
         </p:nvPicPr>
         <p:blipFill rotWithShape="1">
-          <a:blip r:embed="rId3"/>
+          <a:blip r:embed="rId3">
+            <a:grayscl/>
+          </a:blip>
           <a:srcRect l="-1" r="-5"/>
           <a:stretch/>
         </p:blipFill>
         <p:spPr>
           <a:xfrm>
-            <a:off x="3930095" y="5743445"/>
-            <a:ext cx="2718584" cy="720000"/>
+            <a:off x="5972534" y="4258830"/>
+            <a:ext cx="1359294" cy="360000"/>
           </a:xfrm>
           <a:prstGeom prst="rect">
             <a:avLst/>
@@ -10293,8 +10794,8 @@
         </p:nvCxnSpPr>
         <p:spPr>
           <a:xfrm>
-            <a:off x="7229770" y="2589173"/>
-            <a:ext cx="0" cy="562332"/>
+            <a:off x="7749764" y="2325168"/>
+            <a:ext cx="0" cy="432000"/>
           </a:xfrm>
           <a:prstGeom prst="straightConnector1">
             <a:avLst/>
@@ -10375,15 +10876,17 @@
           <p:nvPr/>
         </p:nvPicPr>
         <p:blipFill>
-          <a:blip r:embed="rId4"/>
+          <a:blip r:embed="rId4">
+            <a:grayscl/>
+          </a:blip>
           <a:stretch>
             <a:fillRect/>
           </a:stretch>
         </p:blipFill>
         <p:spPr>
           <a:xfrm>
-            <a:off x="6067231" y="4363154"/>
-            <a:ext cx="586406" cy="720000"/>
+            <a:off x="7038623" y="3445199"/>
+            <a:ext cx="293205" cy="360000"/>
           </a:xfrm>
           <a:prstGeom prst="rect">
             <a:avLst/>
@@ -10405,15 +10908,17 @@
           <p:nvPr/>
         </p:nvPicPr>
         <p:blipFill>
-          <a:blip r:embed="rId5"/>
+          <a:blip r:embed="rId5">
+            <a:grayscl/>
+          </a:blip>
           <a:stretch>
             <a:fillRect/>
           </a:stretch>
         </p:blipFill>
         <p:spPr>
           <a:xfrm>
-            <a:off x="7871187" y="4462792"/>
-            <a:ext cx="2128800" cy="720000"/>
+            <a:off x="7749764" y="3445199"/>
+            <a:ext cx="1064400" cy="360000"/>
           </a:xfrm>
           <a:prstGeom prst="rect">
             <a:avLst/>
@@ -10465,15 +10970,17 @@
           <p:nvPr/>
         </p:nvPicPr>
         <p:blipFill>
-          <a:blip r:embed="rId7"/>
+          <a:blip r:embed="rId7">
+            <a:grayscl/>
+          </a:blip>
           <a:stretch>
             <a:fillRect/>
           </a:stretch>
         </p:blipFill>
         <p:spPr>
           <a:xfrm>
-            <a:off x="5884485" y="2870339"/>
-            <a:ext cx="2306165" cy="720000"/>
+            <a:off x="7014454" y="2633796"/>
+            <a:ext cx="1383701" cy="432000"/>
           </a:xfrm>
           <a:prstGeom prst="rect">
             <a:avLst/>
@@ -10496,8 +11003,8 @@
         </p:nvCxnSpPr>
         <p:spPr>
           <a:xfrm flipH="1">
-            <a:off x="6380798" y="3590339"/>
-            <a:ext cx="416659" cy="720000"/>
+            <a:off x="7366787" y="3024125"/>
+            <a:ext cx="230400" cy="360000"/>
           </a:xfrm>
           <a:prstGeom prst="straightConnector1">
             <a:avLst/>
@@ -10538,8 +11045,8 @@
         </p:nvCxnSpPr>
         <p:spPr>
           <a:xfrm flipH="1" flipV="1">
-            <a:off x="7710430" y="3565681"/>
-            <a:ext cx="480220" cy="720000"/>
+            <a:off x="7927227" y="3044961"/>
+            <a:ext cx="230400" cy="360000"/>
           </a:xfrm>
           <a:prstGeom prst="straightConnector1">
             <a:avLst/>
@@ -10580,8 +11087,8 @@
         </p:nvCxnSpPr>
         <p:spPr>
           <a:xfrm flipH="1">
-            <a:off x="5673947" y="5182792"/>
-            <a:ext cx="352651" cy="540000"/>
+            <a:off x="6784054" y="3898830"/>
+            <a:ext cx="230400" cy="360000"/>
           </a:xfrm>
           <a:prstGeom prst="straightConnector1">
             <a:avLst/>
@@ -10618,7 +11125,906 @@
 </p:sld>
 </file>
 
-<file path=ppt/slides/slide5.xml><?xml version="1.0" encoding="utf-8"?>
+<file path=ppt/slides/slide6.xml><?xml version="1.0" encoding="utf-8"?>
+<p:sld xmlns:a="http://schemas.openxmlformats.org/drawingml/2006/main" xmlns:r="http://schemas.openxmlformats.org/officeDocument/2006/relationships" xmlns:p="http://schemas.openxmlformats.org/presentationml/2006/main">
+  <p:cSld>
+    <p:spTree>
+      <p:nvGrpSpPr>
+        <p:cNvPr id="1" name=""/>
+        <p:cNvGrpSpPr/>
+        <p:nvPr/>
+      </p:nvGrpSpPr>
+      <p:grpSpPr>
+        <a:xfrm>
+          <a:off x="0" y="0"/>
+          <a:ext cx="0" cy="0"/>
+          <a:chOff x="0" y="0"/>
+          <a:chExt cx="0" cy="0"/>
+        </a:xfrm>
+      </p:grpSpPr>
+      <p:pic>
+        <p:nvPicPr>
+          <p:cNvPr id="4" name="Grafik 3">
+            <a:extLst>
+              <a:ext uri="{FF2B5EF4-FFF2-40B4-BE49-F238E27FC236}">
+                <a16:creationId xmlns:a16="http://schemas.microsoft.com/office/drawing/2014/main" id="{1AA7F025-7BFD-9F4A-9838-0BE56757A728}"/>
+              </a:ext>
+            </a:extLst>
+          </p:cNvPr>
+          <p:cNvPicPr/>
+          <p:nvPr/>
+        </p:nvPicPr>
+        <p:blipFill rotWithShape="1">
+          <a:blip r:embed="rId2">
+            <a:extLst>
+              <a:ext uri="{28A0092B-C50C-407E-A947-70E740481C1C}">
+                <a14:useLocalDpi xmlns:a14="http://schemas.microsoft.com/office/drawing/2010/main" val="0"/>
+              </a:ext>
+            </a:extLst>
+          </a:blip>
+          <a:srcRect t="40242" b="21725"/>
+          <a:stretch/>
+        </p:blipFill>
+        <p:spPr bwMode="auto">
+          <a:xfrm>
+            <a:off x="5814294" y="2049891"/>
+            <a:ext cx="2503805" cy="540000"/>
+          </a:xfrm>
+          <a:prstGeom prst="rect">
+            <a:avLst/>
+          </a:prstGeom>
+          <a:ln>
+            <a:noFill/>
+          </a:ln>
+          <a:extLst>
+            <a:ext uri="{53640926-AAD7-44D8-BBD7-CCE9431645EC}">
+              <a14:shadowObscured xmlns:a14="http://schemas.microsoft.com/office/drawing/2010/main"/>
+            </a:ext>
+          </a:extLst>
+        </p:spPr>
+      </p:pic>
+      <p:pic>
+        <p:nvPicPr>
+          <p:cNvPr id="12" name="Grafik 11">
+            <a:extLst>
+              <a:ext uri="{FF2B5EF4-FFF2-40B4-BE49-F238E27FC236}">
+                <a16:creationId xmlns:a16="http://schemas.microsoft.com/office/drawing/2014/main" id="{A747FA4D-F13E-A048-B070-FA2FAEEEC764}"/>
+              </a:ext>
+            </a:extLst>
+          </p:cNvPr>
+          <p:cNvPicPr>
+            <a:picLocks noChangeAspect="1"/>
+          </p:cNvPicPr>
+          <p:nvPr/>
+        </p:nvPicPr>
+        <p:blipFill rotWithShape="1">
+          <a:blip r:embed="rId3">
+            <a:grayscl/>
+          </a:blip>
+          <a:srcRect l="-1" r="-5"/>
+          <a:stretch/>
+        </p:blipFill>
+        <p:spPr>
+          <a:xfrm>
+            <a:off x="5784502" y="4412716"/>
+            <a:ext cx="1223365" cy="324000"/>
+          </a:xfrm>
+          <a:prstGeom prst="rect">
+            <a:avLst/>
+          </a:prstGeom>
+        </p:spPr>
+      </p:pic>
+      <p:cxnSp>
+        <p:nvCxnSpPr>
+          <p:cNvPr id="17" name="Gerade Verbindung mit Pfeil 16">
+            <a:extLst>
+              <a:ext uri="{FF2B5EF4-FFF2-40B4-BE49-F238E27FC236}">
+                <a16:creationId xmlns:a16="http://schemas.microsoft.com/office/drawing/2014/main" id="{6AAADAB5-5FE9-9949-8524-26BAC0B8820A}"/>
+              </a:ext>
+            </a:extLst>
+          </p:cNvPr>
+          <p:cNvCxnSpPr>
+            <a:cxnSpLocks/>
+          </p:cNvCxnSpPr>
+          <p:nvPr/>
+        </p:nvCxnSpPr>
+        <p:spPr>
+          <a:xfrm>
+            <a:off x="7229770" y="2589173"/>
+            <a:ext cx="0" cy="443166"/>
+          </a:xfrm>
+          <a:prstGeom prst="straightConnector1">
+            <a:avLst/>
+          </a:prstGeom>
+          <a:ln w="57150">
+            <a:headEnd type="triangle"/>
+            <a:tailEnd type="triangle"/>
+          </a:ln>
+        </p:spPr>
+        <p:style>
+          <a:lnRef idx="1">
+            <a:schemeClr val="accent3"/>
+          </a:lnRef>
+          <a:fillRef idx="0">
+            <a:schemeClr val="accent3"/>
+          </a:fillRef>
+          <a:effectRef idx="0">
+            <a:schemeClr val="accent3"/>
+          </a:effectRef>
+          <a:fontRef idx="minor">
+            <a:schemeClr val="tx1"/>
+          </a:fontRef>
+        </p:style>
+      </p:cxnSp>
+      <p:cxnSp>
+        <p:nvCxnSpPr>
+          <p:cNvPr id="15" name="Gerade Verbindung mit Pfeil 14">
+            <a:extLst>
+              <a:ext uri="{FF2B5EF4-FFF2-40B4-BE49-F238E27FC236}">
+                <a16:creationId xmlns:a16="http://schemas.microsoft.com/office/drawing/2014/main" id="{6C5F171D-7D2D-D74A-AD93-259640A0F9F8}"/>
+              </a:ext>
+            </a:extLst>
+          </p:cNvPr>
+          <p:cNvCxnSpPr>
+            <a:cxnSpLocks/>
+          </p:cNvCxnSpPr>
+          <p:nvPr/>
+        </p:nvCxnSpPr>
+        <p:spPr>
+          <a:xfrm flipV="1">
+            <a:off x="7688229" y="1738544"/>
+            <a:ext cx="230400" cy="360000"/>
+          </a:xfrm>
+          <a:prstGeom prst="straightConnector1">
+            <a:avLst/>
+          </a:prstGeom>
+          <a:ln w="57150">
+            <a:tailEnd type="triangle"/>
+          </a:ln>
+        </p:spPr>
+        <p:style>
+          <a:lnRef idx="1">
+            <a:schemeClr val="accent3"/>
+          </a:lnRef>
+          <a:fillRef idx="0">
+            <a:schemeClr val="accent3"/>
+          </a:fillRef>
+          <a:effectRef idx="0">
+            <a:schemeClr val="accent3"/>
+          </a:effectRef>
+          <a:fontRef idx="minor">
+            <a:schemeClr val="tx1"/>
+          </a:fontRef>
+        </p:style>
+      </p:cxnSp>
+      <p:pic>
+        <p:nvPicPr>
+          <p:cNvPr id="19" name="Grafik 18">
+            <a:extLst>
+              <a:ext uri="{FF2B5EF4-FFF2-40B4-BE49-F238E27FC236}">
+                <a16:creationId xmlns:a16="http://schemas.microsoft.com/office/drawing/2014/main" id="{AB8D3771-CEB2-E841-835D-CAF20480E5AD}"/>
+              </a:ext>
+            </a:extLst>
+          </p:cNvPr>
+          <p:cNvPicPr>
+            <a:picLocks noChangeAspect="1"/>
+          </p:cNvPicPr>
+          <p:nvPr/>
+        </p:nvPicPr>
+        <p:blipFill>
+          <a:blip r:embed="rId4">
+            <a:grayscl/>
+          </a:blip>
+          <a:stretch>
+            <a:fillRect/>
+          </a:stretch>
+        </p:blipFill>
+        <p:spPr>
+          <a:xfrm>
+            <a:off x="6511385" y="3724341"/>
+            <a:ext cx="263885" cy="324000"/>
+          </a:xfrm>
+          <a:prstGeom prst="rect">
+            <a:avLst/>
+          </a:prstGeom>
+        </p:spPr>
+      </p:pic>
+      <p:pic>
+        <p:nvPicPr>
+          <p:cNvPr id="8" name="Grafik 7">
+            <a:extLst>
+              <a:ext uri="{FF2B5EF4-FFF2-40B4-BE49-F238E27FC236}">
+                <a16:creationId xmlns:a16="http://schemas.microsoft.com/office/drawing/2014/main" id="{7ABBFEB6-7591-EE43-962B-3E287339DBF4}"/>
+              </a:ext>
+            </a:extLst>
+          </p:cNvPr>
+          <p:cNvPicPr>
+            <a:picLocks noChangeAspect="1"/>
+          </p:cNvPicPr>
+          <p:nvPr/>
+        </p:nvPicPr>
+        <p:blipFill>
+          <a:blip r:embed="rId5">
+            <a:grayscl/>
+          </a:blip>
+          <a:stretch>
+            <a:fillRect/>
+          </a:stretch>
+        </p:blipFill>
+        <p:spPr>
+          <a:xfrm>
+            <a:off x="7360139" y="3724341"/>
+            <a:ext cx="957960" cy="324000"/>
+          </a:xfrm>
+          <a:prstGeom prst="rect">
+            <a:avLst/>
+          </a:prstGeom>
+        </p:spPr>
+      </p:pic>
+      <p:pic>
+        <p:nvPicPr>
+          <p:cNvPr id="11" name="Grafik 10">
+            <a:extLst>
+              <a:ext uri="{FF2B5EF4-FFF2-40B4-BE49-F238E27FC236}">
+                <a16:creationId xmlns:a16="http://schemas.microsoft.com/office/drawing/2014/main" id="{F0ACF9BB-DCF8-D040-A8E4-B2759ED56F79}"/>
+              </a:ext>
+            </a:extLst>
+          </p:cNvPr>
+          <p:cNvPicPr>
+            <a:picLocks noChangeAspect="1"/>
+          </p:cNvPicPr>
+          <p:nvPr/>
+        </p:nvPicPr>
+        <p:blipFill>
+          <a:blip r:embed="rId6">
+            <a:grayscl/>
+            <a:extLst>
+              <a:ext uri="{BEBA8EAE-BF5A-486C-A8C5-ECC9F3942E4B}">
+                <a14:imgProps xmlns:a14="http://schemas.microsoft.com/office/drawing/2010/main">
+                  <a14:imgLayer>
+                    <a14:imgEffect>
+                      <a14:brightnessContrast bright="20000"/>
+                    </a14:imgEffect>
+                  </a14:imgLayer>
+                </a14:imgProps>
+              </a:ext>
+            </a:extLst>
+          </a:blip>
+          <a:stretch>
+            <a:fillRect/>
+          </a:stretch>
+        </p:blipFill>
+        <p:spPr>
+          <a:xfrm>
+            <a:off x="7839119" y="1387667"/>
+            <a:ext cx="505440" cy="324000"/>
+          </a:xfrm>
+          <a:prstGeom prst="rect">
+            <a:avLst/>
+          </a:prstGeom>
+        </p:spPr>
+      </p:pic>
+      <p:pic>
+        <p:nvPicPr>
+          <p:cNvPr id="18" name="Grafik 17">
+            <a:extLst>
+              <a:ext uri="{FF2B5EF4-FFF2-40B4-BE49-F238E27FC236}">
+                <a16:creationId xmlns:a16="http://schemas.microsoft.com/office/drawing/2014/main" id="{2FFEDF55-1C45-B94B-882D-53A53E85428F}"/>
+              </a:ext>
+            </a:extLst>
+          </p:cNvPr>
+          <p:cNvPicPr>
+            <a:picLocks noChangeAspect="1"/>
+          </p:cNvPicPr>
+          <p:nvPr/>
+        </p:nvPicPr>
+        <p:blipFill>
+          <a:blip r:embed="rId7">
+            <a:grayscl/>
+          </a:blip>
+          <a:stretch>
+            <a:fillRect/>
+          </a:stretch>
+        </p:blipFill>
+        <p:spPr>
+          <a:xfrm>
+            <a:off x="6643328" y="2928115"/>
+            <a:ext cx="1037777" cy="324000"/>
+          </a:xfrm>
+          <a:prstGeom prst="rect">
+            <a:avLst/>
+          </a:prstGeom>
+        </p:spPr>
+      </p:pic>
+      <p:cxnSp>
+        <p:nvCxnSpPr>
+          <p:cNvPr id="23" name="Gerade Verbindung mit Pfeil 22">
+            <a:extLst>
+              <a:ext uri="{FF2B5EF4-FFF2-40B4-BE49-F238E27FC236}">
+                <a16:creationId xmlns:a16="http://schemas.microsoft.com/office/drawing/2014/main" id="{2180754F-C9BC-DC4D-ACD4-EC61FA223620}"/>
+              </a:ext>
+            </a:extLst>
+          </p:cNvPr>
+          <p:cNvCxnSpPr>
+            <a:cxnSpLocks/>
+          </p:cNvCxnSpPr>
+          <p:nvPr/>
+        </p:nvCxnSpPr>
+        <p:spPr>
+          <a:xfrm flipH="1">
+            <a:off x="6783572" y="3252115"/>
+            <a:ext cx="230827" cy="426750"/>
+          </a:xfrm>
+          <a:prstGeom prst="straightConnector1">
+            <a:avLst/>
+          </a:prstGeom>
+          <a:ln w="57150">
+            <a:headEnd type="triangle"/>
+            <a:tailEnd type="triangle"/>
+          </a:ln>
+        </p:spPr>
+        <p:style>
+          <a:lnRef idx="1">
+            <a:schemeClr val="accent3"/>
+          </a:lnRef>
+          <a:fillRef idx="0">
+            <a:schemeClr val="accent3"/>
+          </a:fillRef>
+          <a:effectRef idx="0">
+            <a:schemeClr val="accent3"/>
+          </a:effectRef>
+          <a:fontRef idx="minor">
+            <a:schemeClr val="tx1"/>
+          </a:fontRef>
+        </p:style>
+      </p:cxnSp>
+      <p:cxnSp>
+        <p:nvCxnSpPr>
+          <p:cNvPr id="24" name="Gerade Verbindung mit Pfeil 23">
+            <a:extLst>
+              <a:ext uri="{FF2B5EF4-FFF2-40B4-BE49-F238E27FC236}">
+                <a16:creationId xmlns:a16="http://schemas.microsoft.com/office/drawing/2014/main" id="{83BB2A1A-F30B-4C49-B290-F07411C649DF}"/>
+              </a:ext>
+            </a:extLst>
+          </p:cNvPr>
+          <p:cNvCxnSpPr>
+            <a:cxnSpLocks/>
+          </p:cNvCxnSpPr>
+          <p:nvPr/>
+        </p:nvCxnSpPr>
+        <p:spPr>
+          <a:xfrm flipH="1" flipV="1">
+            <a:off x="7437895" y="3252115"/>
+            <a:ext cx="230400" cy="426750"/>
+          </a:xfrm>
+          <a:prstGeom prst="straightConnector1">
+            <a:avLst/>
+          </a:prstGeom>
+          <a:ln w="57150">
+            <a:headEnd type="triangle"/>
+            <a:tailEnd type="triangle"/>
+          </a:ln>
+        </p:spPr>
+        <p:style>
+          <a:lnRef idx="1">
+            <a:schemeClr val="accent3"/>
+          </a:lnRef>
+          <a:fillRef idx="0">
+            <a:schemeClr val="accent3"/>
+          </a:fillRef>
+          <a:effectRef idx="0">
+            <a:schemeClr val="accent3"/>
+          </a:effectRef>
+          <a:fontRef idx="minor">
+            <a:schemeClr val="tx1"/>
+          </a:fontRef>
+        </p:style>
+      </p:cxnSp>
+      <p:cxnSp>
+        <p:nvCxnSpPr>
+          <p:cNvPr id="31" name="Gerade Verbindung mit Pfeil 30">
+            <a:extLst>
+              <a:ext uri="{FF2B5EF4-FFF2-40B4-BE49-F238E27FC236}">
+                <a16:creationId xmlns:a16="http://schemas.microsoft.com/office/drawing/2014/main" id="{9429C012-F1C1-DE40-B980-536832E07B63}"/>
+              </a:ext>
+            </a:extLst>
+          </p:cNvPr>
+          <p:cNvCxnSpPr>
+            <a:cxnSpLocks/>
+          </p:cNvCxnSpPr>
+          <p:nvPr/>
+        </p:nvCxnSpPr>
+        <p:spPr>
+          <a:xfrm flipH="1">
+            <a:off x="6280985" y="4048341"/>
+            <a:ext cx="230400" cy="360000"/>
+          </a:xfrm>
+          <a:prstGeom prst="straightConnector1">
+            <a:avLst/>
+          </a:prstGeom>
+          <a:ln w="57150">
+            <a:tailEnd type="triangle"/>
+          </a:ln>
+        </p:spPr>
+        <p:style>
+          <a:lnRef idx="1">
+            <a:schemeClr val="accent3"/>
+          </a:lnRef>
+          <a:fillRef idx="0">
+            <a:schemeClr val="accent3"/>
+          </a:fillRef>
+          <a:effectRef idx="0">
+            <a:schemeClr val="accent3"/>
+          </a:effectRef>
+          <a:fontRef idx="minor">
+            <a:schemeClr val="tx1"/>
+          </a:fontRef>
+        </p:style>
+      </p:cxnSp>
+    </p:spTree>
+    <p:extLst>
+      <p:ext uri="{BB962C8B-B14F-4D97-AF65-F5344CB8AC3E}">
+        <p14:creationId xmlns:p14="http://schemas.microsoft.com/office/powerpoint/2010/main" val="3019660852"/>
+      </p:ext>
+    </p:extLst>
+  </p:cSld>
+  <p:clrMapOvr>
+    <a:masterClrMapping/>
+  </p:clrMapOvr>
+</p:sld>
+</file>
+
+<file path=ppt/slides/slide7.xml><?xml version="1.0" encoding="utf-8"?>
+<p:sld xmlns:a="http://schemas.openxmlformats.org/drawingml/2006/main" xmlns:r="http://schemas.openxmlformats.org/officeDocument/2006/relationships" xmlns:p="http://schemas.openxmlformats.org/presentationml/2006/main">
+  <p:cSld>
+    <p:spTree>
+      <p:nvGrpSpPr>
+        <p:cNvPr id="1" name=""/>
+        <p:cNvGrpSpPr/>
+        <p:nvPr/>
+      </p:nvGrpSpPr>
+      <p:grpSpPr>
+        <a:xfrm>
+          <a:off x="0" y="0"/>
+          <a:ext cx="0" cy="0"/>
+          <a:chOff x="0" y="0"/>
+          <a:chExt cx="0" cy="0"/>
+        </a:xfrm>
+      </p:grpSpPr>
+      <p:pic>
+        <p:nvPicPr>
+          <p:cNvPr id="4" name="Grafik 3">
+            <a:extLst>
+              <a:ext uri="{FF2B5EF4-FFF2-40B4-BE49-F238E27FC236}">
+                <a16:creationId xmlns:a16="http://schemas.microsoft.com/office/drawing/2014/main" id="{1AA7F025-7BFD-9F4A-9838-0BE56757A728}"/>
+              </a:ext>
+            </a:extLst>
+          </p:cNvPr>
+          <p:cNvPicPr>
+            <a:picLocks noChangeAspect="1"/>
+          </p:cNvPicPr>
+          <p:nvPr/>
+        </p:nvPicPr>
+        <p:blipFill rotWithShape="1">
+          <a:blip r:embed="rId2">
+            <a:grayscl/>
+            <a:extLst>
+              <a:ext uri="{28A0092B-C50C-407E-A947-70E740481C1C}">
+                <a14:useLocalDpi xmlns:a14="http://schemas.microsoft.com/office/drawing/2010/main" val="0"/>
+              </a:ext>
+            </a:extLst>
+          </a:blip>
+          <a:srcRect t="40242" b="21725"/>
+          <a:stretch/>
+        </p:blipFill>
+        <p:spPr bwMode="auto">
+          <a:xfrm>
+            <a:off x="6463716" y="2239888"/>
+            <a:ext cx="1335364" cy="288000"/>
+          </a:xfrm>
+          <a:prstGeom prst="rect">
+            <a:avLst/>
+          </a:prstGeom>
+          <a:ln>
+            <a:noFill/>
+          </a:ln>
+          <a:extLst>
+            <a:ext uri="{53640926-AAD7-44D8-BBD7-CCE9431645EC}">
+              <a14:shadowObscured xmlns:a14="http://schemas.microsoft.com/office/drawing/2010/main"/>
+            </a:ext>
+          </a:extLst>
+        </p:spPr>
+      </p:pic>
+      <p:pic>
+        <p:nvPicPr>
+          <p:cNvPr id="12" name="Grafik 11">
+            <a:extLst>
+              <a:ext uri="{FF2B5EF4-FFF2-40B4-BE49-F238E27FC236}">
+                <a16:creationId xmlns:a16="http://schemas.microsoft.com/office/drawing/2014/main" id="{A747FA4D-F13E-A048-B070-FA2FAEEEC764}"/>
+              </a:ext>
+            </a:extLst>
+          </p:cNvPr>
+          <p:cNvPicPr>
+            <a:picLocks noChangeAspect="1"/>
+          </p:cNvPicPr>
+          <p:nvPr/>
+        </p:nvPicPr>
+        <p:blipFill rotWithShape="1">
+          <a:blip r:embed="rId3">
+            <a:grayscl/>
+          </a:blip>
+          <a:srcRect l="-1" r="-5"/>
+          <a:stretch/>
+        </p:blipFill>
+        <p:spPr>
+          <a:xfrm>
+            <a:off x="5810962" y="4750090"/>
+            <a:ext cx="1223365" cy="324000"/>
+          </a:xfrm>
+          <a:prstGeom prst="rect">
+            <a:avLst/>
+          </a:prstGeom>
+        </p:spPr>
+      </p:pic>
+      <p:cxnSp>
+        <p:nvCxnSpPr>
+          <p:cNvPr id="17" name="Gerade Verbindung mit Pfeil 16">
+            <a:extLst>
+              <a:ext uri="{FF2B5EF4-FFF2-40B4-BE49-F238E27FC236}">
+                <a16:creationId xmlns:a16="http://schemas.microsoft.com/office/drawing/2014/main" id="{6AAADAB5-5FE9-9949-8524-26BAC0B8820A}"/>
+              </a:ext>
+            </a:extLst>
+          </p:cNvPr>
+          <p:cNvCxnSpPr>
+            <a:cxnSpLocks/>
+          </p:cNvCxnSpPr>
+          <p:nvPr/>
+        </p:nvCxnSpPr>
+        <p:spPr>
+          <a:xfrm>
+            <a:off x="7229770" y="2589173"/>
+            <a:ext cx="0" cy="443166"/>
+          </a:xfrm>
+          <a:prstGeom prst="straightConnector1">
+            <a:avLst/>
+          </a:prstGeom>
+          <a:ln w="57150">
+            <a:headEnd type="triangle"/>
+            <a:tailEnd type="triangle"/>
+          </a:ln>
+        </p:spPr>
+        <p:style>
+          <a:lnRef idx="1">
+            <a:schemeClr val="accent3"/>
+          </a:lnRef>
+          <a:fillRef idx="0">
+            <a:schemeClr val="accent3"/>
+          </a:fillRef>
+          <a:effectRef idx="0">
+            <a:schemeClr val="accent3"/>
+          </a:effectRef>
+          <a:fontRef idx="minor">
+            <a:schemeClr val="tx1"/>
+          </a:fontRef>
+        </p:style>
+      </p:cxnSp>
+      <p:cxnSp>
+        <p:nvCxnSpPr>
+          <p:cNvPr id="15" name="Gerade Verbindung mit Pfeil 14">
+            <a:extLst>
+              <a:ext uri="{FF2B5EF4-FFF2-40B4-BE49-F238E27FC236}">
+                <a16:creationId xmlns:a16="http://schemas.microsoft.com/office/drawing/2014/main" id="{6C5F171D-7D2D-D74A-AD93-259640A0F9F8}"/>
+              </a:ext>
+            </a:extLst>
+          </p:cNvPr>
+          <p:cNvCxnSpPr>
+            <a:cxnSpLocks/>
+          </p:cNvCxnSpPr>
+          <p:nvPr/>
+        </p:nvCxnSpPr>
+        <p:spPr>
+          <a:xfrm flipV="1">
+            <a:off x="7715252" y="1843997"/>
+            <a:ext cx="230400" cy="360000"/>
+          </a:xfrm>
+          <a:prstGeom prst="straightConnector1">
+            <a:avLst/>
+          </a:prstGeom>
+          <a:ln w="57150">
+            <a:tailEnd type="triangle"/>
+          </a:ln>
+        </p:spPr>
+        <p:style>
+          <a:lnRef idx="1">
+            <a:schemeClr val="accent3"/>
+          </a:lnRef>
+          <a:fillRef idx="0">
+            <a:schemeClr val="accent3"/>
+          </a:fillRef>
+          <a:effectRef idx="0">
+            <a:schemeClr val="accent3"/>
+          </a:effectRef>
+          <a:fontRef idx="minor">
+            <a:schemeClr val="tx1"/>
+          </a:fontRef>
+        </p:style>
+      </p:cxnSp>
+      <p:pic>
+        <p:nvPicPr>
+          <p:cNvPr id="19" name="Grafik 18">
+            <a:extLst>
+              <a:ext uri="{FF2B5EF4-FFF2-40B4-BE49-F238E27FC236}">
+                <a16:creationId xmlns:a16="http://schemas.microsoft.com/office/drawing/2014/main" id="{AB8D3771-CEB2-E841-835D-CAF20480E5AD}"/>
+              </a:ext>
+            </a:extLst>
+          </p:cNvPr>
+          <p:cNvPicPr>
+            <a:picLocks noChangeAspect="1"/>
+          </p:cNvPicPr>
+          <p:nvPr/>
+        </p:nvPicPr>
+        <p:blipFill>
+          <a:blip r:embed="rId4">
+            <a:grayscl/>
+          </a:blip>
+          <a:stretch>
+            <a:fillRect/>
+          </a:stretch>
+        </p:blipFill>
+        <p:spPr>
+          <a:xfrm>
+            <a:off x="6537845" y="4061715"/>
+            <a:ext cx="263885" cy="324000"/>
+          </a:xfrm>
+          <a:prstGeom prst="rect">
+            <a:avLst/>
+          </a:prstGeom>
+        </p:spPr>
+      </p:pic>
+      <p:pic>
+        <p:nvPicPr>
+          <p:cNvPr id="8" name="Grafik 7">
+            <a:extLst>
+              <a:ext uri="{FF2B5EF4-FFF2-40B4-BE49-F238E27FC236}">
+                <a16:creationId xmlns:a16="http://schemas.microsoft.com/office/drawing/2014/main" id="{7ABBFEB6-7591-EE43-962B-3E287339DBF4}"/>
+              </a:ext>
+            </a:extLst>
+          </p:cNvPr>
+          <p:cNvPicPr>
+            <a:picLocks noChangeAspect="1"/>
+          </p:cNvPicPr>
+          <p:nvPr/>
+        </p:nvPicPr>
+        <p:blipFill>
+          <a:blip r:embed="rId5">
+            <a:grayscl/>
+          </a:blip>
+          <a:stretch>
+            <a:fillRect/>
+          </a:stretch>
+        </p:blipFill>
+        <p:spPr>
+          <a:xfrm>
+            <a:off x="7386599" y="4061715"/>
+            <a:ext cx="957960" cy="324000"/>
+          </a:xfrm>
+          <a:prstGeom prst="rect">
+            <a:avLst/>
+          </a:prstGeom>
+        </p:spPr>
+      </p:pic>
+      <p:pic>
+        <p:nvPicPr>
+          <p:cNvPr id="11" name="Grafik 10">
+            <a:extLst>
+              <a:ext uri="{FF2B5EF4-FFF2-40B4-BE49-F238E27FC236}">
+                <a16:creationId xmlns:a16="http://schemas.microsoft.com/office/drawing/2014/main" id="{F0ACF9BB-DCF8-D040-A8E4-B2759ED56F79}"/>
+              </a:ext>
+            </a:extLst>
+          </p:cNvPr>
+          <p:cNvPicPr>
+            <a:picLocks noChangeAspect="1"/>
+          </p:cNvPicPr>
+          <p:nvPr/>
+        </p:nvPicPr>
+        <p:blipFill>
+          <a:blip r:embed="rId6">
+            <a:grayscl/>
+            <a:extLst>
+              <a:ext uri="{BEBA8EAE-BF5A-486C-A8C5-ECC9F3942E4B}">
+                <a14:imgProps xmlns:a14="http://schemas.microsoft.com/office/drawing/2010/main">
+                  <a14:imgLayer>
+                    <a14:imgEffect>
+                      <a14:brightnessContrast bright="20000"/>
+                    </a14:imgEffect>
+                  </a14:imgLayer>
+                </a14:imgProps>
+              </a:ext>
+            </a:extLst>
+          </a:blip>
+          <a:stretch>
+            <a:fillRect/>
+          </a:stretch>
+        </p:blipFill>
+        <p:spPr>
+          <a:xfrm>
+            <a:off x="7866142" y="1493120"/>
+            <a:ext cx="505440" cy="324000"/>
+          </a:xfrm>
+          <a:prstGeom prst="rect">
+            <a:avLst/>
+          </a:prstGeom>
+        </p:spPr>
+      </p:pic>
+      <p:cxnSp>
+        <p:nvCxnSpPr>
+          <p:cNvPr id="23" name="Gerade Verbindung mit Pfeil 22">
+            <a:extLst>
+              <a:ext uri="{FF2B5EF4-FFF2-40B4-BE49-F238E27FC236}">
+                <a16:creationId xmlns:a16="http://schemas.microsoft.com/office/drawing/2014/main" id="{2180754F-C9BC-DC4D-ACD4-EC61FA223620}"/>
+              </a:ext>
+            </a:extLst>
+          </p:cNvPr>
+          <p:cNvCxnSpPr>
+            <a:cxnSpLocks/>
+          </p:cNvCxnSpPr>
+          <p:nvPr/>
+        </p:nvCxnSpPr>
+        <p:spPr>
+          <a:xfrm flipH="1">
+            <a:off x="6810032" y="3589489"/>
+            <a:ext cx="230827" cy="426750"/>
+          </a:xfrm>
+          <a:prstGeom prst="straightConnector1">
+            <a:avLst/>
+          </a:prstGeom>
+          <a:ln w="57150">
+            <a:headEnd type="triangle"/>
+            <a:tailEnd type="triangle"/>
+          </a:ln>
+        </p:spPr>
+        <p:style>
+          <a:lnRef idx="1">
+            <a:schemeClr val="accent3"/>
+          </a:lnRef>
+          <a:fillRef idx="0">
+            <a:schemeClr val="accent3"/>
+          </a:fillRef>
+          <a:effectRef idx="0">
+            <a:schemeClr val="accent3"/>
+          </a:effectRef>
+          <a:fontRef idx="minor">
+            <a:schemeClr val="tx1"/>
+          </a:fontRef>
+        </p:style>
+      </p:cxnSp>
+      <p:cxnSp>
+        <p:nvCxnSpPr>
+          <p:cNvPr id="24" name="Gerade Verbindung mit Pfeil 23">
+            <a:extLst>
+              <a:ext uri="{FF2B5EF4-FFF2-40B4-BE49-F238E27FC236}">
+                <a16:creationId xmlns:a16="http://schemas.microsoft.com/office/drawing/2014/main" id="{83BB2A1A-F30B-4C49-B290-F07411C649DF}"/>
+              </a:ext>
+            </a:extLst>
+          </p:cNvPr>
+          <p:cNvCxnSpPr>
+            <a:cxnSpLocks/>
+          </p:cNvCxnSpPr>
+          <p:nvPr/>
+        </p:nvCxnSpPr>
+        <p:spPr>
+          <a:xfrm flipH="1" flipV="1">
+            <a:off x="7464355" y="3589489"/>
+            <a:ext cx="230400" cy="426750"/>
+          </a:xfrm>
+          <a:prstGeom prst="straightConnector1">
+            <a:avLst/>
+          </a:prstGeom>
+          <a:ln w="57150">
+            <a:headEnd type="triangle"/>
+            <a:tailEnd type="triangle"/>
+          </a:ln>
+        </p:spPr>
+        <p:style>
+          <a:lnRef idx="1">
+            <a:schemeClr val="accent3"/>
+          </a:lnRef>
+          <a:fillRef idx="0">
+            <a:schemeClr val="accent3"/>
+          </a:fillRef>
+          <a:effectRef idx="0">
+            <a:schemeClr val="accent3"/>
+          </a:effectRef>
+          <a:fontRef idx="minor">
+            <a:schemeClr val="tx1"/>
+          </a:fontRef>
+        </p:style>
+      </p:cxnSp>
+      <p:cxnSp>
+        <p:nvCxnSpPr>
+          <p:cNvPr id="31" name="Gerade Verbindung mit Pfeil 30">
+            <a:extLst>
+              <a:ext uri="{FF2B5EF4-FFF2-40B4-BE49-F238E27FC236}">
+                <a16:creationId xmlns:a16="http://schemas.microsoft.com/office/drawing/2014/main" id="{9429C012-F1C1-DE40-B980-536832E07B63}"/>
+              </a:ext>
+            </a:extLst>
+          </p:cNvPr>
+          <p:cNvCxnSpPr>
+            <a:cxnSpLocks/>
+          </p:cNvCxnSpPr>
+          <p:nvPr/>
+        </p:nvCxnSpPr>
+        <p:spPr>
+          <a:xfrm flipH="1">
+            <a:off x="6307445" y="4385715"/>
+            <a:ext cx="230400" cy="360000"/>
+          </a:xfrm>
+          <a:prstGeom prst="straightConnector1">
+            <a:avLst/>
+          </a:prstGeom>
+          <a:ln w="57150">
+            <a:tailEnd type="triangle"/>
+          </a:ln>
+        </p:spPr>
+        <p:style>
+          <a:lnRef idx="1">
+            <a:schemeClr val="accent3"/>
+          </a:lnRef>
+          <a:fillRef idx="0">
+            <a:schemeClr val="accent3"/>
+          </a:fillRef>
+          <a:effectRef idx="0">
+            <a:schemeClr val="accent3"/>
+          </a:effectRef>
+          <a:fontRef idx="minor">
+            <a:schemeClr val="tx1"/>
+          </a:fontRef>
+        </p:style>
+      </p:cxnSp>
+      <p:pic>
+        <p:nvPicPr>
+          <p:cNvPr id="13" name="Grafik 12">
+            <a:extLst>
+              <a:ext uri="{FF2B5EF4-FFF2-40B4-BE49-F238E27FC236}">
+                <a16:creationId xmlns:a16="http://schemas.microsoft.com/office/drawing/2014/main" id="{B58BF7DE-4AFB-0A45-B8BF-D542681874B6}"/>
+              </a:ext>
+            </a:extLst>
+          </p:cNvPr>
+          <p:cNvPicPr>
+            <a:picLocks noChangeAspect="1"/>
+          </p:cNvPicPr>
+          <p:nvPr/>
+        </p:nvPicPr>
+        <p:blipFill>
+          <a:blip r:embed="rId7"/>
+          <a:stretch>
+            <a:fillRect/>
+          </a:stretch>
+        </p:blipFill>
+        <p:spPr>
+          <a:xfrm>
+            <a:off x="5484198" y="2700136"/>
+            <a:ext cx="3113321" cy="972000"/>
+          </a:xfrm>
+          <a:prstGeom prst="rect">
+            <a:avLst/>
+          </a:prstGeom>
+        </p:spPr>
+      </p:pic>
+    </p:spTree>
+    <p:extLst>
+      <p:ext uri="{BB962C8B-B14F-4D97-AF65-F5344CB8AC3E}">
+        <p14:creationId xmlns:p14="http://schemas.microsoft.com/office/powerpoint/2010/main" val="1496292162"/>
+      </p:ext>
+    </p:extLst>
+  </p:cSld>
+  <p:clrMapOvr>
+    <a:masterClrMapping/>
+  </p:clrMapOvr>
+</p:sld>
+</file>
+
+<file path=ppt/slides/slide8.xml><?xml version="1.0" encoding="utf-8"?>
 <p:sld xmlns:a="http://schemas.openxmlformats.org/drawingml/2006/main" xmlns:r="http://schemas.openxmlformats.org/officeDocument/2006/relationships" xmlns:p="http://schemas.openxmlformats.org/presentationml/2006/main">
   <p:cSld>
     <p:spTree>
@@ -12642,7 +14048,7 @@
 </p:sld>
 </file>
 
-<file path=ppt/slides/slide6.xml><?xml version="1.0" encoding="utf-8"?>
+<file path=ppt/slides/slide9.xml><?xml version="1.0" encoding="utf-8"?>
 <p:sld xmlns:a="http://schemas.openxmlformats.org/drawingml/2006/main" xmlns:r="http://schemas.openxmlformats.org/officeDocument/2006/relationships" xmlns:p="http://schemas.openxmlformats.org/presentationml/2006/main">
   <p:cSld>
     <p:spTree>
